--- a/doc/BASDA_Introduction.pptx
+++ b/doc/BASDA_Introduction.pptx
@@ -34100,23 +34100,72 @@
           <a:p>
             <a:r>
               <a:rPr lang="x-none" altLang="en-US"/>
-              <a:t>c++ 11</a:t>
+              <a:t>c++14 </a:t>
+            </a:r>
+            <a:r>
+              <a:rPr lang="x-none" altLang="en-US">
+                <a:latin typeface="Noto Sans CJK SC" charset="0"/>
+                <a:ea typeface="Noto Sans CJK SC" charset="0"/>
+              </a:rPr>
+              <a:t>⊕</a:t>
+            </a:r>
+            <a:r>
+              <a:rPr lang="x-none" altLang="en-US"/>
+              <a:t> root6 </a:t>
+            </a:r>
+            <a:r>
+              <a:rPr lang="x-none" altLang="en-US">
+                <a:latin typeface="Noto Sans CJK SC" charset="0"/>
+                <a:ea typeface="Noto Sans CJK SC" charset="0"/>
+                <a:sym typeface="+mn-ea"/>
+              </a:rPr>
+              <a:t>⊕ </a:t>
+            </a:r>
+            <a:r>
+              <a:rPr lang="x-none" altLang="en-US">
+                <a:sym typeface="+mn-ea"/>
+              </a:rPr>
+              <a:t>boost_filesystem</a:t>
             </a:r>
             <a:endParaRPr lang="x-none" altLang="en-US"/>
           </a:p>
           <a:p>
-            <a:r>
-              <a:rPr lang="x-none" altLang="en-US"/>
-              <a:t>root-6</a:t>
-            </a:r>
-            <a:endParaRPr lang="x-none" altLang="en-US"/>
-          </a:p>
-          <a:p>
-            <a:r>
-              <a:rPr lang="x-none" altLang="en-US"/>
-              <a:t>boost_filesystem</a:t>
-            </a:r>
-            <a:endParaRPr lang="x-none" altLang="en-US"/>
+            <a:pPr marL="457200" lvl="2"/>
+            <a:r>
+              <a:rPr lang="x-none" altLang="en-US" sz="2000">
+                <a:sym typeface="+mn-ea"/>
+              </a:rPr>
+              <a:t>ilcsoft environment  </a:t>
+            </a:r>
+            <a:endParaRPr lang="x-none" altLang="en-US" sz="2000">
+              <a:sym typeface="+mn-ea"/>
+            </a:endParaRPr>
+          </a:p>
+          <a:p>
+            <a:pPr marL="457200" lvl="2"/>
+            <a:r>
+              <a:rPr lang="x-none" altLang="en-US" sz="2000">
+                <a:sym typeface="+mn-ea"/>
+              </a:rPr>
+              <a:t>for gcc</a:t>
+            </a:r>
+            <a:r>
+              <a:rPr lang="x-none" altLang="en-US" sz="2000">
+                <a:latin typeface="SimSun" charset="-122"/>
+                <a:ea typeface="SimSun" charset="-122"/>
+                <a:sym typeface="+mn-ea"/>
+              </a:rPr>
+              <a:t>≧</a:t>
+            </a:r>
+            <a:r>
+              <a:rPr lang="x-none" altLang="en-US" sz="2000">
+                <a:sym typeface="+mn-ea"/>
+              </a:rPr>
+              <a:t>4.8, root 6</a:t>
+            </a:r>
+            <a:endParaRPr lang="x-none" altLang="en-US" sz="2000">
+              <a:sym typeface="+mn-ea"/>
+            </a:endParaRPr>
           </a:p>
           <a:p>
             <a:r>
@@ -34126,7 +34175,12 @@
             <a:endParaRPr lang="x-none" altLang="en-US"/>
           </a:p>
           <a:p>
-            <a:endParaRPr lang="x-none" altLang="en-US"/>
+            <a:pPr lvl="1"/>
+            <a:r>
+              <a:rPr lang="x-none" altLang="en-US" sz="1800"/>
+              <a:t>https://github.com/jbeder/yaml-cpp</a:t>
+            </a:r>
+            <a:endParaRPr lang="x-none" altLang="en-US" sz="1800"/>
           </a:p>
           <a:p>
             <a:r>
@@ -34138,18 +34192,18 @@
           <a:p>
             <a:pPr lvl="1"/>
             <a:r>
-              <a:rPr lang="x-none" altLang="en-US"/>
+              <a:rPr lang="x-none" altLang="en-US" sz="2000"/>
               <a:t>weight</a:t>
             </a:r>
-            <a:endParaRPr lang="x-none" altLang="en-US"/>
+            <a:endParaRPr lang="x-none" altLang="en-US" sz="2000"/>
           </a:p>
           <a:p>
             <a:pPr lvl="1"/>
             <a:r>
-              <a:rPr lang="x-none" altLang="en-US"/>
+              <a:rPr lang="x-none" altLang="en-US" sz="2000"/>
               <a:t>observables</a:t>
             </a:r>
-            <a:endParaRPr lang="x-none" altLang="en-US"/>
+            <a:endParaRPr lang="x-none" altLang="en-US" sz="2000"/>
           </a:p>
           <a:p>
             <a:endParaRPr lang="x-none" altLang="en-US"/>
@@ -34172,7 +34226,7 @@
         </p:blipFill>
         <p:spPr>
           <a:xfrm>
-            <a:off x="6587490" y="3068955"/>
+            <a:off x="6587490" y="2996565"/>
             <a:ext cx="2428875" cy="3361690"/>
           </a:xfrm>
           <a:prstGeom prst="rect">

--- a/doc/BASDA_Introduction.pptx
+++ b/doc/BASDA_Introduction.pptx
@@ -4,6 +4,12 @@
   <p:sldMasterIdLst>
     <p:sldMasterId id="2147483648" r:id="rId1"/>
   </p:sldMasterIdLst>
+  <p:notesMasterIdLst>
+    <p:notesMasterId r:id="rId44"/>
+  </p:notesMasterIdLst>
+  <p:handoutMasterIdLst>
+    <p:handoutMasterId r:id="rId45"/>
+  </p:handoutMasterIdLst>
   <p:sldIdLst>
     <p:sldId id="256" r:id="rId3"/>
     <p:sldId id="285" r:id="rId4"/>
@@ -226,6 +232,511 @@
     </a:lvl9pPr>
   </p:defaultTextStyle>
 </p:presentation>
+</file>
+
+<file path=ppt/handoutMasters/handoutMaster1.xml><?xml version="1.0" encoding="utf-8"?>
+<p:handoutMaster xmlns:a="http://schemas.openxmlformats.org/drawingml/2006/main" xmlns:r="http://schemas.openxmlformats.org/officeDocument/2006/relationships" xmlns:p="http://schemas.openxmlformats.org/presentationml/2006/main">
+  <p:cSld>
+    <p:bg>
+      <p:bgRef idx="1001">
+        <a:schemeClr val="bg1"/>
+      </p:bgRef>
+    </p:bg>
+    <p:spTree>
+      <p:nvGrpSpPr>
+        <p:cNvPr id="1" name=""/>
+        <p:cNvGrpSpPr/>
+        <p:nvPr/>
+      </p:nvGrpSpPr>
+      <p:grpSpPr>
+        <a:xfrm>
+          <a:off x="0" y="0"/>
+          <a:ext cx="0" cy="0"/>
+          <a:chOff x="0" y="0"/>
+          <a:chExt cx="0" cy="0"/>
+        </a:xfrm>
+      </p:grpSpPr>
+      <p:sp>
+        <p:nvSpPr>
+          <p:cNvPr id="2" name="Header Placeholder 1"/>
+          <p:cNvSpPr>
+            <a:spLocks noGrp="1"/>
+          </p:cNvSpPr>
+          <p:nvPr>
+            <p:ph type="hdr" sz="quarter"/>
+          </p:nvPr>
+        </p:nvSpPr>
+        <p:spPr>
+          <a:xfrm>
+            <a:off x="0" y="0"/>
+            <a:ext cx="2971800" cy="458788"/>
+          </a:xfrm>
+          <a:prstGeom prst="rect">
+            <a:avLst/>
+          </a:prstGeom>
+        </p:spPr>
+        <p:txBody>
+          <a:bodyPr vert="horz" lIns="91440" tIns="45720" rIns="91440" bIns="45720" rtlCol="0"/>
+          <a:lstStyle>
+            <a:lvl1pPr algn="l">
+              <a:defRPr sz="1200"/>
+            </a:lvl1pPr>
+          </a:lstStyle>
+          <a:p>
+            <a:endParaRPr lang="en-US"/>
+          </a:p>
+        </p:txBody>
+      </p:sp>
+      <p:sp>
+        <p:nvSpPr>
+          <p:cNvPr id="3" name="Date Placeholder 2"/>
+          <p:cNvSpPr>
+            <a:spLocks noGrp="1"/>
+          </p:cNvSpPr>
+          <p:nvPr>
+            <p:ph type="dt" sz="quarter" idx="1"/>
+          </p:nvPr>
+        </p:nvSpPr>
+        <p:spPr>
+          <a:xfrm>
+            <a:off x="3884613" y="0"/>
+            <a:ext cx="2971800" cy="458788"/>
+          </a:xfrm>
+          <a:prstGeom prst="rect">
+            <a:avLst/>
+          </a:prstGeom>
+        </p:spPr>
+        <p:txBody>
+          <a:bodyPr vert="horz" lIns="91440" tIns="45720" rIns="91440" bIns="45720" rtlCol="0"/>
+          <a:lstStyle>
+            <a:lvl1pPr algn="r">
+              <a:defRPr sz="1200"/>
+            </a:lvl1pPr>
+          </a:lstStyle>
+          <a:p>
+            <a:fld id="{696C064A-D61B-4B21-B757-51A9B82445B8}" type="datetimeFigureOut">
+              <a:rPr lang="en-US" smtClean="0"/>
+            </a:fld>
+            <a:endParaRPr lang="en-US"/>
+          </a:p>
+        </p:txBody>
+      </p:sp>
+      <p:sp>
+        <p:nvSpPr>
+          <p:cNvPr id="4" name="Footer Placeholder 3"/>
+          <p:cNvSpPr>
+            <a:spLocks noGrp="1"/>
+          </p:cNvSpPr>
+          <p:nvPr>
+            <p:ph type="ftr" sz="quarter" idx="2"/>
+          </p:nvPr>
+        </p:nvSpPr>
+        <p:spPr>
+          <a:xfrm>
+            <a:off x="0" y="8685213"/>
+            <a:ext cx="2971800" cy="458787"/>
+          </a:xfrm>
+          <a:prstGeom prst="rect">
+            <a:avLst/>
+          </a:prstGeom>
+        </p:spPr>
+        <p:txBody>
+          <a:bodyPr vert="horz" lIns="91440" tIns="45720" rIns="91440" bIns="45720" rtlCol="0" anchor="b"/>
+          <a:lstStyle>
+            <a:lvl1pPr algn="l">
+              <a:defRPr sz="1200"/>
+            </a:lvl1pPr>
+          </a:lstStyle>
+          <a:p>
+            <a:endParaRPr lang="en-US"/>
+          </a:p>
+        </p:txBody>
+      </p:sp>
+      <p:sp>
+        <p:nvSpPr>
+          <p:cNvPr id="5" name="Slide Number Placeholder 4"/>
+          <p:cNvSpPr>
+            <a:spLocks noGrp="1"/>
+          </p:cNvSpPr>
+          <p:nvPr>
+            <p:ph type="sldNum" sz="quarter" idx="3"/>
+          </p:nvPr>
+        </p:nvSpPr>
+        <p:spPr>
+          <a:xfrm>
+            <a:off x="3884613" y="8685213"/>
+            <a:ext cx="2971800" cy="458787"/>
+          </a:xfrm>
+          <a:prstGeom prst="rect">
+            <a:avLst/>
+          </a:prstGeom>
+        </p:spPr>
+        <p:txBody>
+          <a:bodyPr vert="horz" lIns="91440" tIns="45720" rIns="91440" bIns="45720" rtlCol="0" anchor="b"/>
+          <a:lstStyle>
+            <a:lvl1pPr algn="r">
+              <a:defRPr sz="1200"/>
+            </a:lvl1pPr>
+          </a:lstStyle>
+          <a:p>
+            <a:fld id="{50305E07-67EA-4042-A3F6-853A8AD8D209}" type="slidenum">
+              <a:rPr lang="en-US" smtClean="0"/>
+            </a:fld>
+            <a:endParaRPr lang="en-US"/>
+          </a:p>
+        </p:txBody>
+      </p:sp>
+    </p:spTree>
+  </p:cSld>
+  <p:clrMap bg1="lt1" tx1="dk1" bg2="lt2" tx2="dk2" accent1="accent1" accent2="accent2" accent3="accent3" accent4="accent4" accent5="accent5" accent6="accent6" hlink="hlink" folHlink="folHlink"/>
+</p:handoutMaster>
+</file>
+
+<file path=ppt/notesMasters/notesMaster1.xml><?xml version="1.0" encoding="utf-8"?>
+<p:notesMaster xmlns:a="http://schemas.openxmlformats.org/drawingml/2006/main" xmlns:r="http://schemas.openxmlformats.org/officeDocument/2006/relationships" xmlns:p="http://schemas.openxmlformats.org/presentationml/2006/main">
+  <p:cSld>
+    <p:bg>
+      <p:bgRef idx="1001">
+        <a:schemeClr val="bg1"/>
+      </p:bgRef>
+    </p:bg>
+    <p:spTree>
+      <p:nvGrpSpPr>
+        <p:cNvPr id="1" name=""/>
+        <p:cNvGrpSpPr/>
+        <p:nvPr/>
+      </p:nvGrpSpPr>
+      <p:grpSpPr>
+        <a:xfrm>
+          <a:off x="0" y="0"/>
+          <a:ext cx="0" cy="0"/>
+          <a:chOff x="0" y="0"/>
+          <a:chExt cx="0" cy="0"/>
+        </a:xfrm>
+      </p:grpSpPr>
+      <p:sp>
+        <p:nvSpPr>
+          <p:cNvPr id="2" name="Header Placeholder 1"/>
+          <p:cNvSpPr>
+            <a:spLocks noGrp="1"/>
+          </p:cNvSpPr>
+          <p:nvPr>
+            <p:ph type="hdr" sz="quarter"/>
+          </p:nvPr>
+        </p:nvSpPr>
+        <p:spPr>
+          <a:xfrm>
+            <a:off x="0" y="0"/>
+            <a:ext cx="2971800" cy="458788"/>
+          </a:xfrm>
+          <a:prstGeom prst="rect">
+            <a:avLst/>
+          </a:prstGeom>
+        </p:spPr>
+        <p:txBody>
+          <a:bodyPr vert="horz" lIns="91440" tIns="45720" rIns="91440" bIns="45720" rtlCol="0"/>
+          <a:lstStyle>
+            <a:lvl1pPr algn="l">
+              <a:defRPr sz="1200"/>
+            </a:lvl1pPr>
+          </a:lstStyle>
+          <a:p>
+            <a:endParaRPr lang="en-US"/>
+          </a:p>
+        </p:txBody>
+      </p:sp>
+      <p:sp>
+        <p:nvSpPr>
+          <p:cNvPr id="3" name="Date Placeholder 2"/>
+          <p:cNvSpPr>
+            <a:spLocks noGrp="1"/>
+          </p:cNvSpPr>
+          <p:nvPr>
+            <p:ph type="dt" idx="1"/>
+          </p:nvPr>
+        </p:nvSpPr>
+        <p:spPr>
+          <a:xfrm>
+            <a:off x="3884613" y="0"/>
+            <a:ext cx="2971800" cy="458788"/>
+          </a:xfrm>
+          <a:prstGeom prst="rect">
+            <a:avLst/>
+          </a:prstGeom>
+        </p:spPr>
+        <p:txBody>
+          <a:bodyPr vert="horz" lIns="91440" tIns="45720" rIns="91440" bIns="45720" rtlCol="0"/>
+          <a:lstStyle>
+            <a:lvl1pPr algn="r">
+              <a:defRPr sz="1200"/>
+            </a:lvl1pPr>
+          </a:lstStyle>
+          <a:p>
+            <a:fld id="{3EFD42F7-718C-4B98-AAEC-167E6DDD60A7}" type="datetimeFigureOut">
+              <a:rPr lang="en-US" smtClean="0"/>
+            </a:fld>
+            <a:endParaRPr lang="en-US"/>
+          </a:p>
+        </p:txBody>
+      </p:sp>
+      <p:sp>
+        <p:nvSpPr>
+          <p:cNvPr id="4" name="Slide Image Placeholder 3"/>
+          <p:cNvSpPr>
+            <a:spLocks noGrp="1" noRot="1" noChangeAspect="1"/>
+          </p:cNvSpPr>
+          <p:nvPr>
+            <p:ph type="sldImg" idx="2"/>
+          </p:nvPr>
+        </p:nvSpPr>
+        <p:spPr>
+          <a:xfrm>
+            <a:off x="1371600" y="1143000"/>
+            <a:ext cx="4114800" cy="3086100"/>
+          </a:xfrm>
+          <a:prstGeom prst="rect">
+            <a:avLst/>
+          </a:prstGeom>
+          <a:noFill/>
+          <a:ln w="12700">
+            <a:solidFill>
+              <a:prstClr val="black"/>
+            </a:solidFill>
+          </a:ln>
+        </p:spPr>
+        <p:txBody>
+          <a:bodyPr vert="horz" lIns="91440" tIns="45720" rIns="91440" bIns="45720" rtlCol="0" anchor="ctr"/>
+          <a:lstStyle/>
+          <a:p>
+            <a:endParaRPr lang="en-US"/>
+          </a:p>
+        </p:txBody>
+      </p:sp>
+      <p:sp>
+        <p:nvSpPr>
+          <p:cNvPr id="5" name="Notes Placeholder 4"/>
+          <p:cNvSpPr>
+            <a:spLocks noGrp="1"/>
+          </p:cNvSpPr>
+          <p:nvPr>
+            <p:ph type="body" sz="quarter" idx="3"/>
+          </p:nvPr>
+        </p:nvSpPr>
+        <p:spPr>
+          <a:xfrm>
+            <a:off x="685800" y="4400550"/>
+            <a:ext cx="5486400" cy="3600450"/>
+          </a:xfrm>
+          <a:prstGeom prst="rect">
+            <a:avLst/>
+          </a:prstGeom>
+        </p:spPr>
+        <p:txBody>
+          <a:bodyPr vert="horz" lIns="91440" tIns="45720" rIns="91440" bIns="45720" rtlCol="0"/>
+          <a:lstStyle/>
+          <a:p>
+            <a:pPr lvl="0"/>
+            <a:r>
+              <a:rPr lang="en-US" smtClean="0"/>
+              <a:t>Click to edit Master text styles</a:t>
+            </a:r>
+            <a:endParaRPr lang="en-US" smtClean="0"/>
+          </a:p>
+          <a:p>
+            <a:pPr lvl="1"/>
+            <a:r>
+              <a:rPr lang="en-US" smtClean="0"/>
+              <a:t>Second level</a:t>
+            </a:r>
+            <a:endParaRPr lang="en-US" smtClean="0"/>
+          </a:p>
+          <a:p>
+            <a:pPr lvl="2"/>
+            <a:r>
+              <a:rPr lang="en-US" smtClean="0"/>
+              <a:t>Third level</a:t>
+            </a:r>
+            <a:endParaRPr lang="en-US" smtClean="0"/>
+          </a:p>
+          <a:p>
+            <a:pPr lvl="3"/>
+            <a:r>
+              <a:rPr lang="en-US" smtClean="0"/>
+              <a:t>Fourth level</a:t>
+            </a:r>
+            <a:endParaRPr lang="en-US" smtClean="0"/>
+          </a:p>
+          <a:p>
+            <a:pPr lvl="4"/>
+            <a:r>
+              <a:rPr lang="en-US" smtClean="0"/>
+              <a:t>Fifth level</a:t>
+            </a:r>
+            <a:endParaRPr lang="en-US"/>
+          </a:p>
+        </p:txBody>
+      </p:sp>
+      <p:sp>
+        <p:nvSpPr>
+          <p:cNvPr id="6" name="Footer Placeholder 5"/>
+          <p:cNvSpPr>
+            <a:spLocks noGrp="1"/>
+          </p:cNvSpPr>
+          <p:nvPr>
+            <p:ph type="ftr" sz="quarter" idx="4"/>
+          </p:nvPr>
+        </p:nvSpPr>
+        <p:spPr>
+          <a:xfrm>
+            <a:off x="0" y="8685213"/>
+            <a:ext cx="2971800" cy="458787"/>
+          </a:xfrm>
+          <a:prstGeom prst="rect">
+            <a:avLst/>
+          </a:prstGeom>
+        </p:spPr>
+        <p:txBody>
+          <a:bodyPr vert="horz" lIns="91440" tIns="45720" rIns="91440" bIns="45720" rtlCol="0" anchor="b"/>
+          <a:lstStyle>
+            <a:lvl1pPr algn="l">
+              <a:defRPr sz="1200"/>
+            </a:lvl1pPr>
+          </a:lstStyle>
+          <a:p>
+            <a:endParaRPr lang="en-US"/>
+          </a:p>
+        </p:txBody>
+      </p:sp>
+      <p:sp>
+        <p:nvSpPr>
+          <p:cNvPr id="7" name="Slide Number Placeholder 6"/>
+          <p:cNvSpPr>
+            <a:spLocks noGrp="1"/>
+          </p:cNvSpPr>
+          <p:nvPr>
+            <p:ph type="sldNum" sz="quarter" idx="5"/>
+          </p:nvPr>
+        </p:nvSpPr>
+        <p:spPr>
+          <a:xfrm>
+            <a:off x="3884613" y="8685213"/>
+            <a:ext cx="2971800" cy="458787"/>
+          </a:xfrm>
+          <a:prstGeom prst="rect">
+            <a:avLst/>
+          </a:prstGeom>
+        </p:spPr>
+        <p:txBody>
+          <a:bodyPr vert="horz" lIns="91440" tIns="45720" rIns="91440" bIns="45720" rtlCol="0" anchor="b"/>
+          <a:lstStyle>
+            <a:lvl1pPr algn="r">
+              <a:defRPr sz="1200"/>
+            </a:lvl1pPr>
+          </a:lstStyle>
+          <a:p>
+            <a:fld id="{21B2AA4F-B828-4D7C-AFD3-893933DAFCB4}" type="slidenum">
+              <a:rPr lang="en-US" smtClean="0"/>
+            </a:fld>
+            <a:endParaRPr lang="en-US"/>
+          </a:p>
+        </p:txBody>
+      </p:sp>
+    </p:spTree>
+  </p:cSld>
+  <p:clrMap bg1="lt1" tx1="dk1" bg2="lt2" tx2="dk2" accent1="accent1" accent2="accent2" accent3="accent3" accent4="accent4" accent5="accent5" accent6="accent6" hlink="hlink" folHlink="folHlink"/>
+  <p:notesStyle>
+    <a:lvl1pPr marL="0" algn="l" defTabSz="914400" rtl="0" eaLnBrk="1" latinLnBrk="0" hangingPunct="1">
+      <a:defRPr sz="1200" kern="1200">
+        <a:solidFill>
+          <a:schemeClr val="tx1"/>
+        </a:solidFill>
+        <a:latin typeface="+mn-lt"/>
+        <a:ea typeface="+mn-ea"/>
+        <a:cs typeface="+mn-cs"/>
+      </a:defRPr>
+    </a:lvl1pPr>
+    <a:lvl2pPr marL="457200" algn="l" defTabSz="914400" rtl="0" eaLnBrk="1" latinLnBrk="0" hangingPunct="1">
+      <a:defRPr sz="1200" kern="1200">
+        <a:solidFill>
+          <a:schemeClr val="tx1"/>
+        </a:solidFill>
+        <a:latin typeface="+mn-lt"/>
+        <a:ea typeface="+mn-ea"/>
+        <a:cs typeface="+mn-cs"/>
+      </a:defRPr>
+    </a:lvl2pPr>
+    <a:lvl3pPr marL="914400" algn="l" defTabSz="914400" rtl="0" eaLnBrk="1" latinLnBrk="0" hangingPunct="1">
+      <a:defRPr sz="1200" kern="1200">
+        <a:solidFill>
+          <a:schemeClr val="tx1"/>
+        </a:solidFill>
+        <a:latin typeface="+mn-lt"/>
+        <a:ea typeface="+mn-ea"/>
+        <a:cs typeface="+mn-cs"/>
+      </a:defRPr>
+    </a:lvl3pPr>
+    <a:lvl4pPr marL="1371600" algn="l" defTabSz="914400" rtl="0" eaLnBrk="1" latinLnBrk="0" hangingPunct="1">
+      <a:defRPr sz="1200" kern="1200">
+        <a:solidFill>
+          <a:schemeClr val="tx1"/>
+        </a:solidFill>
+        <a:latin typeface="+mn-lt"/>
+        <a:ea typeface="+mn-ea"/>
+        <a:cs typeface="+mn-cs"/>
+      </a:defRPr>
+    </a:lvl4pPr>
+    <a:lvl5pPr marL="1828800" algn="l" defTabSz="914400" rtl="0" eaLnBrk="1" latinLnBrk="0" hangingPunct="1">
+      <a:defRPr sz="1200" kern="1200">
+        <a:solidFill>
+          <a:schemeClr val="tx1"/>
+        </a:solidFill>
+        <a:latin typeface="+mn-lt"/>
+        <a:ea typeface="+mn-ea"/>
+        <a:cs typeface="+mn-cs"/>
+      </a:defRPr>
+    </a:lvl5pPr>
+    <a:lvl6pPr marL="2286000" algn="l" defTabSz="914400" rtl="0" eaLnBrk="1" latinLnBrk="0" hangingPunct="1">
+      <a:defRPr sz="1200" kern="1200">
+        <a:solidFill>
+          <a:schemeClr val="tx1"/>
+        </a:solidFill>
+        <a:latin typeface="+mn-lt"/>
+        <a:ea typeface="+mn-ea"/>
+        <a:cs typeface="+mn-cs"/>
+      </a:defRPr>
+    </a:lvl6pPr>
+    <a:lvl7pPr marL="2743200" algn="l" defTabSz="914400" rtl="0" eaLnBrk="1" latinLnBrk="0" hangingPunct="1">
+      <a:defRPr sz="1200" kern="1200">
+        <a:solidFill>
+          <a:schemeClr val="tx1"/>
+        </a:solidFill>
+        <a:latin typeface="+mn-lt"/>
+        <a:ea typeface="+mn-ea"/>
+        <a:cs typeface="+mn-cs"/>
+      </a:defRPr>
+    </a:lvl7pPr>
+    <a:lvl8pPr marL="3200400" algn="l" defTabSz="914400" rtl="0" eaLnBrk="1" latinLnBrk="0" hangingPunct="1">
+      <a:defRPr sz="1200" kern="1200">
+        <a:solidFill>
+          <a:schemeClr val="tx1"/>
+        </a:solidFill>
+        <a:latin typeface="+mn-lt"/>
+        <a:ea typeface="+mn-ea"/>
+        <a:cs typeface="+mn-cs"/>
+      </a:defRPr>
+    </a:lvl8pPr>
+    <a:lvl9pPr marL="3657600" algn="l" defTabSz="914400" rtl="0" eaLnBrk="1" latinLnBrk="0" hangingPunct="1">
+      <a:defRPr sz="1200" kern="1200">
+        <a:solidFill>
+          <a:schemeClr val="tx1"/>
+        </a:solidFill>
+        <a:latin typeface="+mn-lt"/>
+        <a:ea typeface="+mn-ea"/>
+        <a:cs typeface="+mn-cs"/>
+      </a:defRPr>
+    </a:lvl9pPr>
+  </p:notesStyle>
+</p:notesMaster>
 </file>
 
 <file path=ppt/slideLayouts/slideLayout1.xml><?xml version="1.0" encoding="utf-8"?>
@@ -3928,7 +4439,7 @@
                   <a:ea typeface="宋体" charset="-122"/>
                   <a:sym typeface="Arial" panose="02080604020202020204" charset="0"/>
                 </a:rPr>
-                <a:t>pre cuts</a:t>
+                <a:t>cuts 1</a:t>
               </a:r>
               <a:endParaRPr lang="x-none" altLang="zh-CN" dirty="0">
                 <a:solidFill>
@@ -4452,29 +4963,7 @@
                   <a:ea typeface="宋体" charset="-122"/>
                   <a:sym typeface="Arial" panose="02080604020202020204" charset="0"/>
                 </a:rPr>
-                <a:t>normal</a:t>
-              </a:r>
-              <a:endParaRPr lang="x-none" altLang="zh-CN" dirty="0">
-                <a:solidFill>
-                  <a:schemeClr val="bg1"/>
-                </a:solidFill>
-                <a:latin typeface="Arial" panose="02080604020202020204" charset="0"/>
-                <a:ea typeface="宋体" charset="-122"/>
-                <a:sym typeface="Arial" panose="02080604020202020204" charset="0"/>
-              </a:endParaRPr>
-            </a:p>
-            <a:p>
-              <a:pPr marL="0" lvl="0" indent="0" algn="ctr"/>
-              <a:r>
-                <a:rPr lang="x-none" altLang="zh-CN" dirty="0">
-                  <a:solidFill>
-                    <a:schemeClr val="bg1"/>
-                  </a:solidFill>
-                  <a:latin typeface="Arial" panose="02080604020202020204" charset="0"/>
-                  <a:ea typeface="宋体" charset="-122"/>
-                  <a:sym typeface="Arial" panose="02080604020202020204" charset="0"/>
-                </a:rPr>
-                <a:t>cuts</a:t>
+                <a:t>cuts 2</a:t>
               </a:r>
               <a:endParaRPr lang="x-none" altLang="zh-CN" dirty="0">
                 <a:solidFill>
@@ -17641,13 +18130,7 @@
               <a:rPr lang="x-none" altLang="en-US" sz="2400">
                 <a:sym typeface="+mn-ea"/>
               </a:rPr>
-              <a:t>Unpol</a:t>
-            </a:r>
-            <a:r>
-              <a:rPr lang="x-none" altLang="en-US" sz="2400">
-                <a:sym typeface="+mn-ea"/>
-              </a:rPr>
-              <a:t>/</a:t>
+              <a:t>Unpol/</a:t>
             </a:r>
             <a:r>
               <a:rPr lang="x-none" altLang="en-US" sz="2400">
@@ -22901,7 +23384,7 @@
             </a:pPr>
             <a:r>
               <a:rPr lang="x-none" altLang="en-US"/>
-              <a:t>re-use results in PreCut when changing the polarization.      </a:t>
+              <a:t>re-use results in Cuts_1 when changing the polarization.      </a:t>
             </a:r>
             <a:r>
               <a:rPr lang="x-none" altLang="en-US">
@@ -22922,7 +23405,7 @@
               <a:rPr lang="x-none" altLang="en-US">
                 <a:sym typeface="+mn-ea"/>
               </a:rPr>
-              <a:t>re-use results in NormalCut when changing the luminosity. </a:t>
+              <a:t>re-use results in Cuts_2 when changing the luminosity. </a:t>
             </a:r>
             <a:endParaRPr lang="x-none" altLang="en-US"/>
           </a:p>
@@ -34635,4 +35118,526 @@
     </a:ext>
   </a:extLst>
 </a:theme>
+</file>
+
+<file path=ppt/theme/theme2.xml><?xml version="1.0" encoding="utf-8"?>
+<a:theme xmlns:a="http://schemas.openxmlformats.org/drawingml/2006/main" name="Office Theme">
+  <a:themeElements>
+    <a:clrScheme name="Office">
+      <a:dk1>
+        <a:sysClr val="windowText" lastClr="000000"/>
+      </a:dk1>
+      <a:lt1>
+        <a:sysClr val="window" lastClr="FFFFFF"/>
+      </a:lt1>
+      <a:dk2>
+        <a:srgbClr val="44546A"/>
+      </a:dk2>
+      <a:lt2>
+        <a:srgbClr val="E7E6E6"/>
+      </a:lt2>
+      <a:accent1>
+        <a:srgbClr val="5B9BD5"/>
+      </a:accent1>
+      <a:accent2>
+        <a:srgbClr val="ED7D31"/>
+      </a:accent2>
+      <a:accent3>
+        <a:srgbClr val="A5A5A5"/>
+      </a:accent3>
+      <a:accent4>
+        <a:srgbClr val="FFC000"/>
+      </a:accent4>
+      <a:accent5>
+        <a:srgbClr val="4472C4"/>
+      </a:accent5>
+      <a:accent6>
+        <a:srgbClr val="70AD47"/>
+      </a:accent6>
+      <a:hlink>
+        <a:srgbClr val="0563C1"/>
+      </a:hlink>
+      <a:folHlink>
+        <a:srgbClr val="954F72"/>
+      </a:folHlink>
+    </a:clrScheme>
+    <a:fontScheme name="Office">
+      <a:majorFont>
+        <a:latin typeface="Calibri Light"/>
+        <a:ea typeface=""/>
+        <a:cs typeface=""/>
+        <a:font script="Jpan" typeface="ＭＳ Ｐゴシック"/>
+        <a:font script="Hang" typeface="맑은 고딕"/>
+        <a:font script="Hans" typeface="宋体"/>
+        <a:font script="Hant" typeface="新細明體"/>
+        <a:font script="Arab" typeface="Times New Roman"/>
+        <a:font script="Hebr" typeface="Times New Roman"/>
+        <a:font script="Thai" typeface="Angsana New"/>
+        <a:font script="Ethi" typeface="Nyala"/>
+        <a:font script="Beng" typeface="Vrinda"/>
+        <a:font script="Gujr" typeface="Shruti"/>
+        <a:font script="Khmr" typeface="MoolBoran"/>
+        <a:font script="Knda" typeface="Tunga"/>
+        <a:font script="Guru" typeface="Raavi"/>
+        <a:font script="Cans" typeface="Euphemia"/>
+        <a:font script="Cher" typeface="Plantagenet Cherokee"/>
+        <a:font script="Yiii" typeface="Microsoft Yi Baiti"/>
+        <a:font script="Tibt" typeface="Microsoft Himalaya"/>
+        <a:font script="Thaa" typeface="MV Boli"/>
+        <a:font script="Deva" typeface="Mangal"/>
+        <a:font script="Telu" typeface="Gautami"/>
+        <a:font script="Taml" typeface="Latha"/>
+        <a:font script="Syrc" typeface="Estrangelo Edessa"/>
+        <a:font script="Orya" typeface="Kalinga"/>
+        <a:font script="Mlym" typeface="Kartika"/>
+        <a:font script="Laoo" typeface="DokChampa"/>
+        <a:font script="Sinh" typeface="Iskoola Pota"/>
+        <a:font script="Mong" typeface="Mongolian Baiti"/>
+        <a:font script="Viet" typeface="Times New Roman"/>
+        <a:font script="Uigh" typeface="Microsoft Uighur"/>
+        <a:font script="Geor" typeface="Sylfaen"/>
+      </a:majorFont>
+      <a:minorFont>
+        <a:latin typeface="Calibri"/>
+        <a:ea typeface=""/>
+        <a:cs typeface=""/>
+        <a:font script="Jpan" typeface="ＭＳ Ｐゴシック"/>
+        <a:font script="Hang" typeface="맑은 고딕"/>
+        <a:font script="Hans" typeface="宋体"/>
+        <a:font script="Hant" typeface="新細明體"/>
+        <a:font script="Arab" typeface="Arial"/>
+        <a:font script="Hebr" typeface="Arial"/>
+        <a:font script="Thai" typeface="Cordia New"/>
+        <a:font script="Ethi" typeface="Nyala"/>
+        <a:font script="Beng" typeface="Vrinda"/>
+        <a:font script="Gujr" typeface="Shruti"/>
+        <a:font script="Khmr" typeface="DaunPenh"/>
+        <a:font script="Knda" typeface="Tunga"/>
+        <a:font script="Guru" typeface="Raavi"/>
+        <a:font script="Cans" typeface="Euphemia"/>
+        <a:font script="Cher" typeface="Plantagenet Cherokee"/>
+        <a:font script="Yiii" typeface="Microsoft Yi Baiti"/>
+        <a:font script="Tibt" typeface="Microsoft Himalaya"/>
+        <a:font script="Thaa" typeface="MV Boli"/>
+        <a:font script="Deva" typeface="Mangal"/>
+        <a:font script="Telu" typeface="Gautami"/>
+        <a:font script="Taml" typeface="Latha"/>
+        <a:font script="Syrc" typeface="Estrangelo Edessa"/>
+        <a:font script="Orya" typeface="Kalinga"/>
+        <a:font script="Mlym" typeface="Kartika"/>
+        <a:font script="Laoo" typeface="DokChampa"/>
+        <a:font script="Sinh" typeface="Iskoola Pota"/>
+        <a:font script="Mong" typeface="Mongolian Baiti"/>
+        <a:font script="Viet" typeface="Arial"/>
+        <a:font script="Uigh" typeface="Microsoft Uighur"/>
+        <a:font script="Geor" typeface="Sylfaen"/>
+      </a:minorFont>
+    </a:fontScheme>
+    <a:fmtScheme name="Office">
+      <a:fillStyleLst>
+        <a:solidFill>
+          <a:schemeClr val="phClr"/>
+        </a:solidFill>
+        <a:gradFill rotWithShape="1">
+          <a:gsLst>
+            <a:gs pos="0">
+              <a:schemeClr val="phClr">
+                <a:lumMod val="110000"/>
+                <a:satMod val="105000"/>
+                <a:tint val="67000"/>
+              </a:schemeClr>
+            </a:gs>
+            <a:gs pos="50000">
+              <a:schemeClr val="phClr">
+                <a:lumMod val="105000"/>
+                <a:satMod val="103000"/>
+                <a:tint val="73000"/>
+              </a:schemeClr>
+            </a:gs>
+            <a:gs pos="100000">
+              <a:schemeClr val="phClr">
+                <a:lumMod val="105000"/>
+                <a:satMod val="109000"/>
+                <a:tint val="81000"/>
+              </a:schemeClr>
+            </a:gs>
+          </a:gsLst>
+          <a:lin ang="5400000" scaled="0"/>
+        </a:gradFill>
+        <a:gradFill rotWithShape="1">
+          <a:gsLst>
+            <a:gs pos="0">
+              <a:schemeClr val="phClr">
+                <a:satMod val="103000"/>
+                <a:lumMod val="102000"/>
+                <a:tint val="94000"/>
+              </a:schemeClr>
+            </a:gs>
+            <a:gs pos="50000">
+              <a:schemeClr val="phClr">
+                <a:satMod val="110000"/>
+                <a:lumMod val="100000"/>
+                <a:shade val="100000"/>
+              </a:schemeClr>
+            </a:gs>
+            <a:gs pos="100000">
+              <a:schemeClr val="phClr">
+                <a:lumMod val="99000"/>
+                <a:satMod val="120000"/>
+                <a:shade val="78000"/>
+              </a:schemeClr>
+            </a:gs>
+          </a:gsLst>
+          <a:lin ang="5400000" scaled="0"/>
+        </a:gradFill>
+      </a:fillStyleLst>
+      <a:lnStyleLst>
+        <a:ln w="6350" cap="flat" cmpd="sng" algn="ctr">
+          <a:solidFill>
+            <a:schemeClr val="phClr"/>
+          </a:solidFill>
+          <a:prstDash val="solid"/>
+          <a:miter lim="800000"/>
+        </a:ln>
+        <a:ln w="12700" cap="flat" cmpd="sng" algn="ctr">
+          <a:solidFill>
+            <a:schemeClr val="phClr"/>
+          </a:solidFill>
+          <a:prstDash val="solid"/>
+          <a:miter lim="800000"/>
+        </a:ln>
+        <a:ln w="19050" cap="flat" cmpd="sng" algn="ctr">
+          <a:solidFill>
+            <a:schemeClr val="phClr"/>
+          </a:solidFill>
+          <a:prstDash val="solid"/>
+          <a:miter lim="800000"/>
+        </a:ln>
+      </a:lnStyleLst>
+      <a:effectStyleLst>
+        <a:effectStyle>
+          <a:effectLst/>
+        </a:effectStyle>
+        <a:effectStyle>
+          <a:effectLst/>
+        </a:effectStyle>
+        <a:effectStyle>
+          <a:effectLst>
+            <a:outerShdw blurRad="57150" dist="19050" dir="5400000" algn="ctr" rotWithShape="0">
+              <a:srgbClr val="000000">
+                <a:alpha val="63000"/>
+              </a:srgbClr>
+            </a:outerShdw>
+          </a:effectLst>
+        </a:effectStyle>
+      </a:effectStyleLst>
+      <a:bgFillStyleLst>
+        <a:solidFill>
+          <a:schemeClr val="phClr"/>
+        </a:solidFill>
+        <a:solidFill>
+          <a:schemeClr val="phClr">
+            <a:tint val="95000"/>
+            <a:satMod val="170000"/>
+          </a:schemeClr>
+        </a:solidFill>
+        <a:gradFill rotWithShape="1">
+          <a:gsLst>
+            <a:gs pos="0">
+              <a:schemeClr val="phClr">
+                <a:tint val="93000"/>
+                <a:satMod val="150000"/>
+                <a:shade val="98000"/>
+                <a:lumMod val="102000"/>
+              </a:schemeClr>
+            </a:gs>
+            <a:gs pos="50000">
+              <a:schemeClr val="phClr">
+                <a:tint val="98000"/>
+                <a:satMod val="130000"/>
+                <a:shade val="90000"/>
+                <a:lumMod val="103000"/>
+              </a:schemeClr>
+            </a:gs>
+            <a:gs pos="100000">
+              <a:schemeClr val="phClr">
+                <a:shade val="63000"/>
+                <a:satMod val="120000"/>
+              </a:schemeClr>
+            </a:gs>
+          </a:gsLst>
+          <a:lin ang="5400000" scaled="0"/>
+        </a:gradFill>
+      </a:bgFillStyleLst>
+    </a:fmtScheme>
+  </a:themeElements>
+  <a:objectDefaults/>
+  <a:extraClrSchemeLst/>
+  <a:extLst>
+    <a:ext uri="{05A4C25C-085E-4340-85A3-A5531E510DB2}">
+      <thm15:themeFamily xmlns:thm15="http://schemas.microsoft.com/office/thememl/2012/main" name="Office Theme" id="{62F939B6-93AF-4DB8-9C6B-D6C7DFDC589F}" vid="{4A3C46E8-61CC-4603-A589-7422A47A8E4A}"/>
+    </a:ext>
+  </a:extLst>
+</a:theme>
+</file>
+
+<file path=ppt/theme/theme3.xml><?xml version="1.0" encoding="utf-8"?>
+<a:theme xmlns:a="http://schemas.openxmlformats.org/drawingml/2006/main" name="Office Theme">
+  <a:themeElements>
+    <a:clrScheme name="Office">
+      <a:dk1>
+        <a:sysClr val="windowText" lastClr="000000"/>
+      </a:dk1>
+      <a:lt1>
+        <a:sysClr val="window" lastClr="FFFFFF"/>
+      </a:lt1>
+      <a:dk2>
+        <a:srgbClr val="44546A"/>
+      </a:dk2>
+      <a:lt2>
+        <a:srgbClr val="E7E6E6"/>
+      </a:lt2>
+      <a:accent1>
+        <a:srgbClr val="5B9BD5"/>
+      </a:accent1>
+      <a:accent2>
+        <a:srgbClr val="ED7D31"/>
+      </a:accent2>
+      <a:accent3>
+        <a:srgbClr val="A5A5A5"/>
+      </a:accent3>
+      <a:accent4>
+        <a:srgbClr val="FFC000"/>
+      </a:accent4>
+      <a:accent5>
+        <a:srgbClr val="4472C4"/>
+      </a:accent5>
+      <a:accent6>
+        <a:srgbClr val="70AD47"/>
+      </a:accent6>
+      <a:hlink>
+        <a:srgbClr val="0563C1"/>
+      </a:hlink>
+      <a:folHlink>
+        <a:srgbClr val="954F72"/>
+      </a:folHlink>
+    </a:clrScheme>
+    <a:fontScheme name="Office">
+      <a:majorFont>
+        <a:latin typeface="Calibri Light"/>
+        <a:ea typeface=""/>
+        <a:cs typeface=""/>
+        <a:font script="Jpan" typeface="ＭＳ Ｐゴシック"/>
+        <a:font script="Hang" typeface="맑은 고딕"/>
+        <a:font script="Hans" typeface="宋体"/>
+        <a:font script="Hant" typeface="新細明體"/>
+        <a:font script="Arab" typeface="Times New Roman"/>
+        <a:font script="Hebr" typeface="Times New Roman"/>
+        <a:font script="Thai" typeface="Angsana New"/>
+        <a:font script="Ethi" typeface="Nyala"/>
+        <a:font script="Beng" typeface="Vrinda"/>
+        <a:font script="Gujr" typeface="Shruti"/>
+        <a:font script="Khmr" typeface="MoolBoran"/>
+        <a:font script="Knda" typeface="Tunga"/>
+        <a:font script="Guru" typeface="Raavi"/>
+        <a:font script="Cans" typeface="Euphemia"/>
+        <a:font script="Cher" typeface="Plantagenet Cherokee"/>
+        <a:font script="Yiii" typeface="Microsoft Yi Baiti"/>
+        <a:font script="Tibt" typeface="Microsoft Himalaya"/>
+        <a:font script="Thaa" typeface="MV Boli"/>
+        <a:font script="Deva" typeface="Mangal"/>
+        <a:font script="Telu" typeface="Gautami"/>
+        <a:font script="Taml" typeface="Latha"/>
+        <a:font script="Syrc" typeface="Estrangelo Edessa"/>
+        <a:font script="Orya" typeface="Kalinga"/>
+        <a:font script="Mlym" typeface="Kartika"/>
+        <a:font script="Laoo" typeface="DokChampa"/>
+        <a:font script="Sinh" typeface="Iskoola Pota"/>
+        <a:font script="Mong" typeface="Mongolian Baiti"/>
+        <a:font script="Viet" typeface="Times New Roman"/>
+        <a:font script="Uigh" typeface="Microsoft Uighur"/>
+        <a:font script="Geor" typeface="Sylfaen"/>
+      </a:majorFont>
+      <a:minorFont>
+        <a:latin typeface="Calibri"/>
+        <a:ea typeface=""/>
+        <a:cs typeface=""/>
+        <a:font script="Jpan" typeface="ＭＳ Ｐゴシック"/>
+        <a:font script="Hang" typeface="맑은 고딕"/>
+        <a:font script="Hans" typeface="宋体"/>
+        <a:font script="Hant" typeface="新細明體"/>
+        <a:font script="Arab" typeface="Arial"/>
+        <a:font script="Hebr" typeface="Arial"/>
+        <a:font script="Thai" typeface="Cordia New"/>
+        <a:font script="Ethi" typeface="Nyala"/>
+        <a:font script="Beng" typeface="Vrinda"/>
+        <a:font script="Gujr" typeface="Shruti"/>
+        <a:font script="Khmr" typeface="DaunPenh"/>
+        <a:font script="Knda" typeface="Tunga"/>
+        <a:font script="Guru" typeface="Raavi"/>
+        <a:font script="Cans" typeface="Euphemia"/>
+        <a:font script="Cher" typeface="Plantagenet Cherokee"/>
+        <a:font script="Yiii" typeface="Microsoft Yi Baiti"/>
+        <a:font script="Tibt" typeface="Microsoft Himalaya"/>
+        <a:font script="Thaa" typeface="MV Boli"/>
+        <a:font script="Deva" typeface="Mangal"/>
+        <a:font script="Telu" typeface="Gautami"/>
+        <a:font script="Taml" typeface="Latha"/>
+        <a:font script="Syrc" typeface="Estrangelo Edessa"/>
+        <a:font script="Orya" typeface="Kalinga"/>
+        <a:font script="Mlym" typeface="Kartika"/>
+        <a:font script="Laoo" typeface="DokChampa"/>
+        <a:font script="Sinh" typeface="Iskoola Pota"/>
+        <a:font script="Mong" typeface="Mongolian Baiti"/>
+        <a:font script="Viet" typeface="Arial"/>
+        <a:font script="Uigh" typeface="Microsoft Uighur"/>
+        <a:font script="Geor" typeface="Sylfaen"/>
+      </a:minorFont>
+    </a:fontScheme>
+    <a:fmtScheme name="Office">
+      <a:fillStyleLst>
+        <a:solidFill>
+          <a:schemeClr val="phClr"/>
+        </a:solidFill>
+        <a:gradFill rotWithShape="1">
+          <a:gsLst>
+            <a:gs pos="0">
+              <a:schemeClr val="phClr">
+                <a:lumMod val="110000"/>
+                <a:satMod val="105000"/>
+                <a:tint val="67000"/>
+              </a:schemeClr>
+            </a:gs>
+            <a:gs pos="50000">
+              <a:schemeClr val="phClr">
+                <a:lumMod val="105000"/>
+                <a:satMod val="103000"/>
+                <a:tint val="73000"/>
+              </a:schemeClr>
+            </a:gs>
+            <a:gs pos="100000">
+              <a:schemeClr val="phClr">
+                <a:lumMod val="105000"/>
+                <a:satMod val="109000"/>
+                <a:tint val="81000"/>
+              </a:schemeClr>
+            </a:gs>
+          </a:gsLst>
+          <a:lin ang="5400000" scaled="0"/>
+        </a:gradFill>
+        <a:gradFill rotWithShape="1">
+          <a:gsLst>
+            <a:gs pos="0">
+              <a:schemeClr val="phClr">
+                <a:satMod val="103000"/>
+                <a:lumMod val="102000"/>
+                <a:tint val="94000"/>
+              </a:schemeClr>
+            </a:gs>
+            <a:gs pos="50000">
+              <a:schemeClr val="phClr">
+                <a:satMod val="110000"/>
+                <a:lumMod val="100000"/>
+                <a:shade val="100000"/>
+              </a:schemeClr>
+            </a:gs>
+            <a:gs pos="100000">
+              <a:schemeClr val="phClr">
+                <a:lumMod val="99000"/>
+                <a:satMod val="120000"/>
+                <a:shade val="78000"/>
+              </a:schemeClr>
+            </a:gs>
+          </a:gsLst>
+          <a:lin ang="5400000" scaled="0"/>
+        </a:gradFill>
+      </a:fillStyleLst>
+      <a:lnStyleLst>
+        <a:ln w="6350" cap="flat" cmpd="sng" algn="ctr">
+          <a:solidFill>
+            <a:schemeClr val="phClr"/>
+          </a:solidFill>
+          <a:prstDash val="solid"/>
+          <a:miter lim="800000"/>
+        </a:ln>
+        <a:ln w="12700" cap="flat" cmpd="sng" algn="ctr">
+          <a:solidFill>
+            <a:schemeClr val="phClr"/>
+          </a:solidFill>
+          <a:prstDash val="solid"/>
+          <a:miter lim="800000"/>
+        </a:ln>
+        <a:ln w="19050" cap="flat" cmpd="sng" algn="ctr">
+          <a:solidFill>
+            <a:schemeClr val="phClr"/>
+          </a:solidFill>
+          <a:prstDash val="solid"/>
+          <a:miter lim="800000"/>
+        </a:ln>
+      </a:lnStyleLst>
+      <a:effectStyleLst>
+        <a:effectStyle>
+          <a:effectLst/>
+        </a:effectStyle>
+        <a:effectStyle>
+          <a:effectLst/>
+        </a:effectStyle>
+        <a:effectStyle>
+          <a:effectLst>
+            <a:outerShdw blurRad="57150" dist="19050" dir="5400000" algn="ctr" rotWithShape="0">
+              <a:srgbClr val="000000">
+                <a:alpha val="63000"/>
+              </a:srgbClr>
+            </a:outerShdw>
+          </a:effectLst>
+        </a:effectStyle>
+      </a:effectStyleLst>
+      <a:bgFillStyleLst>
+        <a:solidFill>
+          <a:schemeClr val="phClr"/>
+        </a:solidFill>
+        <a:solidFill>
+          <a:schemeClr val="phClr">
+            <a:tint val="95000"/>
+            <a:satMod val="170000"/>
+          </a:schemeClr>
+        </a:solidFill>
+        <a:gradFill rotWithShape="1">
+          <a:gsLst>
+            <a:gs pos="0">
+              <a:schemeClr val="phClr">
+                <a:tint val="93000"/>
+                <a:satMod val="150000"/>
+                <a:shade val="98000"/>
+                <a:lumMod val="102000"/>
+              </a:schemeClr>
+            </a:gs>
+            <a:gs pos="50000">
+              <a:schemeClr val="phClr">
+                <a:tint val="98000"/>
+                <a:satMod val="130000"/>
+                <a:shade val="90000"/>
+                <a:lumMod val="103000"/>
+              </a:schemeClr>
+            </a:gs>
+            <a:gs pos="100000">
+              <a:schemeClr val="phClr">
+                <a:shade val="63000"/>
+                <a:satMod val="120000"/>
+              </a:schemeClr>
+            </a:gs>
+          </a:gsLst>
+          <a:lin ang="5400000" scaled="0"/>
+        </a:gradFill>
+      </a:bgFillStyleLst>
+    </a:fmtScheme>
+  </a:themeElements>
+  <a:objectDefaults/>
+  <a:extraClrSchemeLst/>
+  <a:extLst>
+    <a:ext uri="{05A4C25C-085E-4340-85A3-A5531E510DB2}">
+      <thm15:themeFamily xmlns:thm15="http://schemas.microsoft.com/office/thememl/2012/main" name="Office Theme" id="{62F939B6-93AF-4DB8-9C6B-D6C7DFDC589F}" vid="{4A3C46E8-61CC-4603-A589-7422A47A8E4A}"/>
+    </a:ext>
+  </a:extLst>
+</a:theme>
 </file>
--- a/doc/BASDA_Introduction.pptx
+++ b/doc/BASDA_Introduction.pptx
@@ -5,10 +5,10 @@
     <p:sldMasterId id="2147483648" r:id="rId1"/>
   </p:sldMasterIdLst>
   <p:notesMasterIdLst>
-    <p:notesMasterId r:id="rId25"/>
+    <p:notesMasterId r:id="rId43"/>
   </p:notesMasterIdLst>
   <p:handoutMasterIdLst>
-    <p:handoutMasterId r:id="rId26"/>
+    <p:handoutMasterId r:id="rId44"/>
   </p:handoutMasterIdLst>
   <p:sldIdLst>
     <p:sldId id="256" r:id="rId3"/>
@@ -31,8 +31,26 @@
     <p:sldId id="519" r:id="rId20"/>
     <p:sldId id="265" r:id="rId21"/>
     <p:sldId id="513" r:id="rId22"/>
-    <p:sldId id="321" r:id="rId23"/>
-    <p:sldId id="270" r:id="rId24"/>
+    <p:sldId id="524" r:id="rId23"/>
+    <p:sldId id="525" r:id="rId24"/>
+    <p:sldId id="526" r:id="rId25"/>
+    <p:sldId id="530" r:id="rId26"/>
+    <p:sldId id="529" r:id="rId27"/>
+    <p:sldId id="531" r:id="rId28"/>
+    <p:sldId id="532" r:id="rId29"/>
+    <p:sldId id="533" r:id="rId30"/>
+    <p:sldId id="534" r:id="rId31"/>
+    <p:sldId id="535" r:id="rId32"/>
+    <p:sldId id="537" r:id="rId33"/>
+    <p:sldId id="536" r:id="rId34"/>
+    <p:sldId id="538" r:id="rId35"/>
+    <p:sldId id="539" r:id="rId36"/>
+    <p:sldId id="540" r:id="rId37"/>
+    <p:sldId id="541" r:id="rId38"/>
+    <p:sldId id="542" r:id="rId39"/>
+    <p:sldId id="543" r:id="rId40"/>
+    <p:sldId id="321" r:id="rId41"/>
+    <p:sldId id="270" r:id="rId42"/>
   </p:sldIdLst>
   <p:sldSz cx="9144000" cy="6858000" type="screen4x3"/>
   <p:notesSz cx="6858000" cy="9144000"/>
@@ -11024,7 +11042,7 @@
                 <a:ea typeface="宋体" charset="-122"/>
                 <a:sym typeface="Arial" panose="02080604020202020204" charset="0"/>
               </a:rPr>
-              <a:t>each processes</a:t>
+              <a:t>each observable</a:t>
             </a:r>
             <a:endParaRPr lang="x-none" altLang="en-US" sz="1600" dirty="0">
               <a:latin typeface="Arial" panose="02080604020202020204" charset="0"/>
@@ -14996,7 +15014,7 @@
           <a:p>
             <a:r>
               <a:rPr lang="x-none" altLang="en-US" sz="3200" dirty="0"/>
-              <a:t>Conclusion</a:t>
+              <a:t>Short Conclusion</a:t>
             </a:r>
             <a:endParaRPr lang="x-none" altLang="en-US" sz="3200" dirty="0"/>
           </a:p>
@@ -17262,160 +17280,19 @@
             <p:ph type="title"/>
           </p:nvPr>
         </p:nvSpPr>
-        <p:spPr/>
+        <p:spPr>
+          <a:xfrm>
+            <a:off x="1835785" y="2853055"/>
+            <a:ext cx="6141720" cy="1012825"/>
+          </a:xfrm>
+        </p:spPr>
         <p:txBody>
           <a:bodyPr/>
           <a:p>
+            <a:pPr algn="ctr"/>
             <a:r>
               <a:rPr lang="x-none" altLang="en-US"/>
-              <a:t>Summary &amp; Future</a:t>
-            </a:r>
-            <a:endParaRPr lang="x-none" altLang="en-US"/>
-          </a:p>
-        </p:txBody>
-      </p:sp>
-      <p:sp>
-        <p:nvSpPr>
-          <p:cNvPr id="3" name="Content Placeholder 2"/>
-          <p:cNvSpPr>
-            <a:spLocks noGrp="1"/>
-          </p:cNvSpPr>
-          <p:nvPr>
-            <p:ph idx="1"/>
-          </p:nvPr>
-        </p:nvSpPr>
-        <p:spPr/>
-        <p:txBody>
-          <a:bodyPr/>
-          <a:p>
-            <a:pPr>
-              <a:buFont typeface="Wingdings" charset="2"/>
-              <a:buChar char=""/>
-            </a:pPr>
-            <a:r>
-              <a:rPr lang="x-none" altLang="en-US"/>
-              <a:t>Manuals/Examples:</a:t>
-            </a:r>
-            <a:endParaRPr lang="x-none" altLang="en-US"/>
-          </a:p>
-          <a:p>
-            <a:pPr lvl="1">
-              <a:buFont typeface="Wingdings" charset="2"/>
-              <a:buChar char=""/>
-            </a:pPr>
-            <a:r>
-              <a:rPr lang="x-none" altLang="en-US" sz="2000"/>
-              <a:t>mygithub/doc/BASDA_Usage_Example.pdf</a:t>
-            </a:r>
-            <a:endParaRPr lang="x-none" altLang="en-US" sz="2000"/>
-          </a:p>
-          <a:p>
-            <a:pPr lvl="1">
-              <a:buFont typeface="Wingdings" charset="2"/>
-              <a:buChar char=""/>
-            </a:pPr>
-            <a:r>
-              <a:rPr lang="x-none" altLang="en-US" sz="2000">
-                <a:sym typeface="+mn-ea"/>
-              </a:rPr>
-              <a:t>mygithub/doc/Usage.md</a:t>
-            </a:r>
-            <a:endParaRPr lang="x-none" altLang="en-US" sz="2000"/>
-          </a:p>
-          <a:p>
-            <a:pPr>
-              <a:buFont typeface="Wingdings" charset="2"/>
-              <a:buChar char=""/>
-            </a:pPr>
-            <a:r>
-              <a:rPr lang="x-none" altLang="en-US" sz="3200">
-                <a:sym typeface="+mn-ea"/>
-              </a:rPr>
-              <a:t>More tests: </a:t>
-            </a:r>
-            <a:endParaRPr lang="x-none" altLang="en-US" sz="3200"/>
-          </a:p>
-          <a:p>
-            <a:pPr marL="914400" lvl="1" indent="-457200">
-              <a:lnSpc>
-                <a:spcPct val="90000"/>
-              </a:lnSpc>
-              <a:buFont typeface="Wingdings" charset="2"/>
-              <a:buChar char=""/>
-            </a:pPr>
-            <a:r>
-              <a:rPr lang="x-none" altLang="en-US" sz="2000"/>
-              <a:t>MVA </a:t>
-            </a:r>
-            <a:endParaRPr lang="x-none" altLang="en-US" sz="2000"/>
-          </a:p>
-          <a:p>
-            <a:pPr marL="914400" lvl="1" indent="-457200">
-              <a:lnSpc>
-                <a:spcPct val="90000"/>
-              </a:lnSpc>
-              <a:buFont typeface="Wingdings" charset="2"/>
-              <a:buChar char=""/>
-            </a:pPr>
-            <a:r>
-              <a:rPr lang="x-none" altLang="en-US" sz="2000"/>
-              <a:t>Code consistency</a:t>
-            </a:r>
-            <a:endParaRPr lang="x-none" altLang="en-US" sz="2000"/>
-          </a:p>
-          <a:p>
-            <a:pPr>
-              <a:buFont typeface="Wingdings" charset="2"/>
-              <a:buChar char=""/>
-            </a:pPr>
-            <a:r>
-              <a:rPr lang="x-none" altLang="en-US"/>
-              <a:t>More functions: </a:t>
-            </a:r>
-            <a:endParaRPr lang="x-none" altLang="en-US"/>
-          </a:p>
-          <a:p>
-            <a:pPr marL="914400" lvl="1" indent="-457200">
-              <a:lnSpc>
-                <a:spcPct val="90000"/>
-              </a:lnSpc>
-              <a:buFont typeface="Wingdings" charset="2"/>
-              <a:buChar char=""/>
-            </a:pPr>
-            <a:r>
-              <a:rPr lang="x-none" altLang="en-US" sz="2000"/>
-              <a:t>2-D plots  </a:t>
-            </a:r>
-            <a:endParaRPr lang="x-none" altLang="en-US" sz="2000"/>
-          </a:p>
-          <a:p>
-            <a:pPr marL="914400" lvl="1" indent="-457200">
-              <a:lnSpc>
-                <a:spcPct val="90000"/>
-              </a:lnSpc>
-              <a:buFont typeface="Wingdings" charset="2"/>
-              <a:buChar char=""/>
-            </a:pPr>
-            <a:r>
-              <a:rPr lang="x-none" altLang="en-US" sz="2000">
-                <a:sym typeface="+mn-ea"/>
-              </a:rPr>
-              <a:t>statistic </a:t>
-            </a:r>
-            <a:r>
-              <a:rPr lang="x-none" altLang="en-US" sz="2000"/>
-              <a:t>(like wsmaker,nplot ... in ATLAS group).</a:t>
-            </a:r>
-            <a:endParaRPr lang="x-none" altLang="en-US" sz="2000"/>
-          </a:p>
-          <a:p>
-            <a:pPr>
-              <a:buFont typeface="Wingdings" charset="2"/>
-              <a:buChar char=""/>
-            </a:pPr>
-            <a:r>
-              <a:rPr lang="x-none" altLang="en-US"/>
-              <a:t>GUI for basic users</a:t>
+              <a:t>a quick example</a:t>
             </a:r>
             <a:endParaRPr lang="x-none" altLang="en-US"/>
           </a:p>
@@ -17441,29 +17318,2891 @@
       <p:grpSpPr/>
       <p:sp>
         <p:nvSpPr>
-          <p:cNvPr id="15362" name="Title 15361"/>
+          <p:cNvPr id="2" name="Title 1"/>
           <p:cNvSpPr>
             <a:spLocks noGrp="1"/>
           </p:cNvSpPr>
           <p:nvPr>
-            <p:ph type="ctrTitle"/>
+            <p:ph type="title"/>
+          </p:nvPr>
+        </p:nvSpPr>
+        <p:spPr/>
+        <p:txBody>
+          <a:bodyPr/>
+          <a:p>
+            <a:r>
+              <a:rPr lang="x-none" altLang="en-US" sz="2800"/>
+              <a:t>searching charge Higgs at LHC</a:t>
+            </a:r>
+            <a:endParaRPr lang="x-none" altLang="en-US" sz="2800"/>
+          </a:p>
+        </p:txBody>
+      </p:sp>
+      <p:sp>
+        <p:nvSpPr>
+          <p:cNvPr id="3" name="Content Placeholder 2"/>
+          <p:cNvSpPr>
+            <a:spLocks noGrp="1"/>
+          </p:cNvSpPr>
+          <p:nvPr>
+            <p:ph idx="1"/>
           </p:nvPr>
         </p:nvSpPr>
         <p:spPr>
           <a:xfrm>
-            <a:off x="684213" y="1989138"/>
-            <a:ext cx="7772400" cy="1082675"/>
+            <a:off x="901065" y="1600200"/>
+            <a:ext cx="8245475" cy="4349750"/>
           </a:xfrm>
         </p:spPr>
         <p:txBody>
+          <a:bodyPr/>
+          <a:p>
+            <a:r>
+              <a:rPr lang="x-none" altLang="en-US"/>
+              <a:t>sig:  </a:t>
+            </a:r>
+            <a:r>
+              <a:rPr lang="x-none" altLang="en-US">
+                <a:sym typeface="+mn-ea"/>
+              </a:rPr>
+              <a:t>pp-&gt;tj-&gt;H</a:t>
+            </a:r>
+            <a:r>
+              <a:rPr lang="x-none" altLang="en-US" baseline="30000">
+                <a:sym typeface="+mn-ea"/>
+              </a:rPr>
+              <a:t>+</a:t>
+            </a:r>
+            <a:r>
+              <a:rPr lang="x-none" altLang="en-US">
+                <a:sym typeface="+mn-ea"/>
+              </a:rPr>
+              <a:t>bj-&gt;AWbj-&gt;</a:t>
+            </a:r>
+            <a:r>
+              <a:rPr lang="x-none" altLang="en-US">
+                <a:cs typeface="Noto Sans CJK SC" charset="0"/>
+                <a:sym typeface="+mn-ea"/>
+              </a:rPr>
+              <a:t>ττWbj</a:t>
+            </a:r>
+            <a:r>
+              <a:rPr lang="x-none" altLang="en-US"/>
+              <a:t> </a:t>
+            </a:r>
+            <a:endParaRPr lang="x-none" altLang="en-US"/>
+          </a:p>
+          <a:p>
+            <a:r>
+              <a:rPr lang="x-none" altLang="en-US"/>
+              <a:t>bkg: </a:t>
+            </a:r>
+            <a:r>
+              <a:rPr lang="x-none">
+                <a:sym typeface="+mn-ea"/>
+              </a:rPr>
+              <a:t>W</a:t>
+            </a:r>
+            <a:r>
+              <a:rPr lang="x-none">
+                <a:cs typeface="Noto Sans CJK SC" charset="0"/>
+                <a:sym typeface="+mn-ea"/>
+              </a:rPr>
+              <a:t>ττ, </a:t>
+            </a:r>
+            <a:r>
+              <a:rPr lang="x-none">
+                <a:sym typeface="+mn-ea"/>
+              </a:rPr>
+              <a:t>tt(l,sl),tllj(tj</a:t>
+            </a:r>
+            <a:r>
+              <a:rPr lang="x-none">
+                <a:cs typeface="Noto Sans CJK SC" charset="0"/>
+                <a:sym typeface="+mn-ea"/>
+              </a:rPr>
+              <a:t>ττ,</a:t>
+            </a:r>
+            <a:r>
+              <a:rPr lang="x-none">
+                <a:sym typeface="+mn-ea"/>
+              </a:rPr>
+              <a:t>ttll)</a:t>
+            </a:r>
+            <a:endParaRPr lang="x-none">
+              <a:sym typeface="+mn-ea"/>
+            </a:endParaRPr>
+          </a:p>
+          <a:p>
+            <a:endParaRPr lang="x-none" altLang="en-US"/>
+          </a:p>
+          <a:p>
+            <a:r>
+              <a:rPr lang="x-none" altLang="en-US"/>
+              <a:t>identification cuts</a:t>
+            </a:r>
+            <a:endParaRPr lang="x-none" altLang="en-US"/>
+          </a:p>
+          <a:p>
+            <a:pPr lvl="1"/>
+            <a:r>
+              <a:rPr lang="x-none" altLang="en-US">
+                <a:sym typeface="+mn-ea"/>
+              </a:rPr>
+              <a:t>lep=1, </a:t>
+            </a:r>
+            <a:r>
+              <a:rPr lang="x-none">
+                <a:cs typeface="Noto Sans CJK SC" charset="0"/>
+                <a:sym typeface="+mn-ea"/>
+              </a:rPr>
+              <a:t>τ jet=2, jet&gt;=1, </a:t>
+            </a:r>
+            <a:endParaRPr lang="x-none">
+              <a:cs typeface="Noto Sans CJK SC" charset="0"/>
+              <a:sym typeface="+mn-ea"/>
+            </a:endParaRPr>
+          </a:p>
+          <a:p>
+            <a:pPr lvl="1"/>
+            <a:r>
+              <a:rPr lang="x-none">
+                <a:cs typeface="Noto Sans CJK SC" charset="0"/>
+                <a:sym typeface="+mn-ea"/>
+              </a:rPr>
+              <a:t>their</a:t>
+            </a:r>
+            <a:r>
+              <a:rPr lang="x-none" altLang="en-US"/>
+              <a:t> pt, eta cuts</a:t>
+            </a:r>
+            <a:endParaRPr lang="x-none" altLang="en-US"/>
+          </a:p>
+          <a:p>
+            <a:r>
+              <a:rPr lang="x-none" altLang="en-US"/>
+              <a:t>invariant mass cut</a:t>
+            </a:r>
+            <a:endParaRPr lang="x-none" altLang="en-US"/>
+          </a:p>
+          <a:p>
+            <a:pPr lvl="1"/>
+            <a:r>
+              <a:rPr lang="x-none">
+                <a:sym typeface="+mn-ea"/>
+              </a:rPr>
+              <a:t>m</a:t>
+            </a:r>
+            <a:r>
+              <a:rPr lang="x-none" baseline="-25000">
+                <a:sym typeface="+mn-ea"/>
+              </a:rPr>
+              <a:t>A</a:t>
+            </a:r>
+            <a:r>
+              <a:rPr lang="x-none">
+                <a:sym typeface="+mn-ea"/>
+              </a:rPr>
+              <a:t> , m</a:t>
+            </a:r>
+            <a:r>
+              <a:rPr lang="x-none" baseline="-25000">
+                <a:sym typeface="+mn-ea"/>
+              </a:rPr>
+              <a:t>H+- </a:t>
+            </a:r>
+            <a:r>
+              <a:rPr lang="x-none">
+                <a:sym typeface="+mn-ea"/>
+              </a:rPr>
+              <a:t> cuts</a:t>
+            </a:r>
+            <a:endParaRPr lang="x-none">
+              <a:sym typeface="+mn-ea"/>
+            </a:endParaRPr>
+          </a:p>
+          <a:p>
+            <a:pPr lvl="0"/>
+            <a:r>
+              <a:rPr lang="x-none" altLang="en-US" sz="2400"/>
+              <a:t>top angle between boosted tj and c.m. framework</a:t>
+            </a:r>
+            <a:endParaRPr lang="x-none" altLang="en-US"/>
+          </a:p>
+        </p:txBody>
+      </p:sp>
+    </p:spTree>
+  </p:cSld>
+  <p:clrMapOvr>
+    <a:masterClrMapping/>
+  </p:clrMapOvr>
+</p:sld>
+</file>
+
+<file path=ppt/slides/slide23.xml><?xml version="1.0" encoding="utf-8"?>
+<p:sld xmlns:a="http://schemas.openxmlformats.org/drawingml/2006/main" xmlns:r="http://schemas.openxmlformats.org/officeDocument/2006/relationships" xmlns:p="http://schemas.openxmlformats.org/presentationml/2006/main">
+  <p:cSld>
+    <p:spTree>
+      <p:nvGrpSpPr>
+        <p:cNvPr id="1" name=""/>
+        <p:cNvGrpSpPr/>
+        <p:nvPr/>
+      </p:nvGrpSpPr>
+      <p:grpSpPr/>
+      <p:sp>
+        <p:nvSpPr>
+          <p:cNvPr id="2" name="Title 1"/>
+          <p:cNvSpPr>
+            <a:spLocks noGrp="1"/>
+          </p:cNvSpPr>
+          <p:nvPr>
+            <p:ph type="title"/>
+          </p:nvPr>
+        </p:nvSpPr>
+        <p:spPr/>
+        <p:txBody>
+          <a:bodyPr/>
+          <a:p>
+            <a:r>
+              <a:rPr lang="x-none" altLang="en-US"/>
+              <a:t>input setting</a:t>
+            </a:r>
+            <a:endParaRPr lang="x-none" altLang="en-US"/>
+          </a:p>
+        </p:txBody>
+      </p:sp>
+      <p:sp>
+        <p:nvSpPr>
+          <p:cNvPr id="3" name="Content Placeholder 2"/>
+          <p:cNvSpPr>
+            <a:spLocks noGrp="1"/>
+          </p:cNvSpPr>
+          <p:nvPr>
+            <p:ph idx="1"/>
+          </p:nvPr>
+        </p:nvSpPr>
+        <p:spPr/>
+        <p:txBody>
+          <a:bodyPr/>
+          <a:p>
+            <a:pPr marL="514350" indent="-514350">
+              <a:buAutoNum type="arabicPeriod"/>
+            </a:pPr>
+            <a:r>
+              <a:rPr lang="x-none" altLang="en-US" sz="2400">
+                <a:solidFill>
+                  <a:srgbClr val="FF0000"/>
+                </a:solidFill>
+              </a:rPr>
+              <a:t>generate root files with </a:t>
+            </a:r>
+            <a:endParaRPr lang="x-none" altLang="en-US" sz="2400">
+              <a:solidFill>
+                <a:srgbClr val="FF0000"/>
+              </a:solidFill>
+            </a:endParaRPr>
+          </a:p>
+          <a:p>
+            <a:pPr marL="0" indent="0">
+              <a:buNone/>
+            </a:pPr>
+            <a:r>
+              <a:rPr lang="x-none" altLang="en-US" sz="2400">
+                <a:solidFill>
+                  <a:srgbClr val="FF0000"/>
+                </a:solidFill>
+              </a:rPr>
+              <a:t>observables for each channels.</a:t>
+            </a:r>
+            <a:endParaRPr lang="x-none" altLang="en-US" sz="2400">
+              <a:solidFill>
+                <a:srgbClr val="FF0000"/>
+              </a:solidFill>
+            </a:endParaRPr>
+          </a:p>
+          <a:p>
+            <a:pPr marL="0" indent="0">
+              <a:buNone/>
+            </a:pPr>
+            <a:r>
+              <a:rPr lang="x-none" altLang="en-US" sz="2400"/>
+              <a:t>     </a:t>
+            </a:r>
+            <a:endParaRPr lang="x-none" altLang="en-US" sz="2400"/>
+          </a:p>
+          <a:p>
+            <a:pPr marL="0" indent="0">
+              <a:buNone/>
+            </a:pPr>
+            <a:r>
+              <a:rPr lang="x-none" altLang="en-US" sz="2400"/>
+              <a:t>   Here, weight = 0 for this example</a:t>
+            </a:r>
+            <a:endParaRPr lang="x-none" altLang="en-US" sz="2400"/>
+          </a:p>
+        </p:txBody>
+      </p:sp>
+      <p:pic>
+        <p:nvPicPr>
+          <p:cNvPr id="4" name="Picture 3"/>
+          <p:cNvPicPr>
+            <a:picLocks noChangeAspect="1"/>
+          </p:cNvPicPr>
+          <p:nvPr/>
+        </p:nvPicPr>
+        <p:blipFill>
+          <a:blip r:embed="rId1"/>
+          <a:stretch>
+            <a:fillRect/>
+          </a:stretch>
+        </p:blipFill>
+        <p:spPr>
+          <a:xfrm>
+            <a:off x="6803390" y="836930"/>
+            <a:ext cx="2171065" cy="5530215"/>
+          </a:xfrm>
+          <a:prstGeom prst="rect">
+            <a:avLst/>
+          </a:prstGeom>
+        </p:spPr>
+      </p:pic>
+    </p:spTree>
+  </p:cSld>
+  <p:clrMapOvr>
+    <a:masterClrMapping/>
+  </p:clrMapOvr>
+</p:sld>
+</file>
+
+<file path=ppt/slides/slide24.xml><?xml version="1.0" encoding="utf-8"?>
+<p:sld xmlns:a="http://schemas.openxmlformats.org/drawingml/2006/main" xmlns:r="http://schemas.openxmlformats.org/officeDocument/2006/relationships" xmlns:p="http://schemas.openxmlformats.org/presentationml/2006/main">
+  <p:cSld>
+    <p:spTree>
+      <p:nvGrpSpPr>
+        <p:cNvPr id="1" name=""/>
+        <p:cNvGrpSpPr/>
+        <p:nvPr/>
+      </p:nvGrpSpPr>
+      <p:grpSpPr/>
+      <p:pic>
+        <p:nvPicPr>
+          <p:cNvPr id="16" name="Picture 15"/>
+          <p:cNvPicPr>
+            <a:picLocks noChangeAspect="1"/>
+          </p:cNvPicPr>
+          <p:nvPr/>
+        </p:nvPicPr>
+        <p:blipFill>
+          <a:blip r:embed="rId1"/>
+          <a:stretch>
+            <a:fillRect/>
+          </a:stretch>
+        </p:blipFill>
+        <p:spPr>
+          <a:xfrm>
+            <a:off x="2556510" y="2781300"/>
+            <a:ext cx="5556885" cy="2167255"/>
+          </a:xfrm>
+          <a:prstGeom prst="rect">
+            <a:avLst/>
+          </a:prstGeom>
+        </p:spPr>
+      </p:pic>
+      <p:sp>
+        <p:nvSpPr>
+          <p:cNvPr id="2" name="Title 1"/>
+          <p:cNvSpPr>
+            <a:spLocks noGrp="1"/>
+          </p:cNvSpPr>
+          <p:nvPr>
+            <p:ph type="title"/>
+          </p:nvPr>
+        </p:nvSpPr>
+        <p:spPr/>
+        <p:txBody>
+          <a:bodyPr/>
+          <a:p>
+            <a:r>
+              <a:rPr lang="x-none" altLang="en-US"/>
+              <a:t>input setting</a:t>
+            </a:r>
+            <a:endParaRPr lang="x-none" altLang="en-US"/>
+          </a:p>
+        </p:txBody>
+      </p:sp>
+      <p:sp>
+        <p:nvSpPr>
+          <p:cNvPr id="3" name="Content Placeholder 2"/>
+          <p:cNvSpPr>
+            <a:spLocks noGrp="1"/>
+          </p:cNvSpPr>
+          <p:nvPr>
+            <p:ph idx="1"/>
+          </p:nvPr>
+        </p:nvSpPr>
+        <p:spPr/>
+        <p:txBody>
+          <a:bodyPr/>
+          <a:p>
+            <a:pPr marL="514350" indent="-514350">
+              <a:buAutoNum type="arabicPeriod"/>
+            </a:pPr>
+            <a:r>
+              <a:rPr lang="x-none" altLang="en-US"/>
+              <a:t>generate root file</a:t>
+            </a:r>
+            <a:endParaRPr lang="x-none" altLang="en-US"/>
+          </a:p>
+          <a:p>
+            <a:pPr marL="514350" indent="-514350">
+              <a:buAutoNum type="arabicPeriod"/>
+            </a:pPr>
+            <a:r>
+              <a:rPr lang="x-none" altLang="en-US">
+                <a:solidFill>
+                  <a:srgbClr val="FF0000"/>
+                </a:solidFill>
+                <a:sym typeface="+mn-ea"/>
+              </a:rPr>
+              <a:t>edit input file: xection.dat</a:t>
+            </a:r>
+            <a:endParaRPr lang="x-none" altLang="en-US">
+              <a:solidFill>
+                <a:srgbClr val="FF0000"/>
+              </a:solidFill>
+              <a:sym typeface="+mn-ea"/>
+            </a:endParaRPr>
+          </a:p>
+          <a:p>
+            <a:pPr marL="0" indent="0">
+              <a:buNone/>
+            </a:pPr>
+            <a:endParaRPr lang="x-none" altLang="en-US">
+              <a:solidFill>
+                <a:srgbClr val="FF0000"/>
+              </a:solidFill>
+              <a:sym typeface="+mn-ea"/>
+            </a:endParaRPr>
+          </a:p>
+          <a:p>
+            <a:pPr marL="514350" indent="-514350">
+              <a:buAutoNum type="arabicPeriod"/>
+            </a:pPr>
+            <a:endParaRPr lang="x-none" altLang="en-US">
+              <a:sym typeface="+mn-ea"/>
+            </a:endParaRPr>
+          </a:p>
+          <a:p>
+            <a:pPr marL="514350" indent="-514350">
+              <a:buAutoNum type="arabicPeriod"/>
+            </a:pPr>
+            <a:endParaRPr lang="x-none" altLang="en-US"/>
+          </a:p>
+        </p:txBody>
+      </p:sp>
+      <p:cxnSp>
+        <p:nvCxnSpPr>
+          <p:cNvPr id="22" name="Straight Arrow Connector 21"/>
+          <p:cNvCxnSpPr/>
+          <p:nvPr/>
+        </p:nvCxnSpPr>
+        <p:spPr>
+          <a:xfrm flipH="1">
+            <a:off x="2051685" y="3284855"/>
+            <a:ext cx="935990" cy="0"/>
+          </a:xfrm>
+          <a:prstGeom prst="straightConnector1">
+            <a:avLst/>
+          </a:prstGeom>
+          <a:ln w="57150">
+            <a:solidFill>
+              <a:schemeClr val="accent2"/>
+            </a:solidFill>
+            <a:tailEnd type="arrow"/>
+          </a:ln>
+        </p:spPr>
+        <p:style>
+          <a:lnRef idx="1">
+            <a:schemeClr val="accent1"/>
+          </a:lnRef>
+          <a:fillRef idx="0">
+            <a:schemeClr val="accent1"/>
+          </a:fillRef>
+          <a:effectRef idx="0">
+            <a:schemeClr val="accent1"/>
+          </a:effectRef>
+          <a:fontRef idx="minor">
+            <a:schemeClr val="tx1"/>
+          </a:fontRef>
+        </p:style>
+      </p:cxnSp>
+      <p:sp>
+        <p:nvSpPr>
+          <p:cNvPr id="5" name="Text Box 4"/>
+          <p:cNvSpPr txBox="1"/>
+          <p:nvPr/>
+        </p:nvSpPr>
+        <p:spPr>
+          <a:xfrm>
+            <a:off x="1043940" y="3068955"/>
+            <a:ext cx="1226820" cy="365760"/>
+          </a:xfrm>
+          <a:prstGeom prst="rect">
+            <a:avLst/>
+          </a:prstGeom>
+          <a:noFill/>
+        </p:spPr>
+        <p:txBody>
+          <a:bodyPr wrap="square" rtlCol="0">
+            <a:spAutoFit/>
+          </a:bodyPr>
+          <a:p>
+            <a:r>
+              <a:rPr lang="x-none" altLang="en-US"/>
+              <a:t>signal</a:t>
+            </a:r>
+            <a:endParaRPr lang="x-none" altLang="en-US"/>
+          </a:p>
+        </p:txBody>
+      </p:sp>
+      <p:cxnSp>
+        <p:nvCxnSpPr>
+          <p:cNvPr id="6" name="Straight Arrow Connector 5"/>
+          <p:cNvCxnSpPr/>
+          <p:nvPr/>
+        </p:nvCxnSpPr>
+        <p:spPr>
+          <a:xfrm flipH="1">
+            <a:off x="1979930" y="4004945"/>
+            <a:ext cx="863600" cy="143510"/>
+          </a:xfrm>
+          <a:prstGeom prst="straightConnector1">
+            <a:avLst/>
+          </a:prstGeom>
+          <a:ln w="57150">
+            <a:solidFill>
+              <a:schemeClr val="accent2"/>
+            </a:solidFill>
+            <a:tailEnd type="arrow"/>
+          </a:ln>
+        </p:spPr>
+        <p:style>
+          <a:lnRef idx="1">
+            <a:schemeClr val="accent1"/>
+          </a:lnRef>
+          <a:fillRef idx="0">
+            <a:schemeClr val="accent1"/>
+          </a:fillRef>
+          <a:effectRef idx="0">
+            <a:schemeClr val="accent1"/>
+          </a:effectRef>
+          <a:fontRef idx="minor">
+            <a:schemeClr val="tx1"/>
+          </a:fontRef>
+        </p:style>
+      </p:cxnSp>
+      <p:sp>
+        <p:nvSpPr>
+          <p:cNvPr id="7" name="Text Box 6"/>
+          <p:cNvSpPr txBox="1"/>
+          <p:nvPr/>
+        </p:nvSpPr>
+        <p:spPr>
+          <a:xfrm>
+            <a:off x="1043940" y="4004945"/>
+            <a:ext cx="1226820" cy="365760"/>
+          </a:xfrm>
+          <a:prstGeom prst="rect">
+            <a:avLst/>
+          </a:prstGeom>
+          <a:noFill/>
+        </p:spPr>
+        <p:txBody>
+          <a:bodyPr wrap="square" rtlCol="0">
+            <a:spAutoFit/>
+          </a:bodyPr>
+          <a:p>
+            <a:r>
+              <a:rPr lang="x-none" altLang="en-US"/>
+              <a:t>bkgs</a:t>
+            </a:r>
+            <a:endParaRPr lang="x-none" altLang="en-US"/>
+          </a:p>
+        </p:txBody>
+      </p:sp>
+      <p:sp>
+        <p:nvSpPr>
+          <p:cNvPr id="8" name="Text Box 7"/>
+          <p:cNvSpPr txBox="1"/>
+          <p:nvPr/>
+        </p:nvSpPr>
+        <p:spPr>
+          <a:xfrm>
+            <a:off x="2987675" y="5372735"/>
+            <a:ext cx="1531620" cy="365760"/>
+          </a:xfrm>
+          <a:prstGeom prst="rect">
+            <a:avLst/>
+          </a:prstGeom>
+          <a:noFill/>
+        </p:spPr>
+        <p:txBody>
+          <a:bodyPr wrap="square" rtlCol="0">
+            <a:spAutoFit/>
+          </a:bodyPr>
+          <a:p>
+            <a:r>
+              <a:rPr lang="x-none" altLang="en-US"/>
+              <a:t>tt_{l}^{l}</a:t>
+            </a:r>
+            <a:endParaRPr lang="x-none" altLang="en-US"/>
+          </a:p>
+        </p:txBody>
+      </p:sp>
+      <p:sp>
+        <p:nvSpPr>
+          <p:cNvPr id="9" name="Text Box 8"/>
+          <p:cNvSpPr txBox="1"/>
+          <p:nvPr/>
+        </p:nvSpPr>
+        <p:spPr>
+          <a:xfrm>
+            <a:off x="5075555" y="5372735"/>
+            <a:ext cx="1531620" cy="365760"/>
+          </a:xfrm>
+          <a:prstGeom prst="rect">
+            <a:avLst/>
+          </a:prstGeom>
+          <a:noFill/>
+        </p:spPr>
+        <p:txBody>
+          <a:bodyPr wrap="square" rtlCol="0">
+            <a:spAutoFit/>
+          </a:bodyPr>
+          <a:p>
+            <a:r>
+              <a:rPr lang="x-none" altLang="en-US"/>
+              <a:t>tt_{sl}^{l}</a:t>
+            </a:r>
+            <a:endParaRPr lang="x-none" altLang="en-US"/>
+          </a:p>
+        </p:txBody>
+      </p:sp>
+      <p:cxnSp>
+        <p:nvCxnSpPr>
+          <p:cNvPr id="10" name="Straight Arrow Connector 9"/>
+          <p:cNvCxnSpPr/>
+          <p:nvPr/>
+        </p:nvCxnSpPr>
+        <p:spPr>
+          <a:xfrm flipH="1">
+            <a:off x="1475740" y="5732780"/>
+            <a:ext cx="1511935" cy="431800"/>
+          </a:xfrm>
+          <a:prstGeom prst="straightConnector1">
+            <a:avLst/>
+          </a:prstGeom>
+          <a:ln w="57150">
+            <a:solidFill>
+              <a:schemeClr val="accent2"/>
+            </a:solidFill>
+            <a:tailEnd type="arrow"/>
+          </a:ln>
+        </p:spPr>
+        <p:style>
+          <a:lnRef idx="1">
+            <a:schemeClr val="accent1"/>
+          </a:lnRef>
+          <a:fillRef idx="0">
+            <a:schemeClr val="accent1"/>
+          </a:fillRef>
+          <a:effectRef idx="0">
+            <a:schemeClr val="accent1"/>
+          </a:effectRef>
+          <a:fontRef idx="minor">
+            <a:schemeClr val="tx1"/>
+          </a:fontRef>
+        </p:style>
+      </p:cxnSp>
+      <p:sp>
+        <p:nvSpPr>
+          <p:cNvPr id="11" name="Text Box 10"/>
+          <p:cNvSpPr txBox="1"/>
+          <p:nvPr/>
+        </p:nvSpPr>
+        <p:spPr>
+          <a:xfrm>
+            <a:off x="1115695" y="6164580"/>
+            <a:ext cx="1531620" cy="365760"/>
+          </a:xfrm>
+          <a:prstGeom prst="rect">
+            <a:avLst/>
+          </a:prstGeom>
+          <a:noFill/>
+        </p:spPr>
+        <p:txBody>
+          <a:bodyPr wrap="square" rtlCol="0">
+            <a:spAutoFit/>
+          </a:bodyPr>
+          <a:p>
+            <a:r>
+              <a:rPr lang="x-none" altLang="en-US"/>
+              <a:t>class name</a:t>
+            </a:r>
+            <a:endParaRPr lang="x-none" altLang="en-US"/>
+          </a:p>
+        </p:txBody>
+      </p:sp>
+      <p:sp>
+        <p:nvSpPr>
+          <p:cNvPr id="12" name="Text Box 11"/>
+          <p:cNvSpPr txBox="1"/>
+          <p:nvPr/>
+        </p:nvSpPr>
+        <p:spPr>
+          <a:xfrm>
+            <a:off x="3060065" y="6164580"/>
+            <a:ext cx="1531620" cy="365760"/>
+          </a:xfrm>
+          <a:prstGeom prst="rect">
+            <a:avLst/>
+          </a:prstGeom>
+          <a:noFill/>
+        </p:spPr>
+        <p:txBody>
+          <a:bodyPr wrap="square" rtlCol="0">
+            <a:spAutoFit/>
+          </a:bodyPr>
+          <a:p>
+            <a:r>
+              <a:rPr lang="x-none" altLang="en-US"/>
+              <a:t>user name</a:t>
+            </a:r>
+            <a:endParaRPr lang="x-none" altLang="en-US"/>
+          </a:p>
+        </p:txBody>
+      </p:sp>
+      <p:cxnSp>
+        <p:nvCxnSpPr>
+          <p:cNvPr id="13" name="Straight Arrow Connector 12"/>
+          <p:cNvCxnSpPr/>
+          <p:nvPr/>
+        </p:nvCxnSpPr>
+        <p:spPr>
+          <a:xfrm>
+            <a:off x="3491865" y="5732780"/>
+            <a:ext cx="71755" cy="431800"/>
+          </a:xfrm>
+          <a:prstGeom prst="straightConnector1">
+            <a:avLst/>
+          </a:prstGeom>
+          <a:ln w="57150">
+            <a:solidFill>
+              <a:schemeClr val="accent2"/>
+            </a:solidFill>
+            <a:tailEnd type="arrow"/>
+          </a:ln>
+        </p:spPr>
+        <p:style>
+          <a:lnRef idx="1">
+            <a:schemeClr val="accent1"/>
+          </a:lnRef>
+          <a:fillRef idx="0">
+            <a:schemeClr val="accent1"/>
+          </a:fillRef>
+          <a:effectRef idx="0">
+            <a:schemeClr val="accent1"/>
+          </a:effectRef>
+          <a:fontRef idx="minor">
+            <a:schemeClr val="tx1"/>
+          </a:fontRef>
+        </p:style>
+      </p:cxnSp>
+      <p:cxnSp>
+        <p:nvCxnSpPr>
+          <p:cNvPr id="14" name="Straight Arrow Connector 13"/>
+          <p:cNvCxnSpPr/>
+          <p:nvPr/>
+        </p:nvCxnSpPr>
+        <p:spPr>
+          <a:xfrm>
+            <a:off x="4283710" y="5732780"/>
+            <a:ext cx="720090" cy="360045"/>
+          </a:xfrm>
+          <a:prstGeom prst="straightConnector1">
+            <a:avLst/>
+          </a:prstGeom>
+          <a:ln w="57150">
+            <a:solidFill>
+              <a:schemeClr val="accent2"/>
+            </a:solidFill>
+            <a:tailEnd type="arrow"/>
+          </a:ln>
+        </p:spPr>
+        <p:style>
+          <a:lnRef idx="1">
+            <a:schemeClr val="accent1"/>
+          </a:lnRef>
+          <a:fillRef idx="0">
+            <a:schemeClr val="accent1"/>
+          </a:fillRef>
+          <a:effectRef idx="0">
+            <a:schemeClr val="accent1"/>
+          </a:effectRef>
+          <a:fontRef idx="minor">
+            <a:schemeClr val="tx1"/>
+          </a:fontRef>
+        </p:style>
+      </p:cxnSp>
+      <p:sp>
+        <p:nvSpPr>
+          <p:cNvPr id="15" name="Text Box 14"/>
+          <p:cNvSpPr txBox="1"/>
+          <p:nvPr/>
+        </p:nvSpPr>
+        <p:spPr>
+          <a:xfrm>
+            <a:off x="4572000" y="6164580"/>
+            <a:ext cx="2145665" cy="365760"/>
+          </a:xfrm>
+          <a:prstGeom prst="rect">
+            <a:avLst/>
+          </a:prstGeom>
+          <a:noFill/>
+        </p:spPr>
+        <p:txBody>
+          <a:bodyPr wrap="square" rtlCol="0">
+            <a:spAutoFit/>
+          </a:bodyPr>
+          <a:p>
+            <a:r>
+              <a:rPr lang="x-none" altLang="en-US"/>
+              <a:t>sub class name</a:t>
+            </a:r>
+            <a:endParaRPr lang="x-none" altLang="en-US"/>
+          </a:p>
+        </p:txBody>
+      </p:sp>
+      <p:cxnSp>
+        <p:nvCxnSpPr>
+          <p:cNvPr id="17" name="Straight Arrow Connector 16"/>
+          <p:cNvCxnSpPr/>
+          <p:nvPr/>
+        </p:nvCxnSpPr>
+        <p:spPr>
+          <a:xfrm>
+            <a:off x="7739380" y="4725035"/>
+            <a:ext cx="504190" cy="719455"/>
+          </a:xfrm>
+          <a:prstGeom prst="straightConnector1">
+            <a:avLst/>
+          </a:prstGeom>
+          <a:ln w="57150">
+            <a:solidFill>
+              <a:schemeClr val="accent2"/>
+            </a:solidFill>
+            <a:tailEnd type="arrow"/>
+          </a:ln>
+        </p:spPr>
+        <p:style>
+          <a:lnRef idx="1">
+            <a:schemeClr val="accent1"/>
+          </a:lnRef>
+          <a:fillRef idx="0">
+            <a:schemeClr val="accent1"/>
+          </a:fillRef>
+          <a:effectRef idx="0">
+            <a:schemeClr val="accent1"/>
+          </a:effectRef>
+          <a:fontRef idx="minor">
+            <a:schemeClr val="tx1"/>
+          </a:fontRef>
+        </p:style>
+      </p:cxnSp>
+      <p:sp>
+        <p:nvSpPr>
+          <p:cNvPr id="18" name="Text Box 17"/>
+          <p:cNvSpPr txBox="1"/>
+          <p:nvPr/>
+        </p:nvSpPr>
+        <p:spPr>
+          <a:xfrm>
+            <a:off x="7019925" y="5444490"/>
+            <a:ext cx="2145665" cy="914400"/>
+          </a:xfrm>
+          <a:prstGeom prst="rect">
+            <a:avLst/>
+          </a:prstGeom>
+          <a:noFill/>
+        </p:spPr>
+        <p:txBody>
+          <a:bodyPr wrap="square" rtlCol="0">
+            <a:spAutoFit/>
+          </a:bodyPr>
+          <a:p>
+            <a:r>
+              <a:rPr lang="x-none" altLang="en-US"/>
+              <a:t>weight=0 in root file, so tell the xsection here.</a:t>
+            </a:r>
+            <a:endParaRPr lang="x-none" altLang="en-US"/>
+          </a:p>
+        </p:txBody>
+      </p:sp>
+      <p:sp>
+        <p:nvSpPr>
+          <p:cNvPr id="19" name="Text Box 18"/>
+          <p:cNvSpPr txBox="1"/>
+          <p:nvPr/>
+        </p:nvSpPr>
+        <p:spPr>
+          <a:xfrm>
+            <a:off x="971550" y="4940935"/>
+            <a:ext cx="5386070" cy="365760"/>
+          </a:xfrm>
+          <a:prstGeom prst="rect">
+            <a:avLst/>
+          </a:prstGeom>
+          <a:noFill/>
+        </p:spPr>
+        <p:txBody>
+          <a:bodyPr wrap="square" rtlCol="0">
+            <a:spAutoFit/>
+          </a:bodyPr>
+          <a:p>
+            <a:r>
+              <a:rPr lang="x-none" altLang="en-US"/>
+              <a:t>channel name:  </a:t>
+            </a:r>
+            <a:r>
+              <a:rPr lang="x-none" altLang="en-US">
+                <a:sym typeface="+mn-ea"/>
+              </a:rPr>
+              <a:t>format is  </a:t>
+            </a:r>
+            <a:r>
+              <a:rPr lang="x-none" altLang="en-US">
+                <a:solidFill>
+                  <a:srgbClr val="0070C0"/>
+                </a:solidFill>
+                <a:sym typeface="+mn-ea"/>
+              </a:rPr>
+              <a:t> </a:t>
+            </a:r>
+            <a:r>
+              <a:rPr lang="x-none" altLang="en-US">
+                <a:solidFill>
+                  <a:srgbClr val="0070C0"/>
+                </a:solidFill>
+              </a:rPr>
+              <a:t>a_{b}^{c}</a:t>
+            </a:r>
+            <a:r>
+              <a:rPr lang="x-none" altLang="en-US"/>
+              <a:t> </a:t>
+            </a:r>
+            <a:endParaRPr lang="x-none" altLang="en-US"/>
+          </a:p>
+        </p:txBody>
+      </p:sp>
+      <p:sp>
+        <p:nvSpPr>
+          <p:cNvPr id="20" name="Rounded Rectangle 19"/>
+          <p:cNvSpPr/>
+          <p:nvPr/>
+        </p:nvSpPr>
+        <p:spPr>
+          <a:xfrm>
+            <a:off x="1115695" y="5315585"/>
+            <a:ext cx="5692140" cy="1226185"/>
+          </a:xfrm>
+          <a:prstGeom prst="roundRect">
+            <a:avLst/>
+          </a:prstGeom>
+          <a:noFill/>
+          <a:ln w="57150">
+            <a:solidFill>
+              <a:srgbClr val="00B050"/>
+            </a:solidFill>
+          </a:ln>
+          <a:extLst>
+            <a:ext uri="{909E8E84-426E-40DD-AFC4-6F175D3DCCD1}">
+              <a14:hiddenFill xmlns:a14="http://schemas.microsoft.com/office/drawing/2010/main">
+                <a:solidFill>
+                  <a:schemeClr val="accent6"/>
+                </a:solidFill>
+              </a14:hiddenFill>
+            </a:ext>
+          </a:extLst>
+        </p:spPr>
+        <p:style>
+          <a:lnRef idx="2">
+            <a:schemeClr val="accent1">
+              <a:shade val="50000"/>
+            </a:schemeClr>
+          </a:lnRef>
+          <a:fillRef idx="1">
+            <a:schemeClr val="accent1"/>
+          </a:fillRef>
+          <a:effectRef idx="0">
+            <a:schemeClr val="accent1"/>
+          </a:effectRef>
+          <a:fontRef idx="minor">
+            <a:schemeClr val="lt1"/>
+          </a:fontRef>
+        </p:style>
+        <p:txBody>
+          <a:bodyPr rtlCol="0" anchor="ctr"/>
+          <a:p>
+            <a:pPr algn="ctr"/>
+            <a:endParaRPr lang="en-US"/>
+          </a:p>
+        </p:txBody>
+      </p:sp>
+    </p:spTree>
+  </p:cSld>
+  <p:clrMapOvr>
+    <a:masterClrMapping/>
+  </p:clrMapOvr>
+</p:sld>
+</file>
+
+<file path=ppt/slides/slide25.xml><?xml version="1.0" encoding="utf-8"?>
+<p:sld xmlns:a="http://schemas.openxmlformats.org/drawingml/2006/main" xmlns:r="http://schemas.openxmlformats.org/officeDocument/2006/relationships" xmlns:p="http://schemas.openxmlformats.org/presentationml/2006/main">
+  <p:cSld>
+    <p:spTree>
+      <p:nvGrpSpPr>
+        <p:cNvPr id="1" name=""/>
+        <p:cNvGrpSpPr/>
+        <p:nvPr/>
+      </p:nvGrpSpPr>
+      <p:grpSpPr/>
+      <p:sp>
+        <p:nvSpPr>
+          <p:cNvPr id="2" name="Title 1"/>
+          <p:cNvSpPr>
+            <a:spLocks noGrp="1"/>
+          </p:cNvSpPr>
+          <p:nvPr>
+            <p:ph type="title"/>
+          </p:nvPr>
+        </p:nvSpPr>
+        <p:spPr/>
+        <p:txBody>
+          <a:bodyPr/>
+          <a:p>
+            <a:r>
+              <a:rPr lang="x-none" altLang="en-US"/>
+              <a:t>input setting</a:t>
+            </a:r>
+            <a:endParaRPr lang="x-none" altLang="en-US"/>
+          </a:p>
+        </p:txBody>
+      </p:sp>
+      <p:sp>
+        <p:nvSpPr>
+          <p:cNvPr id="3" name="Content Placeholder 2"/>
+          <p:cNvSpPr>
+            <a:spLocks noGrp="1"/>
+          </p:cNvSpPr>
+          <p:nvPr>
+            <p:ph idx="1"/>
+          </p:nvPr>
+        </p:nvSpPr>
+        <p:spPr/>
+        <p:txBody>
+          <a:bodyPr/>
+          <a:p>
+            <a:pPr marL="514350" indent="-514350">
+              <a:buAutoNum type="arabicPeriod"/>
+            </a:pPr>
+            <a:r>
+              <a:rPr lang="x-none" altLang="en-US"/>
+              <a:t>generate root file</a:t>
+            </a:r>
+            <a:endParaRPr lang="x-none" altLang="en-US"/>
+          </a:p>
+          <a:p>
+            <a:pPr marL="514350" indent="-514350">
+              <a:buAutoNum type="arabicPeriod"/>
+            </a:pPr>
+            <a:r>
+              <a:rPr lang="x-none" altLang="en-US">
+                <a:sym typeface="+mn-ea"/>
+              </a:rPr>
+              <a:t>edit xsection.dat</a:t>
+            </a:r>
+            <a:endParaRPr lang="x-none" altLang="en-US">
+              <a:sym typeface="+mn-ea"/>
+            </a:endParaRPr>
+          </a:p>
+          <a:p>
+            <a:pPr marL="514350" indent="-514350">
+              <a:buAutoNum type="arabicPeriod"/>
+            </a:pPr>
+            <a:r>
+              <a:rPr lang="x-none" altLang="en-US">
+                <a:solidFill>
+                  <a:srgbClr val="FF0000"/>
+                </a:solidFill>
+                <a:sym typeface="+mn-ea"/>
+              </a:rPr>
+              <a:t>edit file.dat</a:t>
+            </a:r>
+            <a:endParaRPr lang="x-none" altLang="en-US">
+              <a:solidFill>
+                <a:srgbClr val="FF0000"/>
+              </a:solidFill>
+              <a:sym typeface="+mn-ea"/>
+            </a:endParaRPr>
+          </a:p>
+          <a:p>
+            <a:pPr marL="514350" indent="-514350">
+              <a:buAutoNum type="arabicPeriod"/>
+            </a:pPr>
+            <a:endParaRPr lang="x-none" altLang="en-US">
+              <a:sym typeface="+mn-ea"/>
+            </a:endParaRPr>
+          </a:p>
+          <a:p>
+            <a:pPr marL="514350" indent="-514350">
+              <a:buAutoNum type="arabicPeriod"/>
+            </a:pPr>
+            <a:endParaRPr lang="x-none" altLang="en-US"/>
+          </a:p>
+        </p:txBody>
+      </p:sp>
+      <p:cxnSp>
+        <p:nvCxnSpPr>
+          <p:cNvPr id="22" name="Straight Arrow Connector 21"/>
+          <p:cNvCxnSpPr/>
+          <p:nvPr/>
+        </p:nvCxnSpPr>
+        <p:spPr>
+          <a:xfrm flipH="1">
+            <a:off x="2627630" y="5876290"/>
+            <a:ext cx="936625" cy="635"/>
+          </a:xfrm>
+          <a:prstGeom prst="straightConnector1">
+            <a:avLst/>
+          </a:prstGeom>
+          <a:ln w="57150">
+            <a:solidFill>
+              <a:schemeClr val="accent2"/>
+            </a:solidFill>
+            <a:tailEnd type="arrow"/>
+          </a:ln>
+        </p:spPr>
+        <p:style>
+          <a:lnRef idx="1">
+            <a:schemeClr val="accent1"/>
+          </a:lnRef>
+          <a:fillRef idx="0">
+            <a:schemeClr val="accent1"/>
+          </a:fillRef>
+          <a:effectRef idx="0">
+            <a:schemeClr val="accent1"/>
+          </a:effectRef>
+          <a:fontRef idx="minor">
+            <a:schemeClr val="tx1"/>
+          </a:fontRef>
+        </p:style>
+      </p:cxnSp>
+      <p:sp>
+        <p:nvSpPr>
+          <p:cNvPr id="6" name="Text Box 5"/>
+          <p:cNvSpPr txBox="1"/>
+          <p:nvPr/>
+        </p:nvSpPr>
+        <p:spPr>
+          <a:xfrm>
+            <a:off x="1043940" y="5661025"/>
+            <a:ext cx="1585595" cy="640080"/>
+          </a:xfrm>
+          <a:prstGeom prst="rect">
+            <a:avLst/>
+          </a:prstGeom>
+          <a:noFill/>
+        </p:spPr>
+        <p:txBody>
+          <a:bodyPr wrap="square" rtlCol="0">
+            <a:spAutoFit/>
+          </a:bodyPr>
+          <a:p>
+            <a:r>
+              <a:rPr lang="x-none" altLang="en-US"/>
+              <a:t>root tree name</a:t>
+            </a:r>
+            <a:endParaRPr lang="x-none" altLang="en-US"/>
+          </a:p>
+        </p:txBody>
+      </p:sp>
+      <p:cxnSp>
+        <p:nvCxnSpPr>
+          <p:cNvPr id="7" name="Straight Arrow Connector 6"/>
+          <p:cNvCxnSpPr/>
+          <p:nvPr/>
+        </p:nvCxnSpPr>
+        <p:spPr>
+          <a:xfrm flipH="1">
+            <a:off x="2555875" y="4004945"/>
+            <a:ext cx="936625" cy="635"/>
+          </a:xfrm>
+          <a:prstGeom prst="straightConnector1">
+            <a:avLst/>
+          </a:prstGeom>
+          <a:ln w="57150">
+            <a:solidFill>
+              <a:schemeClr val="accent2"/>
+            </a:solidFill>
+            <a:tailEnd type="arrow"/>
+          </a:ln>
+        </p:spPr>
+        <p:style>
+          <a:lnRef idx="1">
+            <a:schemeClr val="accent1"/>
+          </a:lnRef>
+          <a:fillRef idx="0">
+            <a:schemeClr val="accent1"/>
+          </a:fillRef>
+          <a:effectRef idx="0">
+            <a:schemeClr val="accent1"/>
+          </a:effectRef>
+          <a:fontRef idx="minor">
+            <a:schemeClr val="tx1"/>
+          </a:fontRef>
+        </p:style>
+      </p:cxnSp>
+      <p:sp>
+        <p:nvSpPr>
+          <p:cNvPr id="8" name="Text Box 7"/>
+          <p:cNvSpPr txBox="1"/>
+          <p:nvPr/>
+        </p:nvSpPr>
+        <p:spPr>
+          <a:xfrm>
+            <a:off x="971550" y="3789045"/>
+            <a:ext cx="1585595" cy="640080"/>
+          </a:xfrm>
+          <a:prstGeom prst="rect">
+            <a:avLst/>
+          </a:prstGeom>
+          <a:noFill/>
+        </p:spPr>
+        <p:txBody>
+          <a:bodyPr wrap="square" rtlCol="0">
+            <a:spAutoFit/>
+          </a:bodyPr>
+          <a:p>
+            <a:r>
+              <a:rPr lang="x-none" altLang="en-US"/>
+              <a:t>root tree name</a:t>
+            </a:r>
+            <a:endParaRPr lang="x-none" altLang="en-US"/>
+          </a:p>
+        </p:txBody>
+      </p:sp>
+      <p:pic>
+        <p:nvPicPr>
+          <p:cNvPr id="9" name="Picture 8"/>
+          <p:cNvPicPr>
+            <a:picLocks noChangeAspect="1"/>
+          </p:cNvPicPr>
+          <p:nvPr/>
+        </p:nvPicPr>
+        <p:blipFill>
+          <a:blip r:embed="rId1"/>
+          <a:stretch>
+            <a:fillRect/>
+          </a:stretch>
+        </p:blipFill>
+        <p:spPr>
+          <a:xfrm>
+            <a:off x="3563620" y="3356610"/>
+            <a:ext cx="5009515" cy="2875915"/>
+          </a:xfrm>
+          <a:prstGeom prst="rect">
+            <a:avLst/>
+          </a:prstGeom>
+        </p:spPr>
+      </p:pic>
+      <p:pic>
+        <p:nvPicPr>
+          <p:cNvPr id="10" name="Picture 9"/>
+          <p:cNvPicPr>
+            <a:picLocks noChangeAspect="1"/>
+          </p:cNvPicPr>
+          <p:nvPr/>
+        </p:nvPicPr>
+        <p:blipFill>
+          <a:blip r:embed="rId2"/>
+          <a:stretch>
+            <a:fillRect/>
+          </a:stretch>
+        </p:blipFill>
+        <p:spPr>
+          <a:xfrm>
+            <a:off x="5795645" y="332740"/>
+            <a:ext cx="3321050" cy="2087880"/>
+          </a:xfrm>
+          <a:prstGeom prst="rect">
+            <a:avLst/>
+          </a:prstGeom>
+        </p:spPr>
+      </p:pic>
+      <p:cxnSp>
+        <p:nvCxnSpPr>
+          <p:cNvPr id="11" name="Straight Arrow Connector 10"/>
+          <p:cNvCxnSpPr/>
+          <p:nvPr/>
+        </p:nvCxnSpPr>
+        <p:spPr>
+          <a:xfrm flipV="1">
+            <a:off x="5939790" y="1917065"/>
+            <a:ext cx="1080135" cy="2519680"/>
+          </a:xfrm>
+          <a:prstGeom prst="straightConnector1">
+            <a:avLst/>
+          </a:prstGeom>
+          <a:ln w="57150">
+            <a:solidFill>
+              <a:srgbClr val="7030A0"/>
+            </a:solidFill>
+            <a:tailEnd type="arrow"/>
+          </a:ln>
+        </p:spPr>
+        <p:style>
+          <a:lnRef idx="1">
+            <a:schemeClr val="accent1"/>
+          </a:lnRef>
+          <a:fillRef idx="0">
+            <a:schemeClr val="accent1"/>
+          </a:fillRef>
+          <a:effectRef idx="0">
+            <a:schemeClr val="accent1"/>
+          </a:effectRef>
+          <a:fontRef idx="minor">
+            <a:schemeClr val="tx1"/>
+          </a:fontRef>
+        </p:style>
+      </p:cxnSp>
+      <p:sp>
+        <p:nvSpPr>
+          <p:cNvPr id="12" name="Text Box 11"/>
+          <p:cNvSpPr txBox="1"/>
+          <p:nvPr/>
+        </p:nvSpPr>
+        <p:spPr>
+          <a:xfrm>
+            <a:off x="6803390" y="2636520"/>
+            <a:ext cx="2393315" cy="365760"/>
+          </a:xfrm>
+          <a:prstGeom prst="rect">
+            <a:avLst/>
+          </a:prstGeom>
+          <a:noFill/>
+        </p:spPr>
+        <p:txBody>
+          <a:bodyPr wrap="square" rtlCol="0">
+            <a:spAutoFit/>
+          </a:bodyPr>
+          <a:p>
+            <a:r>
+              <a:rPr lang="x-none" altLang="en-US">
+                <a:solidFill>
+                  <a:srgbClr val="7030A0"/>
+                </a:solidFill>
+              </a:rPr>
+              <a:t>this is also correct</a:t>
+            </a:r>
+            <a:endParaRPr lang="x-none" altLang="en-US">
+              <a:solidFill>
+                <a:srgbClr val="7030A0"/>
+              </a:solidFill>
+            </a:endParaRPr>
+          </a:p>
+        </p:txBody>
+      </p:sp>
+    </p:spTree>
+  </p:cSld>
+  <p:clrMapOvr>
+    <a:masterClrMapping/>
+  </p:clrMapOvr>
+</p:sld>
+</file>
+
+<file path=ppt/slides/slide26.xml><?xml version="1.0" encoding="utf-8"?>
+<p:sld xmlns:a="http://schemas.openxmlformats.org/drawingml/2006/main" xmlns:r="http://schemas.openxmlformats.org/officeDocument/2006/relationships" xmlns:p="http://schemas.openxmlformats.org/presentationml/2006/main">
+  <p:cSld>
+    <p:spTree>
+      <p:nvGrpSpPr>
+        <p:cNvPr id="1" name=""/>
+        <p:cNvGrpSpPr/>
+        <p:nvPr/>
+      </p:nvGrpSpPr>
+      <p:grpSpPr/>
+      <p:sp>
+        <p:nvSpPr>
+          <p:cNvPr id="2" name="Title 1"/>
+          <p:cNvSpPr>
+            <a:spLocks noGrp="1"/>
+          </p:cNvSpPr>
+          <p:nvPr>
+            <p:ph type="title"/>
+          </p:nvPr>
+        </p:nvSpPr>
+        <p:spPr/>
+        <p:txBody>
+          <a:bodyPr/>
+          <a:p>
+            <a:r>
+              <a:rPr lang="x-none" altLang="en-US"/>
+              <a:t>input setting</a:t>
+            </a:r>
+            <a:endParaRPr lang="x-none" altLang="en-US"/>
+          </a:p>
+        </p:txBody>
+      </p:sp>
+      <p:sp>
+        <p:nvSpPr>
+          <p:cNvPr id="3" name="Content Placeholder 2"/>
+          <p:cNvSpPr>
+            <a:spLocks noGrp="1"/>
+          </p:cNvSpPr>
+          <p:nvPr>
+            <p:ph idx="1"/>
+          </p:nvPr>
+        </p:nvSpPr>
+        <p:spPr/>
+        <p:txBody>
+          <a:bodyPr/>
+          <a:p>
+            <a:pPr marL="514350" indent="-514350">
+              <a:buAutoNum type="arabicPeriod"/>
+            </a:pPr>
+            <a:r>
+              <a:rPr lang="x-none" altLang="en-US"/>
+              <a:t>generate root file</a:t>
+            </a:r>
+            <a:endParaRPr lang="x-none" altLang="en-US"/>
+          </a:p>
+          <a:p>
+            <a:pPr marL="514350" indent="-514350">
+              <a:buAutoNum type="arabicPeriod"/>
+            </a:pPr>
+            <a:r>
+              <a:rPr lang="x-none" altLang="en-US">
+                <a:sym typeface="+mn-ea"/>
+              </a:rPr>
+              <a:t>edit input file</a:t>
+            </a:r>
+            <a:endParaRPr lang="x-none" altLang="en-US">
+              <a:sym typeface="+mn-ea"/>
+            </a:endParaRPr>
+          </a:p>
+          <a:p>
+            <a:pPr marL="514350" indent="-514350">
+              <a:buAutoNum type="arabicPeriod"/>
+            </a:pPr>
+            <a:r>
+              <a:rPr lang="x-none" altLang="en-US">
+                <a:sym typeface="+mn-ea"/>
+              </a:rPr>
+              <a:t>edit file.dat</a:t>
+            </a:r>
+            <a:endParaRPr lang="x-none" altLang="en-US">
+              <a:sym typeface="+mn-ea"/>
+            </a:endParaRPr>
+          </a:p>
+          <a:p>
+            <a:pPr marL="514350" indent="-514350">
+              <a:buAutoNum type="arabicPeriod"/>
+            </a:pPr>
+            <a:r>
+              <a:rPr lang="x-none" altLang="en-US">
+                <a:solidFill>
+                  <a:srgbClr val="FF0000"/>
+                </a:solidFill>
+                <a:sym typeface="+mn-ea"/>
+              </a:rPr>
+              <a:t>edit Bkg_Sort.dat</a:t>
+            </a:r>
+            <a:endParaRPr lang="x-none" altLang="en-US">
+              <a:solidFill>
+                <a:srgbClr val="FF0000"/>
+              </a:solidFill>
+              <a:sym typeface="+mn-ea"/>
+            </a:endParaRPr>
+          </a:p>
+          <a:p>
+            <a:pPr marL="514350" indent="-514350">
+              <a:buAutoNum type="arabicPeriod"/>
+            </a:pPr>
+            <a:endParaRPr lang="x-none" altLang="en-US">
+              <a:solidFill>
+                <a:srgbClr val="FF0000"/>
+              </a:solidFill>
+              <a:sym typeface="+mn-ea"/>
+            </a:endParaRPr>
+          </a:p>
+        </p:txBody>
+      </p:sp>
+      <p:pic>
+        <p:nvPicPr>
+          <p:cNvPr id="5" name="Picture 4"/>
+          <p:cNvPicPr>
+            <a:picLocks noChangeAspect="1"/>
+          </p:cNvPicPr>
+          <p:nvPr/>
+        </p:nvPicPr>
+        <p:blipFill>
+          <a:blip r:embed="rId1"/>
+          <a:stretch>
+            <a:fillRect/>
+          </a:stretch>
+        </p:blipFill>
+        <p:spPr>
+          <a:xfrm>
+            <a:off x="4067810" y="3932555"/>
+            <a:ext cx="4271010" cy="2501265"/>
+          </a:xfrm>
+          <a:prstGeom prst="rect">
+            <a:avLst/>
+          </a:prstGeom>
+        </p:spPr>
+      </p:pic>
+    </p:spTree>
+  </p:cSld>
+  <p:clrMapOvr>
+    <a:masterClrMapping/>
+  </p:clrMapOvr>
+</p:sld>
+</file>
+
+<file path=ppt/slides/slide27.xml><?xml version="1.0" encoding="utf-8"?>
+<p:sld xmlns:a="http://schemas.openxmlformats.org/drawingml/2006/main" xmlns:r="http://schemas.openxmlformats.org/officeDocument/2006/relationships" xmlns:p="http://schemas.openxmlformats.org/presentationml/2006/main">
+  <p:cSld>
+    <p:spTree>
+      <p:nvGrpSpPr>
+        <p:cNvPr id="1" name=""/>
+        <p:cNvGrpSpPr/>
+        <p:nvPr/>
+      </p:nvGrpSpPr>
+      <p:grpSpPr/>
+      <p:sp>
+        <p:nvSpPr>
+          <p:cNvPr id="2" name="Title 1"/>
+          <p:cNvSpPr>
+            <a:spLocks noGrp="1"/>
+          </p:cNvSpPr>
+          <p:nvPr>
+            <p:ph type="title"/>
+          </p:nvPr>
+        </p:nvSpPr>
+        <p:spPr/>
+        <p:txBody>
+          <a:bodyPr/>
+          <a:p>
+            <a:r>
+              <a:rPr lang="x-none" altLang="en-US"/>
+              <a:t>input setting</a:t>
+            </a:r>
+            <a:endParaRPr lang="x-none" altLang="en-US"/>
+          </a:p>
+        </p:txBody>
+      </p:sp>
+      <p:sp>
+        <p:nvSpPr>
+          <p:cNvPr id="3" name="Content Placeholder 2"/>
+          <p:cNvSpPr>
+            <a:spLocks noGrp="1"/>
+          </p:cNvSpPr>
+          <p:nvPr>
+            <p:ph idx="1"/>
+          </p:nvPr>
+        </p:nvSpPr>
+        <p:spPr/>
+        <p:txBody>
+          <a:bodyPr/>
+          <a:p>
+            <a:pPr marL="514350" indent="-514350">
+              <a:buAutoNum type="arabicPeriod"/>
+            </a:pPr>
+            <a:r>
+              <a:rPr lang="x-none" altLang="en-US"/>
+              <a:t>generate root file</a:t>
+            </a:r>
+            <a:endParaRPr lang="x-none" altLang="en-US"/>
+          </a:p>
+          <a:p>
+            <a:pPr marL="514350" indent="-514350">
+              <a:buAutoNum type="arabicPeriod"/>
+            </a:pPr>
+            <a:r>
+              <a:rPr lang="x-none" altLang="en-US">
+                <a:sym typeface="+mn-ea"/>
+              </a:rPr>
+              <a:t>edit input file</a:t>
+            </a:r>
+            <a:endParaRPr lang="x-none" altLang="en-US">
+              <a:sym typeface="+mn-ea"/>
+            </a:endParaRPr>
+          </a:p>
+          <a:p>
+            <a:pPr marL="514350" indent="-514350">
+              <a:buAutoNum type="arabicPeriod"/>
+            </a:pPr>
+            <a:r>
+              <a:rPr lang="x-none" altLang="en-US">
+                <a:sym typeface="+mn-ea"/>
+              </a:rPr>
+              <a:t>edit file.dat</a:t>
+            </a:r>
+            <a:endParaRPr lang="x-none" altLang="en-US">
+              <a:sym typeface="+mn-ea"/>
+            </a:endParaRPr>
+          </a:p>
+          <a:p>
+            <a:pPr marL="514350" indent="-514350">
+              <a:buAutoNum type="arabicPeriod"/>
+            </a:pPr>
+            <a:r>
+              <a:rPr lang="x-none" altLang="en-US">
+                <a:sym typeface="+mn-ea"/>
+              </a:rPr>
+              <a:t>edit Bkg_Sort.dat</a:t>
+            </a:r>
+            <a:endParaRPr lang="x-none" altLang="en-US">
+              <a:sym typeface="+mn-ea"/>
+            </a:endParaRPr>
+          </a:p>
+          <a:p>
+            <a:pPr marL="514350" indent="-514350">
+              <a:buAutoNum type="arabicPeriod"/>
+            </a:pPr>
+            <a:r>
+              <a:rPr lang="x-none" altLang="en-US">
+                <a:solidFill>
+                  <a:srgbClr val="FF0000"/>
+                </a:solidFill>
+                <a:sym typeface="+mn-ea"/>
+              </a:rPr>
+              <a:t>edit Var.dat</a:t>
+            </a:r>
+            <a:endParaRPr lang="x-none" altLang="en-US">
+              <a:solidFill>
+                <a:srgbClr val="FF0000"/>
+              </a:solidFill>
+              <a:sym typeface="+mn-ea"/>
+            </a:endParaRPr>
+          </a:p>
+          <a:p>
+            <a:pPr marL="514350" indent="-514350">
+              <a:buAutoNum type="arabicPeriod"/>
+            </a:pPr>
+            <a:endParaRPr lang="x-none" altLang="en-US">
+              <a:solidFill>
+                <a:srgbClr val="FF0000"/>
+              </a:solidFill>
+              <a:sym typeface="+mn-ea"/>
+            </a:endParaRPr>
+          </a:p>
+          <a:p>
+            <a:pPr marL="514350" indent="-514350">
+              <a:buAutoNum type="arabicPeriod"/>
+            </a:pPr>
+            <a:endParaRPr lang="x-none" altLang="en-US"/>
+          </a:p>
+        </p:txBody>
+      </p:sp>
+      <p:pic>
+        <p:nvPicPr>
+          <p:cNvPr id="4" name="Picture 3"/>
+          <p:cNvPicPr>
+            <a:picLocks noChangeAspect="1"/>
+          </p:cNvPicPr>
+          <p:nvPr/>
+        </p:nvPicPr>
+        <p:blipFill>
+          <a:blip r:embed="rId1"/>
+          <a:stretch>
+            <a:fillRect/>
+          </a:stretch>
+        </p:blipFill>
+        <p:spPr>
+          <a:xfrm>
+            <a:off x="5147945" y="405130"/>
+            <a:ext cx="3849370" cy="6111240"/>
+          </a:xfrm>
+          <a:prstGeom prst="rect">
+            <a:avLst/>
+          </a:prstGeom>
+        </p:spPr>
+      </p:pic>
+    </p:spTree>
+  </p:cSld>
+  <p:clrMapOvr>
+    <a:masterClrMapping/>
+  </p:clrMapOvr>
+</p:sld>
+</file>
+
+<file path=ppt/slides/slide28.xml><?xml version="1.0" encoding="utf-8"?>
+<p:sld xmlns:a="http://schemas.openxmlformats.org/drawingml/2006/main" xmlns:r="http://schemas.openxmlformats.org/officeDocument/2006/relationships" xmlns:p="http://schemas.openxmlformats.org/presentationml/2006/main">
+  <p:cSld>
+    <p:spTree>
+      <p:nvGrpSpPr>
+        <p:cNvPr id="1" name=""/>
+        <p:cNvGrpSpPr/>
+        <p:nvPr/>
+      </p:nvGrpSpPr>
+      <p:grpSpPr/>
+      <p:pic>
+        <p:nvPicPr>
+          <p:cNvPr id="4" name="Picture 3"/>
+          <p:cNvPicPr>
+            <a:picLocks noChangeAspect="1"/>
+          </p:cNvPicPr>
+          <p:nvPr/>
+        </p:nvPicPr>
+        <p:blipFill>
+          <a:blip r:embed="rId1"/>
+          <a:stretch>
+            <a:fillRect/>
+          </a:stretch>
+        </p:blipFill>
+        <p:spPr>
+          <a:xfrm>
+            <a:off x="4643755" y="405130"/>
+            <a:ext cx="3849370" cy="6111240"/>
+          </a:xfrm>
+          <a:prstGeom prst="rect">
+            <a:avLst/>
+          </a:prstGeom>
+        </p:spPr>
+      </p:pic>
+      <p:cxnSp>
+        <p:nvCxnSpPr>
+          <p:cNvPr id="17" name="Straight Arrow Connector 16"/>
+          <p:cNvCxnSpPr/>
+          <p:nvPr/>
+        </p:nvCxnSpPr>
+        <p:spPr>
+          <a:xfrm flipH="1" flipV="1">
+            <a:off x="3851910" y="692785"/>
+            <a:ext cx="1223645" cy="144145"/>
+          </a:xfrm>
+          <a:prstGeom prst="straightConnector1">
+            <a:avLst/>
+          </a:prstGeom>
+          <a:ln w="38100">
+            <a:solidFill>
+              <a:srgbClr val="0070C0"/>
+            </a:solidFill>
+            <a:tailEnd type="arrow"/>
+          </a:ln>
+        </p:spPr>
+        <p:style>
+          <a:lnRef idx="1">
+            <a:schemeClr val="accent1"/>
+          </a:lnRef>
+          <a:fillRef idx="0">
+            <a:schemeClr val="accent1"/>
+          </a:fillRef>
+          <a:effectRef idx="0">
+            <a:schemeClr val="accent1"/>
+          </a:effectRef>
+          <a:fontRef idx="minor">
+            <a:schemeClr val="tx1"/>
+          </a:fontRef>
+        </p:style>
+      </p:cxnSp>
+      <p:sp>
+        <p:nvSpPr>
+          <p:cNvPr id="18" name="Text Box 17"/>
+          <p:cNvSpPr txBox="1"/>
+          <p:nvPr/>
+        </p:nvSpPr>
+        <p:spPr>
+          <a:xfrm>
+            <a:off x="1043940" y="405130"/>
+            <a:ext cx="3416300" cy="640080"/>
+          </a:xfrm>
+          <a:prstGeom prst="rect">
+            <a:avLst/>
+          </a:prstGeom>
+          <a:noFill/>
+          <a:ln>
+            <a:noFill/>
+          </a:ln>
+        </p:spPr>
+        <p:txBody>
+          <a:bodyPr wrap="square" rtlCol="0">
+            <a:spAutoFit/>
+          </a:bodyPr>
+          <a:p>
+            <a:r>
+              <a:rPr lang="x-none" altLang="en-US">
+                <a:solidFill>
+                  <a:srgbClr val="0070C0"/>
+                </a:solidFill>
+              </a:rPr>
+              <a:t>weight=0 in root file, so choose False.</a:t>
+            </a:r>
+            <a:endParaRPr lang="x-none" altLang="en-US">
+              <a:solidFill>
+                <a:srgbClr val="0070C0"/>
+              </a:solidFill>
+            </a:endParaRPr>
+          </a:p>
+        </p:txBody>
+      </p:sp>
+      <p:cxnSp>
+        <p:nvCxnSpPr>
+          <p:cNvPr id="5" name="Straight Arrow Connector 4"/>
+          <p:cNvCxnSpPr/>
+          <p:nvPr/>
+        </p:nvCxnSpPr>
+        <p:spPr>
+          <a:xfrm flipH="1">
+            <a:off x="3707765" y="981075"/>
+            <a:ext cx="1310005" cy="71755"/>
+          </a:xfrm>
+          <a:prstGeom prst="straightConnector1">
+            <a:avLst/>
+          </a:prstGeom>
+          <a:ln w="38100">
+            <a:solidFill>
+              <a:srgbClr val="7030A0"/>
+            </a:solidFill>
+            <a:tailEnd type="arrow"/>
+          </a:ln>
+        </p:spPr>
+        <p:style>
+          <a:lnRef idx="1">
+            <a:schemeClr val="accent1"/>
+          </a:lnRef>
+          <a:fillRef idx="0">
+            <a:schemeClr val="accent1"/>
+          </a:fillRef>
+          <a:effectRef idx="0">
+            <a:schemeClr val="accent1"/>
+          </a:effectRef>
+          <a:fontRef idx="minor">
+            <a:schemeClr val="tx1"/>
+          </a:fontRef>
+        </p:style>
+      </p:cxnSp>
+      <p:sp>
+        <p:nvSpPr>
+          <p:cNvPr id="6" name="Text Box 5"/>
+          <p:cNvSpPr txBox="1"/>
+          <p:nvPr/>
+        </p:nvSpPr>
+        <p:spPr>
+          <a:xfrm>
+            <a:off x="1043940" y="981075"/>
+            <a:ext cx="3416300" cy="365760"/>
+          </a:xfrm>
+          <a:prstGeom prst="rect">
+            <a:avLst/>
+          </a:prstGeom>
+          <a:noFill/>
+        </p:spPr>
+        <p:txBody>
+          <a:bodyPr wrap="square" rtlCol="0">
+            <a:spAutoFit/>
+          </a:bodyPr>
+          <a:p>
+            <a:r>
+              <a:rPr lang="x-none" altLang="en-US">
+                <a:solidFill>
+                  <a:srgbClr val="7030A0"/>
+                </a:solidFill>
+              </a:rPr>
+              <a:t>Variable type</a:t>
+            </a:r>
+            <a:endParaRPr lang="x-none" altLang="en-US">
+              <a:solidFill>
+                <a:srgbClr val="7030A0"/>
+              </a:solidFill>
+            </a:endParaRPr>
+          </a:p>
+        </p:txBody>
+      </p:sp>
+      <p:cxnSp>
+        <p:nvCxnSpPr>
+          <p:cNvPr id="7" name="Straight Arrow Connector 6"/>
+          <p:cNvCxnSpPr/>
+          <p:nvPr/>
+        </p:nvCxnSpPr>
+        <p:spPr>
+          <a:xfrm flipH="1">
+            <a:off x="3780155" y="1196975"/>
+            <a:ext cx="1223645" cy="215900"/>
+          </a:xfrm>
+          <a:prstGeom prst="straightConnector1">
+            <a:avLst/>
+          </a:prstGeom>
+          <a:ln w="38100">
+            <a:solidFill>
+              <a:srgbClr val="0070C0"/>
+            </a:solidFill>
+            <a:tailEnd type="arrow"/>
+          </a:ln>
+        </p:spPr>
+        <p:style>
+          <a:lnRef idx="1">
+            <a:schemeClr val="accent1"/>
+          </a:lnRef>
+          <a:fillRef idx="0">
+            <a:schemeClr val="accent1"/>
+          </a:fillRef>
+          <a:effectRef idx="0">
+            <a:schemeClr val="accent1"/>
+          </a:effectRef>
+          <a:fontRef idx="minor">
+            <a:schemeClr val="tx1"/>
+          </a:fontRef>
+        </p:style>
+      </p:cxnSp>
+      <p:sp>
+        <p:nvSpPr>
+          <p:cNvPr id="23" name="Title 1"/>
+          <p:cNvSpPr>
+            <a:spLocks noGrp="1"/>
+          </p:cNvSpPr>
+          <p:nvPr/>
+        </p:nvSpPr>
+        <p:spPr>
+          <a:xfrm>
+            <a:off x="1043940" y="1340485"/>
+            <a:ext cx="2731770" cy="345440"/>
+          </a:xfrm>
+          <a:prstGeom prst="rect">
+            <a:avLst/>
+          </a:prstGeom>
+          <a:noFill/>
+          <a:ln w="9525">
+            <a:noFill/>
+            <a:miter/>
+          </a:ln>
+        </p:spPr>
+        <p:txBody>
           <a:bodyPr anchor="ctr"/>
-          <a:p>
-            <a:pPr lvl="0" algn="ctr"/>
+          <a:lstStyle>
+            <a:lvl1pPr marL="0" lvl="0" indent="0" algn="l" defTabSz="914400" eaLnBrk="1" fontAlgn="base" latinLnBrk="0" hangingPunct="1">
+              <a:lnSpc>
+                <a:spcPct val="100000"/>
+              </a:lnSpc>
+              <a:spcBef>
+                <a:spcPct val="0"/>
+              </a:spcBef>
+              <a:spcAft>
+                <a:spcPct val="0"/>
+              </a:spcAft>
+              <a:buClr>
+                <a:srgbClr val="000000"/>
+              </a:buClr>
+              <a:buNone/>
+              <a:defRPr sz="3600" b="1" i="0" u="none" kern="1200" baseline="0">
+                <a:solidFill>
+                  <a:schemeClr val="tx2"/>
+                </a:solidFill>
+                <a:latin typeface="+mj-lt"/>
+                <a:ea typeface="+mj-ea"/>
+                <a:cs typeface="+mj-cs"/>
+              </a:defRPr>
+            </a:lvl1pPr>
+          </a:lstStyle>
+          <a:p>
             <a:r>
-              <a:rPr lang="en-US" altLang="x-none" sz="4800" b="0" dirty="0"/>
-              <a:t>Thank you!</a:t>
+              <a:rPr lang="x-none" altLang="en-US" sz="1600" b="0">
+                <a:solidFill>
+                  <a:srgbClr val="0070C0"/>
+                </a:solidFill>
+              </a:rPr>
+              <a:t>obs name in code </a:t>
             </a:r>
-            <a:endParaRPr lang="zh-CN" altLang="en-US" sz="4800" b="0" dirty="0"/>
+            <a:endParaRPr lang="x-none" altLang="en-US" sz="1600" b="0">
+              <a:solidFill>
+                <a:srgbClr val="0070C0"/>
+              </a:solidFill>
+            </a:endParaRPr>
+          </a:p>
+        </p:txBody>
+      </p:sp>
+      <p:sp>
+        <p:nvSpPr>
+          <p:cNvPr id="11" name="Title 1"/>
+          <p:cNvSpPr>
+            <a:spLocks noGrp="1"/>
+          </p:cNvSpPr>
+          <p:nvPr/>
+        </p:nvSpPr>
+        <p:spPr>
+          <a:xfrm>
+            <a:off x="1043940" y="1844675"/>
+            <a:ext cx="2731770" cy="345440"/>
+          </a:xfrm>
+          <a:prstGeom prst="rect">
+            <a:avLst/>
+          </a:prstGeom>
+          <a:noFill/>
+          <a:ln w="9525">
+            <a:noFill/>
+            <a:miter/>
+          </a:ln>
+        </p:spPr>
+        <p:txBody>
+          <a:bodyPr anchor="ctr"/>
+          <a:lstStyle>
+            <a:lvl1pPr marL="0" lvl="0" indent="0" algn="l" defTabSz="914400" eaLnBrk="1" fontAlgn="base" latinLnBrk="0" hangingPunct="1">
+              <a:lnSpc>
+                <a:spcPct val="100000"/>
+              </a:lnSpc>
+              <a:spcBef>
+                <a:spcPct val="0"/>
+              </a:spcBef>
+              <a:spcAft>
+                <a:spcPct val="0"/>
+              </a:spcAft>
+              <a:buClr>
+                <a:srgbClr val="000000"/>
+              </a:buClr>
+              <a:buNone/>
+              <a:defRPr sz="3600" b="1" i="0" u="none" kern="1200" baseline="0">
+                <a:solidFill>
+                  <a:schemeClr val="tx2"/>
+                </a:solidFill>
+                <a:latin typeface="+mj-lt"/>
+                <a:ea typeface="+mj-ea"/>
+                <a:cs typeface="+mj-cs"/>
+              </a:defRPr>
+            </a:lvl1pPr>
+          </a:lstStyle>
+          <a:p>
+            <a:r>
+              <a:rPr lang="x-none" altLang="en-US" sz="1600" b="0">
+                <a:solidFill>
+                  <a:srgbClr val="7030A0"/>
+                </a:solidFill>
+              </a:rPr>
+              <a:t>obs name in input file </a:t>
+            </a:r>
+            <a:endParaRPr lang="x-none" altLang="en-US" sz="1600" b="0">
+              <a:solidFill>
+                <a:srgbClr val="7030A0"/>
+              </a:solidFill>
+            </a:endParaRPr>
+          </a:p>
+        </p:txBody>
+      </p:sp>
+      <p:sp>
+        <p:nvSpPr>
+          <p:cNvPr id="12" name="Title 1"/>
+          <p:cNvSpPr>
+            <a:spLocks noGrp="1"/>
+          </p:cNvSpPr>
+          <p:nvPr/>
+        </p:nvSpPr>
+        <p:spPr>
+          <a:xfrm>
+            <a:off x="1043940" y="2348865"/>
+            <a:ext cx="2731770" cy="345440"/>
+          </a:xfrm>
+          <a:prstGeom prst="rect">
+            <a:avLst/>
+          </a:prstGeom>
+          <a:noFill/>
+          <a:ln w="9525">
+            <a:noFill/>
+            <a:miter/>
+          </a:ln>
+        </p:spPr>
+        <p:txBody>
+          <a:bodyPr anchor="ctr"/>
+          <a:lstStyle>
+            <a:lvl1pPr marL="0" lvl="0" indent="0" algn="l" defTabSz="914400" eaLnBrk="1" fontAlgn="base" latinLnBrk="0" hangingPunct="1">
+              <a:lnSpc>
+                <a:spcPct val="100000"/>
+              </a:lnSpc>
+              <a:spcBef>
+                <a:spcPct val="0"/>
+              </a:spcBef>
+              <a:spcAft>
+                <a:spcPct val="0"/>
+              </a:spcAft>
+              <a:buClr>
+                <a:srgbClr val="000000"/>
+              </a:buClr>
+              <a:buNone/>
+              <a:defRPr sz="3600" b="1" i="0" u="none" kern="1200" baseline="0">
+                <a:solidFill>
+                  <a:schemeClr val="tx2"/>
+                </a:solidFill>
+                <a:latin typeface="+mj-lt"/>
+                <a:ea typeface="+mj-ea"/>
+                <a:cs typeface="+mj-cs"/>
+              </a:defRPr>
+            </a:lvl1pPr>
+          </a:lstStyle>
+          <a:p>
+            <a:r>
+              <a:rPr lang="x-none" altLang="en-US" sz="1600" b="0">
+                <a:solidFill>
+                  <a:srgbClr val="0070C0"/>
+                </a:solidFill>
+              </a:rPr>
+              <a:t>cut for this obs</a:t>
+            </a:r>
+            <a:endParaRPr lang="x-none" altLang="en-US" sz="1600" b="0">
+              <a:solidFill>
+                <a:srgbClr val="0070C0"/>
+              </a:solidFill>
+            </a:endParaRPr>
+          </a:p>
+        </p:txBody>
+      </p:sp>
+      <p:sp>
+        <p:nvSpPr>
+          <p:cNvPr id="13" name="Title 1"/>
+          <p:cNvSpPr>
+            <a:spLocks noGrp="1"/>
+          </p:cNvSpPr>
+          <p:nvPr/>
+        </p:nvSpPr>
+        <p:spPr>
+          <a:xfrm>
+            <a:off x="1043940" y="2853055"/>
+            <a:ext cx="2731770" cy="345440"/>
+          </a:xfrm>
+          <a:prstGeom prst="rect">
+            <a:avLst/>
+          </a:prstGeom>
+          <a:noFill/>
+          <a:ln w="9525">
+            <a:noFill/>
+            <a:miter/>
+          </a:ln>
+        </p:spPr>
+        <p:txBody>
+          <a:bodyPr anchor="ctr"/>
+          <a:lstStyle>
+            <a:lvl1pPr marL="0" lvl="0" indent="0" algn="l" defTabSz="914400" eaLnBrk="1" fontAlgn="base" latinLnBrk="0" hangingPunct="1">
+              <a:lnSpc>
+                <a:spcPct val="100000"/>
+              </a:lnSpc>
+              <a:spcBef>
+                <a:spcPct val="0"/>
+              </a:spcBef>
+              <a:spcAft>
+                <a:spcPct val="0"/>
+              </a:spcAft>
+              <a:buClr>
+                <a:srgbClr val="000000"/>
+              </a:buClr>
+              <a:buNone/>
+              <a:defRPr sz="3600" b="1" i="0" u="none" kern="1200" baseline="0">
+                <a:solidFill>
+                  <a:schemeClr val="tx2"/>
+                </a:solidFill>
+                <a:latin typeface="+mj-lt"/>
+                <a:ea typeface="+mj-ea"/>
+                <a:cs typeface="+mj-cs"/>
+              </a:defRPr>
+            </a:lvl1pPr>
+          </a:lstStyle>
+          <a:p>
+            <a:r>
+              <a:rPr lang="x-none" altLang="en-US" sz="1600" b="0">
+                <a:solidFill>
+                  <a:srgbClr val="7030A0"/>
+                </a:solidFill>
+              </a:rPr>
+              <a:t>plot para</a:t>
+            </a:r>
+            <a:endParaRPr lang="x-none" altLang="en-US" sz="1600" b="0">
+              <a:solidFill>
+                <a:srgbClr val="7030A0"/>
+              </a:solidFill>
+            </a:endParaRPr>
+          </a:p>
+        </p:txBody>
+      </p:sp>
+      <p:sp>
+        <p:nvSpPr>
+          <p:cNvPr id="14" name="Title 1"/>
+          <p:cNvSpPr>
+            <a:spLocks noGrp="1"/>
+          </p:cNvSpPr>
+          <p:nvPr/>
+        </p:nvSpPr>
+        <p:spPr>
+          <a:xfrm>
+            <a:off x="1043940" y="3356610"/>
+            <a:ext cx="2731770" cy="492760"/>
+          </a:xfrm>
+          <a:prstGeom prst="rect">
+            <a:avLst/>
+          </a:prstGeom>
+          <a:noFill/>
+          <a:ln w="9525">
+            <a:noFill/>
+            <a:miter/>
+          </a:ln>
+        </p:spPr>
+        <p:txBody>
+          <a:bodyPr anchor="ctr"/>
+          <a:lstStyle>
+            <a:lvl1pPr marL="0" lvl="0" indent="0" algn="l" defTabSz="914400" eaLnBrk="1" fontAlgn="base" latinLnBrk="0" hangingPunct="1">
+              <a:lnSpc>
+                <a:spcPct val="100000"/>
+              </a:lnSpc>
+              <a:spcBef>
+                <a:spcPct val="0"/>
+              </a:spcBef>
+              <a:spcAft>
+                <a:spcPct val="0"/>
+              </a:spcAft>
+              <a:buClr>
+                <a:srgbClr val="000000"/>
+              </a:buClr>
+              <a:buNone/>
+              <a:defRPr sz="3600" b="1" i="0" u="none" kern="1200" baseline="0">
+                <a:solidFill>
+                  <a:schemeClr val="tx2"/>
+                </a:solidFill>
+                <a:latin typeface="+mj-lt"/>
+                <a:ea typeface="+mj-ea"/>
+                <a:cs typeface="+mj-cs"/>
+              </a:defRPr>
+            </a:lvl1pPr>
+          </a:lstStyle>
+          <a:p>
+            <a:r>
+              <a:rPr lang="x-none" altLang="en-US" sz="1600" b="0">
+                <a:solidFill>
+                  <a:srgbClr val="0070C0"/>
+                </a:solidFill>
+              </a:rPr>
+              <a:t>whether use this </a:t>
+            </a:r>
+            <a:endParaRPr lang="x-none" altLang="en-US" sz="1600" b="0">
+              <a:solidFill>
+                <a:srgbClr val="0070C0"/>
+              </a:solidFill>
+            </a:endParaRPr>
+          </a:p>
+          <a:p>
+            <a:r>
+              <a:rPr lang="x-none" altLang="en-US" sz="1600" b="0">
+                <a:solidFill>
+                  <a:srgbClr val="0070C0"/>
+                </a:solidFill>
+              </a:rPr>
+              <a:t>obs as MVA input</a:t>
+            </a:r>
+            <a:endParaRPr lang="x-none" altLang="en-US" sz="1600" b="0">
+              <a:solidFill>
+                <a:srgbClr val="0070C0"/>
+              </a:solidFill>
+            </a:endParaRPr>
+          </a:p>
+        </p:txBody>
+      </p:sp>
+      <p:cxnSp>
+        <p:nvCxnSpPr>
+          <p:cNvPr id="15" name="Straight Arrow Connector 14"/>
+          <p:cNvCxnSpPr/>
+          <p:nvPr/>
+        </p:nvCxnSpPr>
+        <p:spPr>
+          <a:xfrm flipH="1">
+            <a:off x="3707765" y="1628775"/>
+            <a:ext cx="1511935" cy="720090"/>
+          </a:xfrm>
+          <a:prstGeom prst="straightConnector1">
+            <a:avLst/>
+          </a:prstGeom>
+          <a:ln w="38100">
+            <a:solidFill>
+              <a:srgbClr val="0070C0"/>
+            </a:solidFill>
+            <a:tailEnd type="arrow"/>
+          </a:ln>
+        </p:spPr>
+        <p:style>
+          <a:lnRef idx="1">
+            <a:schemeClr val="accent1"/>
+          </a:lnRef>
+          <a:fillRef idx="0">
+            <a:schemeClr val="accent1"/>
+          </a:fillRef>
+          <a:effectRef idx="0">
+            <a:schemeClr val="accent1"/>
+          </a:effectRef>
+          <a:fontRef idx="minor">
+            <a:schemeClr val="tx1"/>
+          </a:fontRef>
+        </p:style>
+      </p:cxnSp>
+      <p:cxnSp>
+        <p:nvCxnSpPr>
+          <p:cNvPr id="16" name="Straight Arrow Connector 15"/>
+          <p:cNvCxnSpPr/>
+          <p:nvPr/>
+        </p:nvCxnSpPr>
+        <p:spPr>
+          <a:xfrm flipH="1">
+            <a:off x="3780155" y="1412875"/>
+            <a:ext cx="1511935" cy="504190"/>
+          </a:xfrm>
+          <a:prstGeom prst="straightConnector1">
+            <a:avLst/>
+          </a:prstGeom>
+          <a:ln w="38100">
+            <a:solidFill>
+              <a:srgbClr val="7030A0"/>
+            </a:solidFill>
+            <a:tailEnd type="arrow"/>
+          </a:ln>
+        </p:spPr>
+        <p:style>
+          <a:lnRef idx="1">
+            <a:schemeClr val="accent1"/>
+          </a:lnRef>
+          <a:fillRef idx="0">
+            <a:schemeClr val="accent1"/>
+          </a:fillRef>
+          <a:effectRef idx="0">
+            <a:schemeClr val="accent1"/>
+          </a:effectRef>
+          <a:fontRef idx="minor">
+            <a:schemeClr val="tx1"/>
+          </a:fontRef>
+        </p:style>
+      </p:cxnSp>
+      <p:cxnSp>
+        <p:nvCxnSpPr>
+          <p:cNvPr id="19" name="Straight Arrow Connector 18"/>
+          <p:cNvCxnSpPr/>
+          <p:nvPr/>
+        </p:nvCxnSpPr>
+        <p:spPr>
+          <a:xfrm flipH="1">
+            <a:off x="3636010" y="2493010"/>
+            <a:ext cx="1511935" cy="432435"/>
+          </a:xfrm>
+          <a:prstGeom prst="straightConnector1">
+            <a:avLst/>
+          </a:prstGeom>
+          <a:ln w="38100">
+            <a:solidFill>
+              <a:srgbClr val="7030A0"/>
+            </a:solidFill>
+            <a:tailEnd type="arrow"/>
+          </a:ln>
+        </p:spPr>
+        <p:style>
+          <a:lnRef idx="1">
+            <a:schemeClr val="accent1"/>
+          </a:lnRef>
+          <a:fillRef idx="0">
+            <a:schemeClr val="accent1"/>
+          </a:fillRef>
+          <a:effectRef idx="0">
+            <a:schemeClr val="accent1"/>
+          </a:effectRef>
+          <a:fontRef idx="minor">
+            <a:schemeClr val="tx1"/>
+          </a:fontRef>
+        </p:style>
+      </p:cxnSp>
+      <p:cxnSp>
+        <p:nvCxnSpPr>
+          <p:cNvPr id="20" name="Straight Arrow Connector 19"/>
+          <p:cNvCxnSpPr/>
+          <p:nvPr/>
+        </p:nvCxnSpPr>
+        <p:spPr>
+          <a:xfrm flipH="1" flipV="1">
+            <a:off x="3636010" y="3716655"/>
+            <a:ext cx="1656080" cy="575945"/>
+          </a:xfrm>
+          <a:prstGeom prst="straightConnector1">
+            <a:avLst/>
+          </a:prstGeom>
+          <a:ln w="38100">
+            <a:solidFill>
+              <a:srgbClr val="0070C0"/>
+            </a:solidFill>
+            <a:tailEnd type="arrow"/>
+          </a:ln>
+        </p:spPr>
+        <p:style>
+          <a:lnRef idx="1">
+            <a:schemeClr val="accent1"/>
+          </a:lnRef>
+          <a:fillRef idx="0">
+            <a:schemeClr val="accent1"/>
+          </a:fillRef>
+          <a:effectRef idx="0">
+            <a:schemeClr val="accent1"/>
+          </a:effectRef>
+          <a:fontRef idx="minor">
+            <a:schemeClr val="tx1"/>
+          </a:fontRef>
+        </p:style>
+      </p:cxnSp>
+      <p:pic>
+        <p:nvPicPr>
+          <p:cNvPr id="21" name="Picture 20"/>
+          <p:cNvPicPr>
+            <a:picLocks noChangeAspect="1"/>
+          </p:cNvPicPr>
+          <p:nvPr/>
+        </p:nvPicPr>
+        <p:blipFill>
+          <a:blip r:embed="rId2"/>
+          <a:stretch>
+            <a:fillRect/>
+          </a:stretch>
+        </p:blipFill>
+        <p:spPr>
+          <a:xfrm>
+            <a:off x="7667625" y="1700530"/>
+            <a:ext cx="1480820" cy="1532255"/>
+          </a:xfrm>
+          <a:prstGeom prst="rect">
+            <a:avLst/>
+          </a:prstGeom>
+        </p:spPr>
+      </p:pic>
+      <p:cxnSp>
+        <p:nvCxnSpPr>
+          <p:cNvPr id="22" name="Straight Arrow Connector 21"/>
+          <p:cNvCxnSpPr/>
+          <p:nvPr/>
+        </p:nvCxnSpPr>
+        <p:spPr>
+          <a:xfrm flipH="1">
+            <a:off x="4140200" y="5084445"/>
+            <a:ext cx="1151890" cy="360045"/>
+          </a:xfrm>
+          <a:prstGeom prst="straightConnector1">
+            <a:avLst/>
+          </a:prstGeom>
+          <a:ln w="38100">
+            <a:solidFill>
+              <a:srgbClr val="7030A0"/>
+            </a:solidFill>
+            <a:tailEnd type="arrow"/>
+          </a:ln>
+        </p:spPr>
+        <p:style>
+          <a:lnRef idx="1">
+            <a:schemeClr val="accent1"/>
+          </a:lnRef>
+          <a:fillRef idx="0">
+            <a:schemeClr val="accent1"/>
+          </a:fillRef>
+          <a:effectRef idx="0">
+            <a:schemeClr val="accent1"/>
+          </a:effectRef>
+          <a:fontRef idx="minor">
+            <a:schemeClr val="tx1"/>
+          </a:fontRef>
+        </p:style>
+      </p:cxnSp>
+      <p:sp>
+        <p:nvSpPr>
+          <p:cNvPr id="24" name="Title 1"/>
+          <p:cNvSpPr>
+            <a:spLocks noGrp="1"/>
+          </p:cNvSpPr>
+          <p:nvPr/>
+        </p:nvSpPr>
+        <p:spPr>
+          <a:xfrm>
+            <a:off x="1043940" y="5084445"/>
+            <a:ext cx="3264535" cy="780415"/>
+          </a:xfrm>
+          <a:prstGeom prst="rect">
+            <a:avLst/>
+          </a:prstGeom>
+          <a:noFill/>
+          <a:ln w="9525">
+            <a:noFill/>
+            <a:miter/>
+          </a:ln>
+        </p:spPr>
+        <p:txBody>
+          <a:bodyPr anchor="ctr"/>
+          <a:lstStyle>
+            <a:lvl1pPr marL="0" lvl="0" indent="0" algn="l" defTabSz="914400" eaLnBrk="1" fontAlgn="base" latinLnBrk="0" hangingPunct="1">
+              <a:lnSpc>
+                <a:spcPct val="100000"/>
+              </a:lnSpc>
+              <a:spcBef>
+                <a:spcPct val="0"/>
+              </a:spcBef>
+              <a:spcAft>
+                <a:spcPct val="0"/>
+              </a:spcAft>
+              <a:buClr>
+                <a:srgbClr val="000000"/>
+              </a:buClr>
+              <a:buNone/>
+              <a:defRPr sz="3600" b="1" i="0" u="none" kern="1200" baseline="0">
+                <a:solidFill>
+                  <a:schemeClr val="tx2"/>
+                </a:solidFill>
+                <a:latin typeface="+mj-lt"/>
+                <a:ea typeface="+mj-ea"/>
+                <a:cs typeface="+mj-cs"/>
+              </a:defRPr>
+            </a:lvl1pPr>
+          </a:lstStyle>
+          <a:p>
+            <a:r>
+              <a:rPr lang="x-none" altLang="en-US" sz="1600" b="0">
+                <a:solidFill>
+                  <a:srgbClr val="7030A0"/>
+                </a:solidFill>
+              </a:rPr>
+              <a:t>if some settings are missing, it will use the previous ones</a:t>
+            </a:r>
+            <a:endParaRPr lang="x-none" altLang="en-US" sz="1600" b="0">
+              <a:solidFill>
+                <a:srgbClr val="7030A0"/>
+              </a:solidFill>
+            </a:endParaRPr>
+          </a:p>
+        </p:txBody>
+      </p:sp>
+      <p:cxnSp>
+        <p:nvCxnSpPr>
+          <p:cNvPr id="27" name="Straight Arrow Connector 26"/>
+          <p:cNvCxnSpPr/>
+          <p:nvPr/>
+        </p:nvCxnSpPr>
+        <p:spPr>
+          <a:xfrm flipH="1" flipV="1">
+            <a:off x="7451725" y="1340485"/>
+            <a:ext cx="648335" cy="792480"/>
+          </a:xfrm>
+          <a:prstGeom prst="straightConnector1">
+            <a:avLst/>
+          </a:prstGeom>
+          <a:ln w="38100">
+            <a:solidFill>
+              <a:srgbClr val="FF0000"/>
+            </a:solidFill>
+            <a:tailEnd type="arrow"/>
+          </a:ln>
+        </p:spPr>
+        <p:style>
+          <a:lnRef idx="1">
+            <a:schemeClr val="accent1"/>
+          </a:lnRef>
+          <a:fillRef idx="0">
+            <a:schemeClr val="accent1"/>
+          </a:fillRef>
+          <a:effectRef idx="0">
+            <a:schemeClr val="accent1"/>
+          </a:effectRef>
+          <a:fontRef idx="minor">
+            <a:schemeClr val="tx1"/>
+          </a:fontRef>
+        </p:style>
+      </p:cxnSp>
+      <p:cxnSp>
+        <p:nvCxnSpPr>
+          <p:cNvPr id="28" name="Straight Arrow Connector 27"/>
+          <p:cNvCxnSpPr/>
+          <p:nvPr/>
+        </p:nvCxnSpPr>
+        <p:spPr>
+          <a:xfrm flipH="1">
+            <a:off x="7379970" y="2421255"/>
+            <a:ext cx="792480" cy="2087245"/>
+          </a:xfrm>
+          <a:prstGeom prst="straightConnector1">
+            <a:avLst/>
+          </a:prstGeom>
+          <a:ln w="38100">
+            <a:solidFill>
+              <a:srgbClr val="FF0000"/>
+            </a:solidFill>
+            <a:tailEnd type="arrow"/>
+          </a:ln>
+        </p:spPr>
+        <p:style>
+          <a:lnRef idx="1">
+            <a:schemeClr val="accent1"/>
+          </a:lnRef>
+          <a:fillRef idx="0">
+            <a:schemeClr val="accent1"/>
+          </a:fillRef>
+          <a:effectRef idx="0">
+            <a:schemeClr val="accent1"/>
+          </a:effectRef>
+          <a:fontRef idx="minor">
+            <a:schemeClr val="tx1"/>
+          </a:fontRef>
+        </p:style>
+      </p:cxnSp>
+    </p:spTree>
+  </p:cSld>
+  <p:clrMapOvr>
+    <a:masterClrMapping/>
+  </p:clrMapOvr>
+</p:sld>
+</file>
+
+<file path=ppt/slides/slide29.xml><?xml version="1.0" encoding="utf-8"?>
+<p:sld xmlns:a="http://schemas.openxmlformats.org/drawingml/2006/main" xmlns:r="http://schemas.openxmlformats.org/officeDocument/2006/relationships" xmlns:p="http://schemas.openxmlformats.org/presentationml/2006/main">
+  <p:cSld>
+    <p:spTree>
+      <p:nvGrpSpPr>
+        <p:cNvPr id="1" name=""/>
+        <p:cNvGrpSpPr/>
+        <p:nvPr/>
+      </p:nvGrpSpPr>
+      <p:grpSpPr/>
+      <p:sp>
+        <p:nvSpPr>
+          <p:cNvPr id="2" name="Title 1"/>
+          <p:cNvSpPr>
+            <a:spLocks noGrp="1"/>
+          </p:cNvSpPr>
+          <p:nvPr>
+            <p:ph type="title"/>
+          </p:nvPr>
+        </p:nvSpPr>
+        <p:spPr/>
+        <p:txBody>
+          <a:bodyPr/>
+          <a:p>
+            <a:r>
+              <a:rPr lang="x-none" altLang="en-US"/>
+              <a:t>input setting</a:t>
+            </a:r>
+            <a:endParaRPr lang="x-none" altLang="en-US"/>
+          </a:p>
+        </p:txBody>
+      </p:sp>
+      <p:sp>
+        <p:nvSpPr>
+          <p:cNvPr id="3" name="Content Placeholder 2"/>
+          <p:cNvSpPr>
+            <a:spLocks noGrp="1"/>
+          </p:cNvSpPr>
+          <p:nvPr>
+            <p:ph idx="1"/>
+          </p:nvPr>
+        </p:nvSpPr>
+        <p:spPr/>
+        <p:txBody>
+          <a:bodyPr/>
+          <a:p>
+            <a:pPr marL="514350" indent="-514350">
+              <a:buAutoNum type="arabicPeriod"/>
+            </a:pPr>
+            <a:r>
+              <a:rPr lang="x-none" altLang="en-US"/>
+              <a:t>generate root file</a:t>
+            </a:r>
+            <a:endParaRPr lang="x-none" altLang="en-US"/>
+          </a:p>
+          <a:p>
+            <a:pPr marL="514350" indent="-514350">
+              <a:buAutoNum type="arabicPeriod"/>
+            </a:pPr>
+            <a:r>
+              <a:rPr lang="x-none" altLang="en-US">
+                <a:sym typeface="+mn-ea"/>
+              </a:rPr>
+              <a:t>edit input file</a:t>
+            </a:r>
+            <a:endParaRPr lang="x-none" altLang="en-US">
+              <a:sym typeface="+mn-ea"/>
+            </a:endParaRPr>
+          </a:p>
+          <a:p>
+            <a:pPr marL="514350" indent="-514350">
+              <a:buAutoNum type="arabicPeriod"/>
+            </a:pPr>
+            <a:r>
+              <a:rPr lang="x-none" altLang="en-US">
+                <a:sym typeface="+mn-ea"/>
+              </a:rPr>
+              <a:t>edit file.dat</a:t>
+            </a:r>
+            <a:endParaRPr lang="x-none" altLang="en-US">
+              <a:sym typeface="+mn-ea"/>
+            </a:endParaRPr>
+          </a:p>
+          <a:p>
+            <a:pPr marL="514350" indent="-514350">
+              <a:buAutoNum type="arabicPeriod"/>
+            </a:pPr>
+            <a:r>
+              <a:rPr lang="x-none" altLang="en-US">
+                <a:sym typeface="+mn-ea"/>
+              </a:rPr>
+              <a:t>edit Bkg_Sort.dat</a:t>
+            </a:r>
+            <a:endParaRPr lang="x-none" altLang="en-US">
+              <a:sym typeface="+mn-ea"/>
+            </a:endParaRPr>
+          </a:p>
+          <a:p>
+            <a:pPr marL="514350" indent="-514350">
+              <a:buAutoNum type="arabicPeriod"/>
+            </a:pPr>
+            <a:r>
+              <a:rPr lang="x-none" altLang="en-US">
+                <a:solidFill>
+                  <a:schemeClr val="tx1"/>
+                </a:solidFill>
+                <a:sym typeface="+mn-ea"/>
+              </a:rPr>
+              <a:t>edit Var.dat</a:t>
+            </a:r>
+            <a:endParaRPr lang="x-none" altLang="en-US">
+              <a:solidFill>
+                <a:schemeClr val="tx1"/>
+              </a:solidFill>
+              <a:sym typeface="+mn-ea"/>
+            </a:endParaRPr>
+          </a:p>
+          <a:p>
+            <a:pPr marL="514350" indent="-514350">
+              <a:buAutoNum type="arabicPeriod"/>
+            </a:pPr>
+            <a:r>
+              <a:rPr lang="x-none" altLang="en-US">
+                <a:solidFill>
+                  <a:srgbClr val="FF0000"/>
+                </a:solidFill>
+                <a:sym typeface="+mn-ea"/>
+              </a:rPr>
+              <a:t>edit Cut.dat</a:t>
+            </a:r>
+            <a:endParaRPr lang="x-none" altLang="en-US">
+              <a:solidFill>
+                <a:srgbClr val="FF0000"/>
+              </a:solidFill>
+              <a:sym typeface="+mn-ea"/>
+            </a:endParaRPr>
+          </a:p>
+          <a:p>
+            <a:pPr marL="514350" indent="-514350">
+              <a:buAutoNum type="arabicPeriod"/>
+            </a:pPr>
+            <a:endParaRPr lang="x-none" altLang="en-US">
+              <a:solidFill>
+                <a:srgbClr val="FF0000"/>
+              </a:solidFill>
+              <a:sym typeface="+mn-ea"/>
+            </a:endParaRPr>
+          </a:p>
+          <a:p>
+            <a:pPr marL="514350" indent="-514350">
+              <a:buAutoNum type="arabicPeriod"/>
+            </a:pPr>
+            <a:endParaRPr lang="x-none" altLang="en-US"/>
+          </a:p>
+        </p:txBody>
+      </p:sp>
+      <p:pic>
+        <p:nvPicPr>
+          <p:cNvPr id="5" name="Picture 4"/>
+          <p:cNvPicPr>
+            <a:picLocks noChangeAspect="1"/>
+          </p:cNvPicPr>
+          <p:nvPr/>
+        </p:nvPicPr>
+        <p:blipFill>
+          <a:blip r:embed="rId1"/>
+          <a:stretch>
+            <a:fillRect/>
+          </a:stretch>
+        </p:blipFill>
+        <p:spPr>
+          <a:xfrm>
+            <a:off x="1907540" y="5012690"/>
+            <a:ext cx="6790055" cy="1619250"/>
+          </a:xfrm>
+          <a:prstGeom prst="rect">
+            <a:avLst/>
+          </a:prstGeom>
+        </p:spPr>
+      </p:pic>
+      <p:sp>
+        <p:nvSpPr>
+          <p:cNvPr id="6" name="Title 1"/>
+          <p:cNvSpPr>
+            <a:spLocks noGrp="1"/>
+          </p:cNvSpPr>
+          <p:nvPr/>
+        </p:nvSpPr>
+        <p:spPr>
+          <a:xfrm>
+            <a:off x="4859655" y="5588635"/>
+            <a:ext cx="3595370" cy="492760"/>
+          </a:xfrm>
+          <a:prstGeom prst="rect">
+            <a:avLst/>
+          </a:prstGeom>
+          <a:noFill/>
+          <a:ln w="9525">
+            <a:noFill/>
+            <a:miter/>
+          </a:ln>
+        </p:spPr>
+        <p:txBody>
+          <a:bodyPr anchor="ctr"/>
+          <a:lstStyle>
+            <a:lvl1pPr marL="0" lvl="0" indent="0" algn="l" defTabSz="914400" eaLnBrk="1" fontAlgn="base" latinLnBrk="0" hangingPunct="1">
+              <a:lnSpc>
+                <a:spcPct val="100000"/>
+              </a:lnSpc>
+              <a:spcBef>
+                <a:spcPct val="0"/>
+              </a:spcBef>
+              <a:spcAft>
+                <a:spcPct val="0"/>
+              </a:spcAft>
+              <a:buClr>
+                <a:srgbClr val="000000"/>
+              </a:buClr>
+              <a:buNone/>
+              <a:defRPr sz="3600" b="1" i="0" u="none" kern="1200" baseline="0">
+                <a:solidFill>
+                  <a:schemeClr val="tx2"/>
+                </a:solidFill>
+                <a:latin typeface="+mj-lt"/>
+                <a:ea typeface="+mj-ea"/>
+                <a:cs typeface="+mj-cs"/>
+              </a:defRPr>
+            </a:lvl1pPr>
+          </a:lstStyle>
+          <a:p>
+            <a:r>
+              <a:rPr lang="x-none" altLang="en-US" sz="1600" b="0">
+                <a:solidFill>
+                  <a:srgbClr val="0070C0"/>
+                </a:solidFill>
+              </a:rPr>
+              <a:t>variable number in Var.dat</a:t>
+            </a:r>
+            <a:endParaRPr lang="x-none" altLang="en-US" sz="1600" b="0">
+              <a:solidFill>
+                <a:srgbClr val="0070C0"/>
+              </a:solidFill>
+            </a:endParaRPr>
           </a:p>
         </p:txBody>
       </p:sp>
@@ -17537,6 +20276,5197 @@
               <a:t>Motivation: a standard analysis code will be helpful!</a:t>
             </a:r>
             <a:endParaRPr lang="x-none" altLang="en-US" sz="2000"/>
+          </a:p>
+        </p:txBody>
+      </p:sp>
+    </p:spTree>
+  </p:cSld>
+  <p:clrMapOvr>
+    <a:masterClrMapping/>
+  </p:clrMapOvr>
+</p:sld>
+</file>
+
+<file path=ppt/slides/slide30.xml><?xml version="1.0" encoding="utf-8"?>
+<p:sld xmlns:a="http://schemas.openxmlformats.org/drawingml/2006/main" xmlns:r="http://schemas.openxmlformats.org/officeDocument/2006/relationships" xmlns:p="http://schemas.openxmlformats.org/presentationml/2006/main">
+  <p:cSld>
+    <p:spTree>
+      <p:nvGrpSpPr>
+        <p:cNvPr id="1" name=""/>
+        <p:cNvGrpSpPr/>
+        <p:nvPr/>
+      </p:nvGrpSpPr>
+      <p:grpSpPr/>
+      <p:sp>
+        <p:nvSpPr>
+          <p:cNvPr id="2" name="Title 1"/>
+          <p:cNvSpPr>
+            <a:spLocks noGrp="1"/>
+          </p:cNvSpPr>
+          <p:nvPr>
+            <p:ph type="title"/>
+          </p:nvPr>
+        </p:nvSpPr>
+        <p:spPr/>
+        <p:txBody>
+          <a:bodyPr/>
+          <a:p>
+            <a:r>
+              <a:rPr lang="x-none" altLang="en-US"/>
+              <a:t>input setting</a:t>
+            </a:r>
+            <a:endParaRPr lang="x-none" altLang="en-US"/>
+          </a:p>
+        </p:txBody>
+      </p:sp>
+      <p:sp>
+        <p:nvSpPr>
+          <p:cNvPr id="3" name="Content Placeholder 2"/>
+          <p:cNvSpPr>
+            <a:spLocks noGrp="1"/>
+          </p:cNvSpPr>
+          <p:nvPr>
+            <p:ph idx="1"/>
+          </p:nvPr>
+        </p:nvSpPr>
+        <p:spPr/>
+        <p:txBody>
+          <a:bodyPr/>
+          <a:p>
+            <a:pPr marL="514350" indent="-514350">
+              <a:buAutoNum type="arabicPeriod"/>
+            </a:pPr>
+            <a:r>
+              <a:rPr lang="x-none" altLang="en-US"/>
+              <a:t>generate root file</a:t>
+            </a:r>
+            <a:endParaRPr lang="x-none" altLang="en-US"/>
+          </a:p>
+          <a:p>
+            <a:pPr marL="514350" indent="-514350">
+              <a:buAutoNum type="arabicPeriod"/>
+            </a:pPr>
+            <a:r>
+              <a:rPr lang="x-none" altLang="en-US">
+                <a:sym typeface="+mn-ea"/>
+              </a:rPr>
+              <a:t>edit input file</a:t>
+            </a:r>
+            <a:endParaRPr lang="x-none" altLang="en-US">
+              <a:sym typeface="+mn-ea"/>
+            </a:endParaRPr>
+          </a:p>
+          <a:p>
+            <a:pPr marL="514350" indent="-514350">
+              <a:buAutoNum type="arabicPeriod"/>
+            </a:pPr>
+            <a:r>
+              <a:rPr lang="x-none" altLang="en-US">
+                <a:sym typeface="+mn-ea"/>
+              </a:rPr>
+              <a:t>edit file.dat</a:t>
+            </a:r>
+            <a:endParaRPr lang="x-none" altLang="en-US">
+              <a:sym typeface="+mn-ea"/>
+            </a:endParaRPr>
+          </a:p>
+          <a:p>
+            <a:pPr marL="514350" indent="-514350">
+              <a:buAutoNum type="arabicPeriod"/>
+            </a:pPr>
+            <a:r>
+              <a:rPr lang="x-none" altLang="en-US">
+                <a:sym typeface="+mn-ea"/>
+              </a:rPr>
+              <a:t>edit Bkg_Sort.dat</a:t>
+            </a:r>
+            <a:endParaRPr lang="x-none" altLang="en-US">
+              <a:sym typeface="+mn-ea"/>
+            </a:endParaRPr>
+          </a:p>
+          <a:p>
+            <a:pPr marL="514350" indent="-514350">
+              <a:buAutoNum type="arabicPeriod"/>
+            </a:pPr>
+            <a:r>
+              <a:rPr lang="x-none" altLang="en-US">
+                <a:sym typeface="+mn-ea"/>
+              </a:rPr>
+              <a:t>edit Var.dat</a:t>
+            </a:r>
+            <a:endParaRPr lang="x-none" altLang="en-US">
+              <a:sym typeface="+mn-ea"/>
+            </a:endParaRPr>
+          </a:p>
+          <a:p>
+            <a:pPr marL="514350" indent="-514350">
+              <a:buAutoNum type="arabicPeriod"/>
+            </a:pPr>
+            <a:r>
+              <a:rPr lang="x-none" altLang="en-US">
+                <a:sym typeface="+mn-ea"/>
+              </a:rPr>
+              <a:t>edit Cut.dat</a:t>
+            </a:r>
+            <a:endParaRPr lang="x-none" altLang="en-US">
+              <a:sym typeface="+mn-ea"/>
+            </a:endParaRPr>
+          </a:p>
+          <a:p>
+            <a:pPr marL="514350" indent="-514350">
+              <a:buAutoNum type="arabicPeriod"/>
+            </a:pPr>
+            <a:r>
+              <a:rPr lang="x-none" altLang="en-US">
+                <a:solidFill>
+                  <a:srgbClr val="FF0000"/>
+                </a:solidFill>
+                <a:sym typeface="+mn-ea"/>
+              </a:rPr>
+              <a:t>edit flow.dat</a:t>
+            </a:r>
+            <a:r>
+              <a:rPr lang="x-none" altLang="en-US">
+                <a:sym typeface="+mn-ea"/>
+              </a:rPr>
+              <a:t>  </a:t>
+            </a:r>
+            <a:endParaRPr lang="x-none" altLang="en-US">
+              <a:sym typeface="+mn-ea"/>
+            </a:endParaRPr>
+          </a:p>
+          <a:p>
+            <a:pPr marL="0" indent="0">
+              <a:buNone/>
+            </a:pPr>
+            <a:r>
+              <a:rPr lang="x-none" altLang="en-US">
+                <a:sym typeface="+mn-ea"/>
+              </a:rPr>
+              <a:t>    </a:t>
+            </a:r>
+            <a:endParaRPr lang="x-none" altLang="en-US">
+              <a:sym typeface="+mn-ea"/>
+            </a:endParaRPr>
+          </a:p>
+          <a:p>
+            <a:pPr marL="514350" indent="-514350">
+              <a:buAutoNum type="arabicPeriod"/>
+            </a:pPr>
+            <a:endParaRPr lang="x-none" altLang="en-US">
+              <a:sym typeface="+mn-ea"/>
+            </a:endParaRPr>
+          </a:p>
+          <a:p>
+            <a:pPr marL="514350" indent="-514350">
+              <a:buAutoNum type="arabicPeriod"/>
+            </a:pPr>
+            <a:endParaRPr lang="x-none" altLang="en-US"/>
+          </a:p>
+        </p:txBody>
+      </p:sp>
+      <p:pic>
+        <p:nvPicPr>
+          <p:cNvPr id="7" name="Picture 6"/>
+          <p:cNvPicPr>
+            <a:picLocks noChangeAspect="1"/>
+          </p:cNvPicPr>
+          <p:nvPr/>
+        </p:nvPicPr>
+        <p:blipFill>
+          <a:blip r:embed="rId1"/>
+          <a:stretch>
+            <a:fillRect/>
+          </a:stretch>
+        </p:blipFill>
+        <p:spPr>
+          <a:xfrm>
+            <a:off x="4428490" y="405765"/>
+            <a:ext cx="4697095" cy="5995035"/>
+          </a:xfrm>
+          <a:prstGeom prst="rect">
+            <a:avLst/>
+          </a:prstGeom>
+        </p:spPr>
+      </p:pic>
+      <p:cxnSp>
+        <p:nvCxnSpPr>
+          <p:cNvPr id="15" name="Straight Arrow Connector 14"/>
+          <p:cNvCxnSpPr/>
+          <p:nvPr/>
+        </p:nvCxnSpPr>
+        <p:spPr>
+          <a:xfrm flipV="1">
+            <a:off x="7379970" y="1412875"/>
+            <a:ext cx="504190" cy="1080135"/>
+          </a:xfrm>
+          <a:prstGeom prst="straightConnector1">
+            <a:avLst/>
+          </a:prstGeom>
+          <a:ln w="38100">
+            <a:solidFill>
+              <a:srgbClr val="FF0000"/>
+            </a:solidFill>
+            <a:tailEnd type="arrow"/>
+          </a:ln>
+        </p:spPr>
+        <p:style>
+          <a:lnRef idx="1">
+            <a:schemeClr val="accent1"/>
+          </a:lnRef>
+          <a:fillRef idx="0">
+            <a:schemeClr val="accent1"/>
+          </a:fillRef>
+          <a:effectRef idx="0">
+            <a:schemeClr val="accent1"/>
+          </a:effectRef>
+          <a:fontRef idx="minor">
+            <a:schemeClr val="tx1"/>
+          </a:fontRef>
+        </p:style>
+      </p:cxnSp>
+      <p:sp>
+        <p:nvSpPr>
+          <p:cNvPr id="24" name="Title 1"/>
+          <p:cNvSpPr>
+            <a:spLocks noGrp="1"/>
+          </p:cNvSpPr>
+          <p:nvPr/>
+        </p:nvSpPr>
+        <p:spPr>
+          <a:xfrm>
+            <a:off x="7451725" y="764540"/>
+            <a:ext cx="1858645" cy="780415"/>
+          </a:xfrm>
+          <a:prstGeom prst="rect">
+            <a:avLst/>
+          </a:prstGeom>
+          <a:noFill/>
+          <a:ln w="9525">
+            <a:noFill/>
+            <a:miter/>
+          </a:ln>
+        </p:spPr>
+        <p:txBody>
+          <a:bodyPr anchor="ctr"/>
+          <a:lstStyle>
+            <a:lvl1pPr marL="0" lvl="0" indent="0" algn="l" defTabSz="914400" eaLnBrk="1" fontAlgn="base" latinLnBrk="0" hangingPunct="1">
+              <a:lnSpc>
+                <a:spcPct val="100000"/>
+              </a:lnSpc>
+              <a:spcBef>
+                <a:spcPct val="0"/>
+              </a:spcBef>
+              <a:spcAft>
+                <a:spcPct val="0"/>
+              </a:spcAft>
+              <a:buClr>
+                <a:srgbClr val="000000"/>
+              </a:buClr>
+              <a:buNone/>
+              <a:defRPr sz="3600" b="1" i="0" u="none" kern="1200" baseline="0">
+                <a:solidFill>
+                  <a:schemeClr val="tx2"/>
+                </a:solidFill>
+                <a:latin typeface="+mj-lt"/>
+                <a:ea typeface="+mj-ea"/>
+                <a:cs typeface="+mj-cs"/>
+              </a:defRPr>
+            </a:lvl1pPr>
+          </a:lstStyle>
+          <a:p>
+            <a:r>
+              <a:rPr lang="x-none" altLang="en-US" sz="1600" b="0">
+                <a:solidFill>
+                  <a:srgbClr val="FF0000"/>
+                </a:solidFill>
+              </a:rPr>
+              <a:t>Here, we only use cut directly</a:t>
+            </a:r>
+            <a:endParaRPr lang="x-none" altLang="en-US" sz="1600" b="0">
+              <a:solidFill>
+                <a:srgbClr val="FF0000"/>
+              </a:solidFill>
+            </a:endParaRPr>
+          </a:p>
+        </p:txBody>
+      </p:sp>
+      <p:cxnSp>
+        <p:nvCxnSpPr>
+          <p:cNvPr id="8" name="Straight Arrow Connector 7"/>
+          <p:cNvCxnSpPr/>
+          <p:nvPr/>
+        </p:nvCxnSpPr>
+        <p:spPr>
+          <a:xfrm>
+            <a:off x="7451725" y="3716655"/>
+            <a:ext cx="575945" cy="144145"/>
+          </a:xfrm>
+          <a:prstGeom prst="straightConnector1">
+            <a:avLst/>
+          </a:prstGeom>
+          <a:ln w="38100">
+            <a:solidFill>
+              <a:srgbClr val="FF0000"/>
+            </a:solidFill>
+            <a:tailEnd type="arrow"/>
+          </a:ln>
+        </p:spPr>
+        <p:style>
+          <a:lnRef idx="1">
+            <a:schemeClr val="accent1"/>
+          </a:lnRef>
+          <a:fillRef idx="0">
+            <a:schemeClr val="accent1"/>
+          </a:fillRef>
+          <a:effectRef idx="0">
+            <a:schemeClr val="accent1"/>
+          </a:effectRef>
+          <a:fontRef idx="minor">
+            <a:schemeClr val="tx1"/>
+          </a:fontRef>
+        </p:style>
+      </p:cxnSp>
+      <p:sp>
+        <p:nvSpPr>
+          <p:cNvPr id="9" name="Title 1"/>
+          <p:cNvSpPr>
+            <a:spLocks noGrp="1"/>
+          </p:cNvSpPr>
+          <p:nvPr/>
+        </p:nvSpPr>
+        <p:spPr>
+          <a:xfrm>
+            <a:off x="7955915" y="3716655"/>
+            <a:ext cx="1317625" cy="356235"/>
+          </a:xfrm>
+          <a:prstGeom prst="rect">
+            <a:avLst/>
+          </a:prstGeom>
+          <a:noFill/>
+          <a:ln w="9525">
+            <a:noFill/>
+            <a:miter/>
+          </a:ln>
+        </p:spPr>
+        <p:txBody>
+          <a:bodyPr anchor="ctr"/>
+          <a:lstStyle>
+            <a:lvl1pPr marL="0" lvl="0" indent="0" algn="l" defTabSz="914400" eaLnBrk="1" fontAlgn="base" latinLnBrk="0" hangingPunct="1">
+              <a:lnSpc>
+                <a:spcPct val="100000"/>
+              </a:lnSpc>
+              <a:spcBef>
+                <a:spcPct val="0"/>
+              </a:spcBef>
+              <a:spcAft>
+                <a:spcPct val="0"/>
+              </a:spcAft>
+              <a:buClr>
+                <a:srgbClr val="000000"/>
+              </a:buClr>
+              <a:buNone/>
+              <a:defRPr sz="3600" b="1" i="0" u="none" kern="1200" baseline="0">
+                <a:solidFill>
+                  <a:schemeClr val="tx2"/>
+                </a:solidFill>
+                <a:latin typeface="+mj-lt"/>
+                <a:ea typeface="+mj-ea"/>
+                <a:cs typeface="+mj-cs"/>
+              </a:defRPr>
+            </a:lvl1pPr>
+          </a:lstStyle>
+          <a:p>
+            <a:r>
+              <a:rPr lang="x-none" altLang="en-US" sz="1600" b="0">
+                <a:solidFill>
+                  <a:srgbClr val="FF0000"/>
+                </a:solidFill>
+              </a:rPr>
+              <a:t>luminosity</a:t>
+            </a:r>
+            <a:endParaRPr lang="x-none" altLang="en-US" sz="1600" b="0">
+              <a:solidFill>
+                <a:srgbClr val="FF0000"/>
+              </a:solidFill>
+            </a:endParaRPr>
+          </a:p>
+        </p:txBody>
+      </p:sp>
+      <p:cxnSp>
+        <p:nvCxnSpPr>
+          <p:cNvPr id="10" name="Straight Arrow Connector 9"/>
+          <p:cNvCxnSpPr/>
+          <p:nvPr/>
+        </p:nvCxnSpPr>
+        <p:spPr>
+          <a:xfrm>
+            <a:off x="6732270" y="3932555"/>
+            <a:ext cx="575945" cy="144145"/>
+          </a:xfrm>
+          <a:prstGeom prst="straightConnector1">
+            <a:avLst/>
+          </a:prstGeom>
+          <a:ln w="38100">
+            <a:solidFill>
+              <a:srgbClr val="FF0000"/>
+            </a:solidFill>
+            <a:tailEnd type="arrow"/>
+          </a:ln>
+        </p:spPr>
+        <p:style>
+          <a:lnRef idx="1">
+            <a:schemeClr val="accent1"/>
+          </a:lnRef>
+          <a:fillRef idx="0">
+            <a:schemeClr val="accent1"/>
+          </a:fillRef>
+          <a:effectRef idx="0">
+            <a:schemeClr val="accent1"/>
+          </a:effectRef>
+          <a:fontRef idx="minor">
+            <a:schemeClr val="tx1"/>
+          </a:fontRef>
+        </p:style>
+      </p:cxnSp>
+      <p:sp>
+        <p:nvSpPr>
+          <p:cNvPr id="11" name="Title 1"/>
+          <p:cNvSpPr>
+            <a:spLocks noGrp="1"/>
+          </p:cNvSpPr>
+          <p:nvPr/>
+        </p:nvSpPr>
+        <p:spPr>
+          <a:xfrm>
+            <a:off x="7379970" y="4077335"/>
+            <a:ext cx="1788160" cy="356235"/>
+          </a:xfrm>
+          <a:prstGeom prst="rect">
+            <a:avLst/>
+          </a:prstGeom>
+          <a:noFill/>
+          <a:ln w="9525">
+            <a:noFill/>
+            <a:miter/>
+          </a:ln>
+        </p:spPr>
+        <p:txBody>
+          <a:bodyPr anchor="ctr"/>
+          <a:lstStyle>
+            <a:lvl1pPr marL="0" lvl="0" indent="0" algn="l" defTabSz="914400" eaLnBrk="1" fontAlgn="base" latinLnBrk="0" hangingPunct="1">
+              <a:lnSpc>
+                <a:spcPct val="100000"/>
+              </a:lnSpc>
+              <a:spcBef>
+                <a:spcPct val="0"/>
+              </a:spcBef>
+              <a:spcAft>
+                <a:spcPct val="0"/>
+              </a:spcAft>
+              <a:buClr>
+                <a:srgbClr val="000000"/>
+              </a:buClr>
+              <a:buNone/>
+              <a:defRPr sz="3600" b="1" i="0" u="none" kern="1200" baseline="0">
+                <a:solidFill>
+                  <a:schemeClr val="tx2"/>
+                </a:solidFill>
+                <a:latin typeface="+mj-lt"/>
+                <a:ea typeface="+mj-ea"/>
+                <a:cs typeface="+mj-cs"/>
+              </a:defRPr>
+            </a:lvl1pPr>
+          </a:lstStyle>
+          <a:p>
+            <a:r>
+              <a:rPr lang="x-none" altLang="en-US" sz="1600" b="0">
+                <a:solidFill>
+                  <a:srgbClr val="FF0000"/>
+                </a:solidFill>
+              </a:rPr>
+              <a:t>MVA method,</a:t>
+            </a:r>
+            <a:endParaRPr lang="x-none" altLang="en-US" sz="1600" b="0">
+              <a:solidFill>
+                <a:srgbClr val="FF0000"/>
+              </a:solidFill>
+            </a:endParaRPr>
+          </a:p>
+          <a:p>
+            <a:r>
+              <a:rPr lang="x-none" altLang="en-US" sz="1600" b="0">
+                <a:solidFill>
+                  <a:srgbClr val="FF0000"/>
+                </a:solidFill>
+              </a:rPr>
+              <a:t>no used here</a:t>
+            </a:r>
+            <a:endParaRPr lang="x-none" altLang="en-US" sz="1600" b="0">
+              <a:solidFill>
+                <a:srgbClr val="FF0000"/>
+              </a:solidFill>
+            </a:endParaRPr>
+          </a:p>
+        </p:txBody>
+      </p:sp>
+      <p:cxnSp>
+        <p:nvCxnSpPr>
+          <p:cNvPr id="12" name="Straight Arrow Connector 11"/>
+          <p:cNvCxnSpPr/>
+          <p:nvPr/>
+        </p:nvCxnSpPr>
+        <p:spPr>
+          <a:xfrm>
+            <a:off x="6804025" y="4796790"/>
+            <a:ext cx="647700" cy="71755"/>
+          </a:xfrm>
+          <a:prstGeom prst="straightConnector1">
+            <a:avLst/>
+          </a:prstGeom>
+          <a:ln w="38100">
+            <a:solidFill>
+              <a:srgbClr val="FF0000"/>
+            </a:solidFill>
+            <a:tailEnd type="arrow"/>
+          </a:ln>
+        </p:spPr>
+        <p:style>
+          <a:lnRef idx="1">
+            <a:schemeClr val="accent1"/>
+          </a:lnRef>
+          <a:fillRef idx="0">
+            <a:schemeClr val="accent1"/>
+          </a:fillRef>
+          <a:effectRef idx="0">
+            <a:schemeClr val="accent1"/>
+          </a:effectRef>
+          <a:fontRef idx="minor">
+            <a:schemeClr val="tx1"/>
+          </a:fontRef>
+        </p:style>
+      </p:cxnSp>
+      <p:sp>
+        <p:nvSpPr>
+          <p:cNvPr id="13" name="Title 1"/>
+          <p:cNvSpPr>
+            <a:spLocks noGrp="1"/>
+          </p:cNvSpPr>
+          <p:nvPr/>
+        </p:nvSpPr>
+        <p:spPr>
+          <a:xfrm>
+            <a:off x="7451725" y="4652645"/>
+            <a:ext cx="1950720" cy="702945"/>
+          </a:xfrm>
+          <a:prstGeom prst="rect">
+            <a:avLst/>
+          </a:prstGeom>
+          <a:noFill/>
+          <a:ln w="9525">
+            <a:noFill/>
+            <a:miter/>
+          </a:ln>
+        </p:spPr>
+        <p:txBody>
+          <a:bodyPr anchor="ctr"/>
+          <a:lstStyle>
+            <a:lvl1pPr marL="0" lvl="0" indent="0" algn="l" defTabSz="914400" eaLnBrk="1" fontAlgn="base" latinLnBrk="0" hangingPunct="1">
+              <a:lnSpc>
+                <a:spcPct val="100000"/>
+              </a:lnSpc>
+              <a:spcBef>
+                <a:spcPct val="0"/>
+              </a:spcBef>
+              <a:spcAft>
+                <a:spcPct val="0"/>
+              </a:spcAft>
+              <a:buClr>
+                <a:srgbClr val="000000"/>
+              </a:buClr>
+              <a:buNone/>
+              <a:defRPr sz="3600" b="1" i="0" u="none" kern="1200" baseline="0">
+                <a:solidFill>
+                  <a:schemeClr val="tx2"/>
+                </a:solidFill>
+                <a:latin typeface="+mj-lt"/>
+                <a:ea typeface="+mj-ea"/>
+                <a:cs typeface="+mj-cs"/>
+              </a:defRPr>
+            </a:lvl1pPr>
+          </a:lstStyle>
+          <a:p>
+            <a:r>
+              <a:rPr lang="x-none" altLang="en-US" sz="1400" b="0">
+                <a:solidFill>
+                  <a:srgbClr val="FF0000"/>
+                </a:solidFill>
+              </a:rPr>
+              <a:t>record everything in file, using when submit jobs</a:t>
+            </a:r>
+            <a:endParaRPr lang="x-none" altLang="en-US" sz="1400" b="0">
+              <a:solidFill>
+                <a:srgbClr val="FF0000"/>
+              </a:solidFill>
+            </a:endParaRPr>
+          </a:p>
+        </p:txBody>
+      </p:sp>
+      <p:cxnSp>
+        <p:nvCxnSpPr>
+          <p:cNvPr id="16" name="Straight Arrow Connector 15"/>
+          <p:cNvCxnSpPr/>
+          <p:nvPr/>
+        </p:nvCxnSpPr>
+        <p:spPr>
+          <a:xfrm>
+            <a:off x="6804025" y="4940935"/>
+            <a:ext cx="647700" cy="647700"/>
+          </a:xfrm>
+          <a:prstGeom prst="straightConnector1">
+            <a:avLst/>
+          </a:prstGeom>
+          <a:ln w="38100">
+            <a:solidFill>
+              <a:srgbClr val="FF0000"/>
+            </a:solidFill>
+            <a:tailEnd type="arrow"/>
+          </a:ln>
+        </p:spPr>
+        <p:style>
+          <a:lnRef idx="1">
+            <a:schemeClr val="accent1"/>
+          </a:lnRef>
+          <a:fillRef idx="0">
+            <a:schemeClr val="accent1"/>
+          </a:fillRef>
+          <a:effectRef idx="0">
+            <a:schemeClr val="accent1"/>
+          </a:effectRef>
+          <a:fontRef idx="minor">
+            <a:schemeClr val="tx1"/>
+          </a:fontRef>
+        </p:style>
+      </p:cxnSp>
+      <p:sp>
+        <p:nvSpPr>
+          <p:cNvPr id="17" name="Title 1"/>
+          <p:cNvSpPr>
+            <a:spLocks noGrp="1"/>
+          </p:cNvSpPr>
+          <p:nvPr/>
+        </p:nvSpPr>
+        <p:spPr>
+          <a:xfrm>
+            <a:off x="7524115" y="5588635"/>
+            <a:ext cx="1524635" cy="346710"/>
+          </a:xfrm>
+          <a:prstGeom prst="rect">
+            <a:avLst/>
+          </a:prstGeom>
+          <a:noFill/>
+          <a:ln w="9525">
+            <a:noFill/>
+            <a:miter/>
+          </a:ln>
+        </p:spPr>
+        <p:txBody>
+          <a:bodyPr anchor="ctr"/>
+          <a:lstStyle>
+            <a:lvl1pPr marL="0" lvl="0" indent="0" algn="l" defTabSz="914400" eaLnBrk="1" fontAlgn="base" latinLnBrk="0" hangingPunct="1">
+              <a:lnSpc>
+                <a:spcPct val="100000"/>
+              </a:lnSpc>
+              <a:spcBef>
+                <a:spcPct val="0"/>
+              </a:spcBef>
+              <a:spcAft>
+                <a:spcPct val="0"/>
+              </a:spcAft>
+              <a:buClr>
+                <a:srgbClr val="000000"/>
+              </a:buClr>
+              <a:buNone/>
+              <a:defRPr sz="3600" b="1" i="0" u="none" kern="1200" baseline="0">
+                <a:solidFill>
+                  <a:schemeClr val="tx2"/>
+                </a:solidFill>
+                <a:latin typeface="+mj-lt"/>
+                <a:ea typeface="+mj-ea"/>
+                <a:cs typeface="+mj-cs"/>
+              </a:defRPr>
+            </a:lvl1pPr>
+          </a:lstStyle>
+          <a:p>
+            <a:r>
+              <a:rPr lang="x-none" altLang="en-US" sz="1400" b="0">
+                <a:solidFill>
+                  <a:srgbClr val="FF0000"/>
+                </a:solidFill>
+              </a:rPr>
+              <a:t>generate plot</a:t>
+            </a:r>
+            <a:endParaRPr lang="x-none" altLang="en-US" sz="1400" b="0">
+              <a:solidFill>
+                <a:srgbClr val="FF0000"/>
+              </a:solidFill>
+            </a:endParaRPr>
+          </a:p>
+        </p:txBody>
+      </p:sp>
+    </p:spTree>
+  </p:cSld>
+  <p:clrMapOvr>
+    <a:masterClrMapping/>
+  </p:clrMapOvr>
+</p:sld>
+</file>
+
+<file path=ppt/slides/slide31.xml><?xml version="1.0" encoding="utf-8"?>
+<p:sld xmlns:a="http://schemas.openxmlformats.org/drawingml/2006/main" xmlns:r="http://schemas.openxmlformats.org/officeDocument/2006/relationships" xmlns:p="http://schemas.openxmlformats.org/presentationml/2006/main">
+  <p:cSld>
+    <p:spTree>
+      <p:nvGrpSpPr>
+        <p:cNvPr id="1" name=""/>
+        <p:cNvGrpSpPr/>
+        <p:nvPr/>
+      </p:nvGrpSpPr>
+      <p:grpSpPr/>
+      <p:sp>
+        <p:nvSpPr>
+          <p:cNvPr id="2" name="Title 1"/>
+          <p:cNvSpPr>
+            <a:spLocks noGrp="1"/>
+          </p:cNvSpPr>
+          <p:nvPr>
+            <p:ph type="title"/>
+          </p:nvPr>
+        </p:nvSpPr>
+        <p:spPr/>
+        <p:txBody>
+          <a:bodyPr/>
+          <a:p>
+            <a:r>
+              <a:rPr lang="x-none" altLang="en-US"/>
+              <a:t>input setting</a:t>
+            </a:r>
+            <a:endParaRPr lang="x-none" altLang="en-US"/>
+          </a:p>
+        </p:txBody>
+      </p:sp>
+      <p:sp>
+        <p:nvSpPr>
+          <p:cNvPr id="3" name="Content Placeholder 2"/>
+          <p:cNvSpPr>
+            <a:spLocks noGrp="1"/>
+          </p:cNvSpPr>
+          <p:nvPr>
+            <p:ph idx="1"/>
+          </p:nvPr>
+        </p:nvSpPr>
+        <p:spPr>
+          <a:xfrm>
+            <a:off x="971233" y="1484630"/>
+            <a:ext cx="7786687" cy="4349750"/>
+          </a:xfrm>
+        </p:spPr>
+        <p:txBody>
+          <a:bodyPr/>
+          <a:p>
+            <a:pPr marL="514350" indent="-514350">
+              <a:buAutoNum type="arabicPeriod"/>
+            </a:pPr>
+            <a:r>
+              <a:rPr lang="x-none" altLang="en-US"/>
+              <a:t>generate root file</a:t>
+            </a:r>
+            <a:endParaRPr lang="x-none" altLang="en-US"/>
+          </a:p>
+          <a:p>
+            <a:pPr marL="514350" indent="-514350">
+              <a:buAutoNum type="arabicPeriod"/>
+            </a:pPr>
+            <a:r>
+              <a:rPr lang="x-none" altLang="en-US">
+                <a:sym typeface="+mn-ea"/>
+              </a:rPr>
+              <a:t>edit input file</a:t>
+            </a:r>
+            <a:endParaRPr lang="x-none" altLang="en-US">
+              <a:sym typeface="+mn-ea"/>
+            </a:endParaRPr>
+          </a:p>
+          <a:p>
+            <a:pPr marL="514350" indent="-514350">
+              <a:buAutoNum type="arabicPeriod"/>
+            </a:pPr>
+            <a:r>
+              <a:rPr lang="x-none" altLang="en-US">
+                <a:sym typeface="+mn-ea"/>
+              </a:rPr>
+              <a:t>edit file.dat</a:t>
+            </a:r>
+            <a:endParaRPr lang="x-none" altLang="en-US">
+              <a:sym typeface="+mn-ea"/>
+            </a:endParaRPr>
+          </a:p>
+          <a:p>
+            <a:pPr marL="514350" indent="-514350">
+              <a:buAutoNum type="arabicPeriod"/>
+            </a:pPr>
+            <a:r>
+              <a:rPr lang="x-none" altLang="en-US">
+                <a:sym typeface="+mn-ea"/>
+              </a:rPr>
+              <a:t>edit Bkg_Sort.dat</a:t>
+            </a:r>
+            <a:endParaRPr lang="x-none" altLang="en-US">
+              <a:sym typeface="+mn-ea"/>
+            </a:endParaRPr>
+          </a:p>
+          <a:p>
+            <a:pPr marL="514350" indent="-514350">
+              <a:buAutoNum type="arabicPeriod"/>
+            </a:pPr>
+            <a:r>
+              <a:rPr lang="x-none" altLang="en-US">
+                <a:sym typeface="+mn-ea"/>
+              </a:rPr>
+              <a:t>edit Var.dat</a:t>
+            </a:r>
+            <a:endParaRPr lang="x-none" altLang="en-US">
+              <a:sym typeface="+mn-ea"/>
+            </a:endParaRPr>
+          </a:p>
+          <a:p>
+            <a:pPr marL="514350" indent="-514350">
+              <a:buAutoNum type="arabicPeriod"/>
+            </a:pPr>
+            <a:r>
+              <a:rPr lang="x-none" altLang="en-US">
+                <a:sym typeface="+mn-ea"/>
+              </a:rPr>
+              <a:t>edit Cut.dat</a:t>
+            </a:r>
+            <a:endParaRPr lang="x-none" altLang="en-US">
+              <a:sym typeface="+mn-ea"/>
+            </a:endParaRPr>
+          </a:p>
+          <a:p>
+            <a:pPr marL="514350" indent="-514350">
+              <a:buAutoNum type="arabicPeriod"/>
+            </a:pPr>
+            <a:r>
+              <a:rPr lang="x-none" altLang="en-US">
+                <a:sym typeface="+mn-ea"/>
+              </a:rPr>
+              <a:t>edit flow.dat </a:t>
+            </a:r>
+            <a:endParaRPr lang="x-none" altLang="en-US">
+              <a:sym typeface="+mn-ea"/>
+            </a:endParaRPr>
+          </a:p>
+          <a:p>
+            <a:pPr marL="514350" indent="-514350">
+              <a:buAutoNum type="arabicPeriod"/>
+            </a:pPr>
+            <a:r>
+              <a:rPr lang="x-none" altLang="en-US">
+                <a:solidFill>
+                  <a:srgbClr val="FF0000"/>
+                </a:solidFill>
+                <a:sym typeface="+mn-ea"/>
+              </a:rPr>
+              <a:t>edit path.dat </a:t>
+            </a:r>
+            <a:r>
+              <a:rPr lang="x-none" altLang="en-US">
+                <a:sym typeface="+mn-ea"/>
+              </a:rPr>
+              <a:t> </a:t>
+            </a:r>
+            <a:endParaRPr lang="x-none" altLang="en-US">
+              <a:sym typeface="+mn-ea"/>
+            </a:endParaRPr>
+          </a:p>
+          <a:p>
+            <a:pPr marL="0" indent="0">
+              <a:buNone/>
+            </a:pPr>
+            <a:r>
+              <a:rPr lang="x-none" altLang="en-US">
+                <a:sym typeface="+mn-ea"/>
+              </a:rPr>
+              <a:t>    </a:t>
+            </a:r>
+            <a:r>
+              <a:rPr lang="x-none" altLang="en-US">
+                <a:solidFill>
+                  <a:srgbClr val="FF0000"/>
+                </a:solidFill>
+                <a:sym typeface="+mn-ea"/>
+              </a:rPr>
+              <a:t>include all above directories</a:t>
+            </a:r>
+            <a:r>
+              <a:rPr lang="x-none" altLang="en-US">
+                <a:sym typeface="+mn-ea"/>
+              </a:rPr>
+              <a:t> </a:t>
+            </a:r>
+            <a:endParaRPr lang="x-none" altLang="en-US">
+              <a:sym typeface="+mn-ea"/>
+            </a:endParaRPr>
+          </a:p>
+          <a:p>
+            <a:pPr marL="514350" indent="-514350">
+              <a:buAutoNum type="arabicPeriod"/>
+            </a:pPr>
+            <a:endParaRPr lang="x-none" altLang="en-US">
+              <a:sym typeface="+mn-ea"/>
+            </a:endParaRPr>
+          </a:p>
+          <a:p>
+            <a:pPr marL="514350" indent="-514350">
+              <a:buAutoNum type="arabicPeriod"/>
+            </a:pPr>
+            <a:endParaRPr lang="x-none" altLang="en-US"/>
+          </a:p>
+        </p:txBody>
+      </p:sp>
+    </p:spTree>
+  </p:cSld>
+  <p:clrMapOvr>
+    <a:masterClrMapping/>
+  </p:clrMapOvr>
+</p:sld>
+</file>
+
+<file path=ppt/slides/slide32.xml><?xml version="1.0" encoding="utf-8"?>
+<p:sld xmlns:a="http://schemas.openxmlformats.org/drawingml/2006/main" xmlns:r="http://schemas.openxmlformats.org/officeDocument/2006/relationships" xmlns:p="http://schemas.openxmlformats.org/presentationml/2006/main">
+  <p:cSld>
+    <p:spTree>
+      <p:nvGrpSpPr>
+        <p:cNvPr id="1" name=""/>
+        <p:cNvGrpSpPr/>
+        <p:nvPr/>
+      </p:nvGrpSpPr>
+      <p:grpSpPr/>
+      <p:pic>
+        <p:nvPicPr>
+          <p:cNvPr id="6" name="Picture 5"/>
+          <p:cNvPicPr>
+            <a:picLocks noChangeAspect="1"/>
+          </p:cNvPicPr>
+          <p:nvPr/>
+        </p:nvPicPr>
+        <p:blipFill>
+          <a:blip r:embed="rId1"/>
+          <a:stretch>
+            <a:fillRect/>
+          </a:stretch>
+        </p:blipFill>
+        <p:spPr>
+          <a:xfrm>
+            <a:off x="1907540" y="332740"/>
+            <a:ext cx="6630670" cy="6250305"/>
+          </a:xfrm>
+          <a:prstGeom prst="rect">
+            <a:avLst/>
+          </a:prstGeom>
+        </p:spPr>
+      </p:pic>
+      <p:sp>
+        <p:nvSpPr>
+          <p:cNvPr id="20" name="Rounded Rectangle 19"/>
+          <p:cNvSpPr/>
+          <p:nvPr/>
+        </p:nvSpPr>
+        <p:spPr>
+          <a:xfrm>
+            <a:off x="1907540" y="2780665"/>
+            <a:ext cx="6603365" cy="1640840"/>
+          </a:xfrm>
+          <a:prstGeom prst="roundRect">
+            <a:avLst/>
+          </a:prstGeom>
+          <a:noFill/>
+          <a:ln w="57150">
+            <a:solidFill>
+              <a:srgbClr val="00B050"/>
+            </a:solidFill>
+          </a:ln>
+          <a:extLst>
+            <a:ext uri="{909E8E84-426E-40DD-AFC4-6F175D3DCCD1}">
+              <a14:hiddenFill xmlns:a14="http://schemas.microsoft.com/office/drawing/2010/main">
+                <a:solidFill>
+                  <a:schemeClr val="accent6"/>
+                </a:solidFill>
+              </a14:hiddenFill>
+            </a:ext>
+          </a:extLst>
+        </p:spPr>
+        <p:style>
+          <a:lnRef idx="2">
+            <a:schemeClr val="accent1">
+              <a:shade val="50000"/>
+            </a:schemeClr>
+          </a:lnRef>
+          <a:fillRef idx="1">
+            <a:schemeClr val="accent1"/>
+          </a:fillRef>
+          <a:effectRef idx="0">
+            <a:schemeClr val="accent1"/>
+          </a:effectRef>
+          <a:fontRef idx="minor">
+            <a:schemeClr val="lt1"/>
+          </a:fontRef>
+        </p:style>
+        <p:txBody>
+          <a:bodyPr rtlCol="0" anchor="ctr"/>
+          <a:p>
+            <a:pPr algn="ctr"/>
+            <a:endParaRPr lang="en-US"/>
+          </a:p>
+        </p:txBody>
+      </p:sp>
+      <p:sp>
+        <p:nvSpPr>
+          <p:cNvPr id="9" name="Rounded Rectangle 8"/>
+          <p:cNvSpPr/>
+          <p:nvPr/>
+        </p:nvSpPr>
+        <p:spPr>
+          <a:xfrm>
+            <a:off x="1909445" y="982980"/>
+            <a:ext cx="6598285" cy="1655445"/>
+          </a:xfrm>
+          <a:prstGeom prst="roundRect">
+            <a:avLst/>
+          </a:prstGeom>
+          <a:noFill/>
+          <a:ln w="57150">
+            <a:solidFill>
+              <a:srgbClr val="0070C0"/>
+            </a:solidFill>
+          </a:ln>
+          <a:extLst>
+            <a:ext uri="{909E8E84-426E-40DD-AFC4-6F175D3DCCD1}">
+              <a14:hiddenFill xmlns:a14="http://schemas.microsoft.com/office/drawing/2010/main">
+                <a:solidFill>
+                  <a:schemeClr val="accent6"/>
+                </a:solidFill>
+              </a14:hiddenFill>
+            </a:ext>
+          </a:extLst>
+        </p:spPr>
+        <p:style>
+          <a:lnRef idx="2">
+            <a:schemeClr val="accent1">
+              <a:shade val="50000"/>
+            </a:schemeClr>
+          </a:lnRef>
+          <a:fillRef idx="1">
+            <a:schemeClr val="accent1"/>
+          </a:fillRef>
+          <a:effectRef idx="0">
+            <a:schemeClr val="accent1"/>
+          </a:effectRef>
+          <a:fontRef idx="minor">
+            <a:schemeClr val="lt1"/>
+          </a:fontRef>
+        </p:style>
+        <p:txBody>
+          <a:bodyPr rtlCol="0" anchor="ctr"/>
+          <a:p>
+            <a:pPr algn="ctr"/>
+            <a:endParaRPr lang="en-US"/>
+          </a:p>
+        </p:txBody>
+      </p:sp>
+      <p:sp>
+        <p:nvSpPr>
+          <p:cNvPr id="30" name="Rectangle 29"/>
+          <p:cNvSpPr/>
+          <p:nvPr/>
+        </p:nvSpPr>
+        <p:spPr>
+          <a:xfrm>
+            <a:off x="6731635" y="3284855"/>
+            <a:ext cx="1597660" cy="822960"/>
+          </a:xfrm>
+          <a:prstGeom prst="rect">
+            <a:avLst/>
+          </a:prstGeom>
+          <a:noFill/>
+          <a:ln>
+            <a:noFill/>
+          </a:ln>
+        </p:spPr>
+        <p:txBody>
+          <a:bodyPr wrap="square" rtlCol="0" anchor="t">
+            <a:spAutoFit/>
+            <a:scene3d>
+              <a:camera prst="orthographicFront"/>
+              <a:lightRig rig="threePt" dir="t"/>
+            </a:scene3d>
+          </a:bodyPr>
+          <a:p>
+            <a:pPr algn="ctr"/>
+            <a:r>
+              <a:rPr lang="x-none" altLang="en-US" sz="2400">
+                <a:ln w="12700" cmpd="sng">
+                  <a:solidFill>
+                    <a:srgbClr val="00B050"/>
+                  </a:solidFill>
+                  <a:prstDash val="solid"/>
+                </a:ln>
+                <a:solidFill>
+                  <a:srgbClr val="00B050"/>
+                </a:solidFill>
+                <a:effectLst/>
+              </a:rPr>
+              <a:t>basic input</a:t>
+            </a:r>
+            <a:endParaRPr lang="x-none" altLang="en-US" sz="2400">
+              <a:ln w="12700" cmpd="sng">
+                <a:solidFill>
+                  <a:srgbClr val="00B050"/>
+                </a:solidFill>
+                <a:prstDash val="solid"/>
+              </a:ln>
+              <a:solidFill>
+                <a:srgbClr val="00B050"/>
+              </a:solidFill>
+              <a:effectLst/>
+            </a:endParaRPr>
+          </a:p>
+        </p:txBody>
+      </p:sp>
+      <p:sp>
+        <p:nvSpPr>
+          <p:cNvPr id="7" name="Rectangle 6"/>
+          <p:cNvSpPr/>
+          <p:nvPr/>
+        </p:nvSpPr>
+        <p:spPr>
+          <a:xfrm>
+            <a:off x="6803390" y="1557020"/>
+            <a:ext cx="1597660" cy="457200"/>
+          </a:xfrm>
+          <a:prstGeom prst="rect">
+            <a:avLst/>
+          </a:prstGeom>
+          <a:noFill/>
+          <a:ln>
+            <a:noFill/>
+          </a:ln>
+        </p:spPr>
+        <p:txBody>
+          <a:bodyPr wrap="square" rtlCol="0" anchor="t">
+            <a:spAutoFit/>
+            <a:scene3d>
+              <a:camera prst="orthographicFront"/>
+              <a:lightRig rig="threePt" dir="t"/>
+            </a:scene3d>
+          </a:bodyPr>
+          <a:p>
+            <a:pPr algn="ctr"/>
+            <a:r>
+              <a:rPr lang="x-none" altLang="en-US" sz="2400">
+                <a:ln w="12700" cmpd="sng">
+                  <a:solidFill>
+                    <a:srgbClr val="0070C0"/>
+                  </a:solidFill>
+                  <a:prstDash val="solid"/>
+                </a:ln>
+                <a:solidFill>
+                  <a:srgbClr val="0070C0"/>
+                </a:solidFill>
+                <a:effectLst/>
+              </a:rPr>
+              <a:t>output</a:t>
+            </a:r>
+            <a:endParaRPr lang="x-none" altLang="en-US" sz="2400">
+              <a:ln w="12700" cmpd="sng">
+                <a:solidFill>
+                  <a:srgbClr val="0070C0"/>
+                </a:solidFill>
+                <a:prstDash val="solid"/>
+              </a:ln>
+              <a:solidFill>
+                <a:srgbClr val="0070C0"/>
+              </a:solidFill>
+              <a:effectLst/>
+            </a:endParaRPr>
+          </a:p>
+        </p:txBody>
+      </p:sp>
+      <p:sp>
+        <p:nvSpPr>
+          <p:cNvPr id="8" name="Rectangle 7"/>
+          <p:cNvSpPr/>
+          <p:nvPr/>
+        </p:nvSpPr>
+        <p:spPr>
+          <a:xfrm>
+            <a:off x="6731635" y="4940935"/>
+            <a:ext cx="1795780" cy="822960"/>
+          </a:xfrm>
+          <a:prstGeom prst="rect">
+            <a:avLst/>
+          </a:prstGeom>
+          <a:noFill/>
+          <a:ln>
+            <a:noFill/>
+          </a:ln>
+        </p:spPr>
+        <p:txBody>
+          <a:bodyPr wrap="square" rtlCol="0" anchor="t">
+            <a:spAutoFit/>
+            <a:scene3d>
+              <a:camera prst="orthographicFront"/>
+              <a:lightRig rig="threePt" dir="t"/>
+            </a:scene3d>
+          </a:bodyPr>
+          <a:p>
+            <a:pPr algn="ctr"/>
+            <a:r>
+              <a:rPr lang="x-none" altLang="en-US" sz="2400">
+                <a:ln w="12700" cmpd="sng">
+                  <a:solidFill>
+                    <a:srgbClr val="FF0000"/>
+                  </a:solidFill>
+                  <a:prstDash val="solid"/>
+                </a:ln>
+                <a:solidFill>
+                  <a:srgbClr val="FF0000"/>
+                </a:solidFill>
+                <a:effectLst/>
+              </a:rPr>
+              <a:t>advanced input</a:t>
+            </a:r>
+            <a:endParaRPr lang="x-none" altLang="en-US" sz="2400">
+              <a:ln w="12700" cmpd="sng">
+                <a:solidFill>
+                  <a:srgbClr val="FF0000"/>
+                </a:solidFill>
+                <a:prstDash val="solid"/>
+              </a:ln>
+              <a:solidFill>
+                <a:srgbClr val="FF0000"/>
+              </a:solidFill>
+              <a:effectLst/>
+            </a:endParaRPr>
+          </a:p>
+        </p:txBody>
+      </p:sp>
+      <p:sp>
+        <p:nvSpPr>
+          <p:cNvPr id="10" name="Rounded Rectangle 9"/>
+          <p:cNvSpPr/>
+          <p:nvPr/>
+        </p:nvSpPr>
+        <p:spPr>
+          <a:xfrm>
+            <a:off x="1918970" y="4586605"/>
+            <a:ext cx="6604635" cy="1659890"/>
+          </a:xfrm>
+          <a:prstGeom prst="roundRect">
+            <a:avLst/>
+          </a:prstGeom>
+          <a:noFill/>
+          <a:ln w="57150">
+            <a:solidFill>
+              <a:srgbClr val="C00000"/>
+            </a:solidFill>
+          </a:ln>
+          <a:extLst>
+            <a:ext uri="{909E8E84-426E-40DD-AFC4-6F175D3DCCD1}">
+              <a14:hiddenFill xmlns:a14="http://schemas.microsoft.com/office/drawing/2010/main">
+                <a:solidFill>
+                  <a:schemeClr val="accent6"/>
+                </a:solidFill>
+              </a14:hiddenFill>
+            </a:ext>
+          </a:extLst>
+        </p:spPr>
+        <p:style>
+          <a:lnRef idx="2">
+            <a:schemeClr val="accent1">
+              <a:shade val="50000"/>
+            </a:schemeClr>
+          </a:lnRef>
+          <a:fillRef idx="1">
+            <a:schemeClr val="accent1"/>
+          </a:fillRef>
+          <a:effectRef idx="0">
+            <a:schemeClr val="accent1"/>
+          </a:effectRef>
+          <a:fontRef idx="minor">
+            <a:schemeClr val="lt1"/>
+          </a:fontRef>
+        </p:style>
+        <p:txBody>
+          <a:bodyPr rtlCol="0" anchor="ctr"/>
+          <a:p>
+            <a:pPr algn="ctr"/>
+            <a:endParaRPr lang="en-US"/>
+          </a:p>
+        </p:txBody>
+      </p:sp>
+    </p:spTree>
+  </p:cSld>
+  <p:clrMapOvr>
+    <a:masterClrMapping/>
+  </p:clrMapOvr>
+</p:sld>
+</file>
+
+<file path=ppt/slides/slide33.xml><?xml version="1.0" encoding="utf-8"?>
+<p:sld xmlns:a="http://schemas.openxmlformats.org/drawingml/2006/main" xmlns:r="http://schemas.openxmlformats.org/officeDocument/2006/relationships" xmlns:p="http://schemas.openxmlformats.org/presentationml/2006/main">
+  <p:cSld>
+    <p:spTree>
+      <p:nvGrpSpPr>
+        <p:cNvPr id="1" name=""/>
+        <p:cNvGrpSpPr/>
+        <p:nvPr/>
+      </p:nvGrpSpPr>
+      <p:grpSpPr/>
+      <p:sp>
+        <p:nvSpPr>
+          <p:cNvPr id="2" name="Title 1"/>
+          <p:cNvSpPr>
+            <a:spLocks noGrp="1"/>
+          </p:cNvSpPr>
+          <p:nvPr>
+            <p:ph type="title"/>
+          </p:nvPr>
+        </p:nvSpPr>
+        <p:spPr>
+          <a:xfrm>
+            <a:off x="1835785" y="2853055"/>
+            <a:ext cx="6141720" cy="1012825"/>
+          </a:xfrm>
+        </p:spPr>
+        <p:txBody>
+          <a:bodyPr/>
+          <a:p>
+            <a:pPr algn="ctr"/>
+            <a:r>
+              <a:rPr lang="x-none" altLang="en-US"/>
+              <a:t>run the code</a:t>
+            </a:r>
+            <a:br>
+              <a:rPr lang="x-none" altLang="en-US"/>
+            </a:br>
+            <a:r>
+              <a:rPr lang="x-none" altLang="en-US"/>
+              <a:t>./BASDA</a:t>
+            </a:r>
+            <a:endParaRPr lang="x-none" altLang="en-US"/>
+          </a:p>
+        </p:txBody>
+      </p:sp>
+    </p:spTree>
+  </p:cSld>
+  <p:clrMapOvr>
+    <a:masterClrMapping/>
+  </p:clrMapOvr>
+</p:sld>
+</file>
+
+<file path=ppt/slides/slide34.xml><?xml version="1.0" encoding="utf-8"?>
+<p:sld xmlns:a="http://schemas.openxmlformats.org/drawingml/2006/main" xmlns:r="http://schemas.openxmlformats.org/officeDocument/2006/relationships" xmlns:p="http://schemas.openxmlformats.org/presentationml/2006/main">
+  <p:cSld>
+    <p:spTree>
+      <p:nvGrpSpPr>
+        <p:cNvPr id="1" name=""/>
+        <p:cNvGrpSpPr/>
+        <p:nvPr/>
+      </p:nvGrpSpPr>
+      <p:grpSpPr/>
+      <p:pic>
+        <p:nvPicPr>
+          <p:cNvPr id="4" name="Picture 3"/>
+          <p:cNvPicPr>
+            <a:picLocks noChangeAspect="1"/>
+          </p:cNvPicPr>
+          <p:nvPr/>
+        </p:nvPicPr>
+        <p:blipFill>
+          <a:blip r:embed="rId1"/>
+          <a:stretch>
+            <a:fillRect/>
+          </a:stretch>
+        </p:blipFill>
+        <p:spPr>
+          <a:xfrm>
+            <a:off x="1907540" y="1412875"/>
+            <a:ext cx="5887720" cy="4881245"/>
+          </a:xfrm>
+          <a:prstGeom prst="rect">
+            <a:avLst/>
+          </a:prstGeom>
+        </p:spPr>
+      </p:pic>
+      <p:sp>
+        <p:nvSpPr>
+          <p:cNvPr id="5" name="Title 4"/>
+          <p:cNvSpPr>
+            <a:spLocks noGrp="1"/>
+          </p:cNvSpPr>
+          <p:nvPr>
+            <p:ph type="title"/>
+          </p:nvPr>
+        </p:nvSpPr>
+        <p:spPr/>
+        <p:txBody>
+          <a:bodyPr/>
+          <a:p>
+            <a:r>
+              <a:rPr lang="x-none" altLang="en-US"/>
+              <a:t>output on screen</a:t>
+            </a:r>
+            <a:endParaRPr lang="x-none" altLang="en-US"/>
+          </a:p>
+        </p:txBody>
+      </p:sp>
+    </p:spTree>
+  </p:cSld>
+  <p:clrMapOvr>
+    <a:masterClrMapping/>
+  </p:clrMapOvr>
+</p:sld>
+</file>
+
+<file path=ppt/slides/slide35.xml><?xml version="1.0" encoding="utf-8"?>
+<p:sld xmlns:a="http://schemas.openxmlformats.org/drawingml/2006/main" xmlns:r="http://schemas.openxmlformats.org/officeDocument/2006/relationships" xmlns:p="http://schemas.openxmlformats.org/presentationml/2006/main">
+  <p:cSld>
+    <p:spTree>
+      <p:nvGrpSpPr>
+        <p:cNvPr id="1" name=""/>
+        <p:cNvGrpSpPr/>
+        <p:nvPr/>
+      </p:nvGrpSpPr>
+      <p:grpSpPr/>
+      <p:pic>
+        <p:nvPicPr>
+          <p:cNvPr id="4" name="Content Placeholder 3"/>
+          <p:cNvPicPr>
+            <a:picLocks noChangeAspect="1"/>
+          </p:cNvPicPr>
+          <p:nvPr>
+            <p:ph idx="1"/>
+          </p:nvPr>
+        </p:nvPicPr>
+        <p:blipFill>
+          <a:blip r:embed="rId1"/>
+          <a:stretch>
+            <a:fillRect/>
+          </a:stretch>
+        </p:blipFill>
+        <p:spPr>
+          <a:xfrm>
+            <a:off x="971550" y="1700530"/>
+            <a:ext cx="7786370" cy="385445"/>
+          </a:xfrm>
+          <a:prstGeom prst="rect">
+            <a:avLst/>
+          </a:prstGeom>
+        </p:spPr>
+      </p:pic>
+      <p:grpSp>
+        <p:nvGrpSpPr>
+          <p:cNvPr id="7176" name="Group 7175"/>
+          <p:cNvGrpSpPr/>
+          <p:nvPr/>
+        </p:nvGrpSpPr>
+        <p:grpSpPr>
+          <a:xfrm>
+            <a:off x="971550" y="332423"/>
+            <a:ext cx="1243013" cy="1454785"/>
+            <a:chOff x="0" y="0"/>
+            <a:chExt cx="1957" cy="2291"/>
+          </a:xfrm>
+        </p:grpSpPr>
+        <p:sp>
+          <p:nvSpPr>
+            <p:cNvPr id="7177" name="Oval 7176"/>
+            <p:cNvSpPr/>
+            <p:nvPr/>
+          </p:nvSpPr>
+          <p:spPr>
+            <a:xfrm>
+              <a:off x="72" y="1506"/>
+              <a:ext cx="1875" cy="785"/>
+            </a:xfrm>
+            <a:prstGeom prst="ellipse">
+              <a:avLst/>
+            </a:prstGeom>
+            <a:gradFill rotWithShape="0">
+              <a:gsLst>
+                <a:gs pos="0">
+                  <a:schemeClr val="accent1">
+                    <a:alpha val="100000"/>
+                  </a:schemeClr>
+                </a:gs>
+                <a:gs pos="100000">
+                  <a:schemeClr val="accent2">
+                    <a:alpha val="0"/>
+                  </a:schemeClr>
+                </a:gs>
+              </a:gsLst>
+              <a:path path="shape">
+                <a:fillToRect l="50000" t="50000" r="50000" b="50000"/>
+              </a:path>
+              <a:tileRect/>
+            </a:gradFill>
+            <a:ln w="9525">
+              <a:noFill/>
+            </a:ln>
+          </p:spPr>
+          <p:txBody>
+            <a:bodyPr/>
+            <a:p>
+              <a:endParaRPr lang="en-US"/>
+            </a:p>
+          </p:txBody>
+        </p:sp>
+        <p:sp>
+          <p:nvSpPr>
+            <p:cNvPr id="7178" name="Oval 7177"/>
+            <p:cNvSpPr/>
+            <p:nvPr/>
+          </p:nvSpPr>
+          <p:spPr>
+            <a:xfrm>
+              <a:off x="0" y="1"/>
+              <a:ext cx="1957" cy="1957"/>
+            </a:xfrm>
+            <a:prstGeom prst="ellipse">
+              <a:avLst/>
+            </a:prstGeom>
+            <a:gradFill rotWithShape="1">
+              <a:gsLst>
+                <a:gs pos="0">
+                  <a:schemeClr val="bg1">
+                    <a:alpha val="100000"/>
+                  </a:schemeClr>
+                </a:gs>
+                <a:gs pos="100000">
+                  <a:srgbClr val="969696">
+                    <a:alpha val="48000"/>
+                  </a:srgbClr>
+                </a:gs>
+              </a:gsLst>
+              <a:path path="shape">
+                <a:fillToRect l="50000" t="50000" r="50000" b="50000"/>
+              </a:path>
+              <a:tileRect/>
+            </a:gradFill>
+            <a:ln w="9525">
+              <a:noFill/>
+            </a:ln>
+          </p:spPr>
+          <p:txBody>
+            <a:bodyPr vert="horz" wrap="none" anchor="ctr"/>
+            <a:p>
+              <a:pPr lvl="0" algn="ctr"/>
+              <a:r>
+                <a:rPr>
+                  <a:latin typeface="Arial" panose="02080604020202020204" charset="0"/>
+                  <a:ea typeface="黑体" pitchFamily="2" charset="-122"/>
+                </a:rPr>
+                <a:t> </a:t>
+              </a:r>
+              <a:endParaRPr>
+                <a:latin typeface="Arial" panose="02080604020202020204" charset="0"/>
+                <a:ea typeface="黑体" pitchFamily="2" charset="-122"/>
+              </a:endParaRPr>
+            </a:p>
+          </p:txBody>
+        </p:sp>
+        <p:sp>
+          <p:nvSpPr>
+            <p:cNvPr id="7179" name="PubChord"/>
+            <p:cNvSpPr>
+              <a:spLocks noEditPoints="1"/>
+            </p:cNvSpPr>
+            <p:nvPr/>
+          </p:nvSpPr>
+          <p:spPr>
+            <a:xfrm rot="18900000">
+              <a:off x="7" y="0"/>
+              <a:ext cx="1950" cy="1947"/>
+            </a:xfrm>
+            <a:custGeom>
+              <a:avLst/>
+              <a:gdLst>
+                <a:gd name="A1" fmla="val -8672474"/>
+                <a:gd name="A2" fmla="val 3374613"/>
+                <a:gd name="G0" fmla="+- 0 0 0"/>
+                <a:gd name="G1" fmla="sin 10800 A1"/>
+                <a:gd name="G2" fmla="cos 10800 A1"/>
+                <a:gd name="G3" fmla="sin 10800 A2"/>
+                <a:gd name="G4" fmla="cos 10800 A2"/>
+                <a:gd name="G5" fmla="+- G1 10800 0"/>
+                <a:gd name="G6" fmla="+- G2 10800 0"/>
+                <a:gd name="G7" fmla="+- G3 10800 0"/>
+                <a:gd name="G8" fmla="+- G4 10800 0"/>
+                <a:gd name="G9" fmla="+- 10800 0 0"/>
+                <a:gd name="G10" fmla="pin G5 G7 0"/>
+                <a:gd name="G11" fmla="pin G6 G8 0"/>
+              </a:gdLst>
+              <a:ahLst/>
+              <a:cxnLst>
+                <a:cxn ang="0">
+                  <a:pos x="G6" y="G5"/>
+                </a:cxn>
+                <a:cxn ang="0">
+                  <a:pos x="G11" y="G10"/>
+                </a:cxn>
+                <a:cxn ang="0">
+                  <a:pos x="G8" y="G7"/>
+                </a:cxn>
+              </a:cxnLst>
+              <a:pathLst>
+                <a:path w="21600" h="21600">
+                  <a:moveTo>
+                    <a:pt x="2003" y="4535"/>
+                  </a:moveTo>
+                  <a:arcTo wR="10800" hR="10800" stAng="-8672290" swAng="-9553086"/>
+                  <a:close/>
+                </a:path>
+              </a:pathLst>
+            </a:custGeom>
+            <a:gradFill rotWithShape="1">
+              <a:gsLst>
+                <a:gs pos="0">
+                  <a:schemeClr val="accent2">
+                    <a:alpha val="100000"/>
+                  </a:schemeClr>
+                </a:gs>
+                <a:gs pos="100000">
+                  <a:schemeClr val="accent1">
+                    <a:alpha val="100000"/>
+                  </a:schemeClr>
+                </a:gs>
+              </a:gsLst>
+              <a:lin ang="5400000" scaled="1"/>
+              <a:tileRect/>
+            </a:gradFill>
+            <a:ln w="9525">
+              <a:noFill/>
+              <a:miter/>
+            </a:ln>
+          </p:spPr>
+          <p:txBody>
+            <a:bodyPr/>
+            <a:p>
+              <a:endParaRPr lang="en-US"/>
+            </a:p>
+          </p:txBody>
+        </p:sp>
+        <p:sp>
+          <p:nvSpPr>
+            <p:cNvPr id="7180" name="Oval 7179"/>
+            <p:cNvSpPr/>
+            <p:nvPr/>
+          </p:nvSpPr>
+          <p:spPr>
+            <a:xfrm>
+              <a:off x="22" y="883"/>
+              <a:ext cx="1917" cy="520"/>
+            </a:xfrm>
+            <a:prstGeom prst="ellipse">
+              <a:avLst/>
+            </a:prstGeom>
+            <a:gradFill rotWithShape="1">
+              <a:gsLst>
+                <a:gs pos="0">
+                  <a:schemeClr val="accent1">
+                    <a:alpha val="100000"/>
+                  </a:schemeClr>
+                </a:gs>
+                <a:gs pos="100000">
+                  <a:schemeClr val="accent2">
+                    <a:alpha val="100000"/>
+                  </a:schemeClr>
+                </a:gs>
+              </a:gsLst>
+              <a:lin ang="18900000" scaled="1"/>
+              <a:tileRect/>
+            </a:gradFill>
+            <a:ln w="9525">
+              <a:noFill/>
+            </a:ln>
+          </p:spPr>
+          <p:txBody>
+            <a:bodyPr/>
+            <a:p>
+              <a:endParaRPr lang="en-US"/>
+            </a:p>
+          </p:txBody>
+        </p:sp>
+        <p:sp>
+          <p:nvSpPr>
+            <p:cNvPr id="7181" name="Oval 7180"/>
+            <p:cNvSpPr/>
+            <p:nvPr/>
+          </p:nvSpPr>
+          <p:spPr>
+            <a:xfrm>
+              <a:off x="442" y="13"/>
+              <a:ext cx="1080" cy="842"/>
+            </a:xfrm>
+            <a:prstGeom prst="ellipse">
+              <a:avLst/>
+            </a:prstGeom>
+            <a:gradFill rotWithShape="1">
+              <a:gsLst>
+                <a:gs pos="0">
+                  <a:srgbClr val="F8F8F8">
+                    <a:alpha val="79999"/>
+                  </a:srgbClr>
+                </a:gs>
+                <a:gs pos="100000">
+                  <a:srgbClr val="C0C0C0">
+                    <a:alpha val="0"/>
+                  </a:srgbClr>
+                </a:gs>
+              </a:gsLst>
+              <a:lin ang="5400000" scaled="1"/>
+              <a:tileRect/>
+            </a:gradFill>
+            <a:ln w="9525">
+              <a:noFill/>
+            </a:ln>
+          </p:spPr>
+          <p:txBody>
+            <a:bodyPr vert="horz" wrap="none" anchor="ctr"/>
+            <a:p>
+              <a:pPr lvl="0" algn="ctr"/>
+              <a:r>
+                <a:rPr>
+                  <a:latin typeface="Arial" panose="02080604020202020204" charset="0"/>
+                  <a:ea typeface="黑体" pitchFamily="2" charset="-122"/>
+                </a:rPr>
+                <a:t> </a:t>
+              </a:r>
+              <a:endParaRPr>
+                <a:latin typeface="Arial" panose="02080604020202020204" charset="0"/>
+                <a:ea typeface="黑体" pitchFamily="2" charset="-122"/>
+              </a:endParaRPr>
+            </a:p>
+          </p:txBody>
+        </p:sp>
+        <p:sp>
+          <p:nvSpPr>
+            <p:cNvPr id="7182" name="Text Box 7181"/>
+            <p:cNvSpPr txBox="1"/>
+            <p:nvPr/>
+          </p:nvSpPr>
+          <p:spPr>
+            <a:xfrm>
+              <a:off x="339" y="679"/>
+              <a:ext cx="1305" cy="624"/>
+            </a:xfrm>
+            <a:prstGeom prst="rect">
+              <a:avLst/>
+            </a:prstGeom>
+            <a:noFill/>
+            <a:ln w="9525">
+              <a:noFill/>
+              <a:miter/>
+            </a:ln>
+          </p:spPr>
+          <p:txBody>
+            <a:bodyPr vert="horz" wrap="none" anchor="t">
+              <a:spAutoFit/>
+            </a:bodyPr>
+            <a:p>
+              <a:pPr lvl="0"/>
+              <a:r>
+                <a:rPr lang="x-none" sz="2000" b="1">
+                  <a:latin typeface="Arial" panose="02080604020202020204" charset="0"/>
+                  <a:ea typeface="微软繁黑体" pitchFamily="2" charset="-122"/>
+                </a:rPr>
+                <a:t>data</a:t>
+              </a:r>
+              <a:endParaRPr lang="x-none" sz="2000" b="1">
+                <a:latin typeface="Arial" panose="02080604020202020204" charset="0"/>
+                <a:ea typeface="微软繁黑体" pitchFamily="2" charset="-122"/>
+              </a:endParaRPr>
+            </a:p>
+          </p:txBody>
+        </p:sp>
+      </p:grpSp>
+      <p:pic>
+        <p:nvPicPr>
+          <p:cNvPr id="5" name="Picture 4"/>
+          <p:cNvPicPr>
+            <a:picLocks noChangeAspect="1"/>
+          </p:cNvPicPr>
+          <p:nvPr/>
+        </p:nvPicPr>
+        <p:blipFill>
+          <a:blip r:embed="rId2"/>
+          <a:stretch>
+            <a:fillRect/>
+          </a:stretch>
+        </p:blipFill>
+        <p:spPr>
+          <a:xfrm>
+            <a:off x="4067810" y="3068955"/>
+            <a:ext cx="4639310" cy="2491740"/>
+          </a:xfrm>
+          <a:prstGeom prst="rect">
+            <a:avLst/>
+          </a:prstGeom>
+        </p:spPr>
+      </p:pic>
+      <p:cxnSp>
+        <p:nvCxnSpPr>
+          <p:cNvPr id="15" name="Straight Arrow Connector 14"/>
+          <p:cNvCxnSpPr/>
+          <p:nvPr/>
+        </p:nvCxnSpPr>
+        <p:spPr>
+          <a:xfrm>
+            <a:off x="1835785" y="1917065"/>
+            <a:ext cx="215900" cy="1295400"/>
+          </a:xfrm>
+          <a:prstGeom prst="straightConnector1">
+            <a:avLst/>
+          </a:prstGeom>
+          <a:ln w="38100">
+            <a:solidFill>
+              <a:srgbClr val="FF0000"/>
+            </a:solidFill>
+            <a:tailEnd type="arrow"/>
+          </a:ln>
+        </p:spPr>
+        <p:style>
+          <a:lnRef idx="1">
+            <a:schemeClr val="accent1"/>
+          </a:lnRef>
+          <a:fillRef idx="0">
+            <a:schemeClr val="accent1"/>
+          </a:fillRef>
+          <a:effectRef idx="0">
+            <a:schemeClr val="accent1"/>
+          </a:effectRef>
+          <a:fontRef idx="minor">
+            <a:schemeClr val="tx1"/>
+          </a:fontRef>
+        </p:style>
+      </p:cxnSp>
+      <p:cxnSp>
+        <p:nvCxnSpPr>
+          <p:cNvPr id="7" name="Straight Arrow Connector 6"/>
+          <p:cNvCxnSpPr/>
+          <p:nvPr/>
+        </p:nvCxnSpPr>
+        <p:spPr>
+          <a:xfrm>
+            <a:off x="3203575" y="1917065"/>
+            <a:ext cx="3888740" cy="1295400"/>
+          </a:xfrm>
+          <a:prstGeom prst="straightConnector1">
+            <a:avLst/>
+          </a:prstGeom>
+          <a:ln w="38100">
+            <a:solidFill>
+              <a:srgbClr val="FF0000"/>
+            </a:solidFill>
+            <a:tailEnd type="arrow"/>
+          </a:ln>
+        </p:spPr>
+        <p:style>
+          <a:lnRef idx="1">
+            <a:schemeClr val="accent1"/>
+          </a:lnRef>
+          <a:fillRef idx="0">
+            <a:schemeClr val="accent1"/>
+          </a:fillRef>
+          <a:effectRef idx="0">
+            <a:schemeClr val="accent1"/>
+          </a:effectRef>
+          <a:fontRef idx="minor">
+            <a:schemeClr val="tx1"/>
+          </a:fontRef>
+        </p:style>
+      </p:cxnSp>
+      <p:pic>
+        <p:nvPicPr>
+          <p:cNvPr id="8" name="Picture 7"/>
+          <p:cNvPicPr>
+            <a:picLocks noChangeAspect="1"/>
+          </p:cNvPicPr>
+          <p:nvPr/>
+        </p:nvPicPr>
+        <p:blipFill>
+          <a:blip r:embed="rId3"/>
+          <a:stretch>
+            <a:fillRect/>
+          </a:stretch>
+        </p:blipFill>
+        <p:spPr>
+          <a:xfrm>
+            <a:off x="1043940" y="3140710"/>
+            <a:ext cx="2757170" cy="2379345"/>
+          </a:xfrm>
+          <a:prstGeom prst="rect">
+            <a:avLst/>
+          </a:prstGeom>
+        </p:spPr>
+      </p:pic>
+    </p:spTree>
+  </p:cSld>
+  <p:clrMapOvr>
+    <a:masterClrMapping/>
+  </p:clrMapOvr>
+</p:sld>
+</file>
+
+<file path=ppt/slides/slide36.xml><?xml version="1.0" encoding="utf-8"?>
+<p:sld xmlns:a="http://schemas.openxmlformats.org/drawingml/2006/main" xmlns:r="http://schemas.openxmlformats.org/officeDocument/2006/relationships" xmlns:p="http://schemas.openxmlformats.org/presentationml/2006/main">
+  <p:cSld>
+    <p:spTree>
+      <p:nvGrpSpPr>
+        <p:cNvPr id="1" name=""/>
+        <p:cNvGrpSpPr/>
+        <p:nvPr/>
+      </p:nvGrpSpPr>
+      <p:grpSpPr/>
+      <p:grpSp>
+        <p:nvGrpSpPr>
+          <p:cNvPr id="7190" name="Group 7189"/>
+          <p:cNvGrpSpPr/>
+          <p:nvPr/>
+        </p:nvGrpSpPr>
+        <p:grpSpPr>
+          <a:xfrm>
+            <a:off x="970915" y="251460"/>
+            <a:ext cx="1278573" cy="1435735"/>
+            <a:chOff x="0" y="0"/>
+            <a:chExt cx="2015" cy="2260"/>
+          </a:xfrm>
+        </p:grpSpPr>
+        <p:sp>
+          <p:nvSpPr>
+            <p:cNvPr id="7192" name="Oval 7191"/>
+            <p:cNvSpPr/>
+            <p:nvPr/>
+          </p:nvSpPr>
+          <p:spPr>
+            <a:xfrm>
+              <a:off x="0" y="0"/>
+              <a:ext cx="2015" cy="2015"/>
+            </a:xfrm>
+            <a:prstGeom prst="ellipse">
+              <a:avLst/>
+            </a:prstGeom>
+            <a:gradFill rotWithShape="1">
+              <a:gsLst>
+                <a:gs pos="0">
+                  <a:schemeClr val="bg1">
+                    <a:alpha val="100000"/>
+                  </a:schemeClr>
+                </a:gs>
+                <a:gs pos="100000">
+                  <a:srgbClr val="969696">
+                    <a:alpha val="48000"/>
+                  </a:srgbClr>
+                </a:gs>
+              </a:gsLst>
+              <a:path path="shape">
+                <a:fillToRect l="50000" t="50000" r="50000" b="50000"/>
+              </a:path>
+              <a:tileRect/>
+            </a:gradFill>
+            <a:ln w="9525">
+              <a:noFill/>
+            </a:ln>
+          </p:spPr>
+          <p:txBody>
+            <a:bodyPr vert="horz" wrap="none" anchor="ctr"/>
+            <a:p>
+              <a:pPr lvl="0" algn="ctr"/>
+              <a:r>
+                <a:rPr>
+                  <a:latin typeface="Arial" panose="02080604020202020204" charset="0"/>
+                  <a:ea typeface="黑体" pitchFamily="2" charset="-122"/>
+                </a:rPr>
+                <a:t> </a:t>
+              </a:r>
+              <a:endParaRPr>
+                <a:latin typeface="Arial" panose="02080604020202020204" charset="0"/>
+                <a:ea typeface="黑体" pitchFamily="2" charset="-122"/>
+              </a:endParaRPr>
+            </a:p>
+          </p:txBody>
+        </p:sp>
+        <p:sp>
+          <p:nvSpPr>
+            <p:cNvPr id="7191" name="Oval 7190"/>
+            <p:cNvSpPr/>
+            <p:nvPr/>
+          </p:nvSpPr>
+          <p:spPr>
+            <a:xfrm>
+              <a:off x="87" y="1475"/>
+              <a:ext cx="1875" cy="785"/>
+            </a:xfrm>
+            <a:prstGeom prst="ellipse">
+              <a:avLst/>
+            </a:prstGeom>
+            <a:gradFill rotWithShape="0">
+              <a:gsLst>
+                <a:gs pos="0">
+                  <a:schemeClr val="accent1">
+                    <a:alpha val="100000"/>
+                  </a:schemeClr>
+                </a:gs>
+                <a:gs pos="100000">
+                  <a:schemeClr val="accent2">
+                    <a:alpha val="0"/>
+                  </a:schemeClr>
+                </a:gs>
+              </a:gsLst>
+              <a:path path="shape">
+                <a:fillToRect l="50000" t="50000" r="50000" b="50000"/>
+              </a:path>
+              <a:tileRect/>
+            </a:gradFill>
+            <a:ln w="9525">
+              <a:noFill/>
+            </a:ln>
+          </p:spPr>
+          <p:txBody>
+            <a:bodyPr/>
+            <a:p>
+              <a:endParaRPr lang="en-US"/>
+            </a:p>
+          </p:txBody>
+        </p:sp>
+        <p:sp>
+          <p:nvSpPr>
+            <p:cNvPr id="7193" name="Oval 7192"/>
+            <p:cNvSpPr/>
+            <p:nvPr/>
+          </p:nvSpPr>
+          <p:spPr>
+            <a:xfrm>
+              <a:off x="455" y="15"/>
+              <a:ext cx="1112" cy="867"/>
+            </a:xfrm>
+            <a:prstGeom prst="ellipse">
+              <a:avLst/>
+            </a:prstGeom>
+            <a:gradFill rotWithShape="1">
+              <a:gsLst>
+                <a:gs pos="0">
+                  <a:srgbClr val="F8F8F8">
+                    <a:alpha val="79999"/>
+                  </a:srgbClr>
+                </a:gs>
+                <a:gs pos="100000">
+                  <a:srgbClr val="C0C0C0">
+                    <a:alpha val="0"/>
+                  </a:srgbClr>
+                </a:gs>
+              </a:gsLst>
+              <a:lin ang="5400000" scaled="1"/>
+              <a:tileRect/>
+            </a:gradFill>
+            <a:ln w="9525">
+              <a:noFill/>
+            </a:ln>
+          </p:spPr>
+          <p:txBody>
+            <a:bodyPr vert="horz" wrap="none" anchor="ctr"/>
+            <a:p>
+              <a:pPr lvl="0" algn="ctr"/>
+              <a:r>
+                <a:rPr>
+                  <a:latin typeface="Arial" panose="02080604020202020204" charset="0"/>
+                  <a:ea typeface="黑体" pitchFamily="2" charset="-122"/>
+                </a:rPr>
+                <a:t> </a:t>
+              </a:r>
+              <a:endParaRPr>
+                <a:latin typeface="Arial" panose="02080604020202020204" charset="0"/>
+                <a:ea typeface="黑体" pitchFamily="2" charset="-122"/>
+              </a:endParaRPr>
+            </a:p>
+          </p:txBody>
+        </p:sp>
+        <p:sp>
+          <p:nvSpPr>
+            <p:cNvPr id="7194" name="Oval 7193"/>
+            <p:cNvSpPr/>
+            <p:nvPr/>
+          </p:nvSpPr>
+          <p:spPr>
+            <a:xfrm>
+              <a:off x="25" y="585"/>
+              <a:ext cx="1967" cy="547"/>
+            </a:xfrm>
+            <a:prstGeom prst="ellipse">
+              <a:avLst/>
+            </a:prstGeom>
+            <a:gradFill rotWithShape="1">
+              <a:gsLst>
+                <a:gs pos="0">
+                  <a:schemeClr val="accent1">
+                    <a:alpha val="100000"/>
+                  </a:schemeClr>
+                </a:gs>
+                <a:gs pos="100000">
+                  <a:schemeClr val="accent2">
+                    <a:alpha val="100000"/>
+                  </a:schemeClr>
+                </a:gs>
+              </a:gsLst>
+              <a:lin ang="18900000" scaled="1"/>
+              <a:tileRect/>
+            </a:gradFill>
+            <a:ln w="9525">
+              <a:noFill/>
+            </a:ln>
+          </p:spPr>
+          <p:txBody>
+            <a:bodyPr/>
+            <a:p>
+              <a:endParaRPr lang="en-US"/>
+            </a:p>
+          </p:txBody>
+        </p:sp>
+        <p:sp>
+          <p:nvSpPr>
+            <p:cNvPr id="7195" name="Text Box 7194"/>
+            <p:cNvSpPr txBox="1"/>
+            <p:nvPr/>
+          </p:nvSpPr>
+          <p:spPr>
+            <a:xfrm>
+              <a:off x="112" y="680"/>
+              <a:ext cx="1877" cy="624"/>
+            </a:xfrm>
+            <a:prstGeom prst="rect">
+              <a:avLst/>
+            </a:prstGeom>
+            <a:noFill/>
+            <a:ln w="9525">
+              <a:noFill/>
+              <a:miter/>
+            </a:ln>
+          </p:spPr>
+          <p:txBody>
+            <a:bodyPr vert="horz" wrap="none" anchor="t">
+              <a:spAutoFit/>
+            </a:bodyPr>
+            <a:p>
+              <a:pPr lvl="0"/>
+              <a:r>
+                <a:rPr lang="x-none" sz="2000" b="1">
+                  <a:latin typeface="Arial" panose="02080604020202020204" charset="0"/>
+                  <a:ea typeface="微软繁黑体" pitchFamily="2" charset="-122"/>
+                </a:rPr>
+                <a:t>figures</a:t>
+              </a:r>
+              <a:endParaRPr lang="x-none" sz="2000" b="1">
+                <a:latin typeface="Arial" panose="02080604020202020204" charset="0"/>
+                <a:ea typeface="微软繁黑体" pitchFamily="2" charset="-122"/>
+              </a:endParaRPr>
+            </a:p>
+          </p:txBody>
+        </p:sp>
+      </p:grpSp>
+      <p:pic>
+        <p:nvPicPr>
+          <p:cNvPr id="5" name="Picture 4"/>
+          <p:cNvPicPr>
+            <a:picLocks noChangeAspect="1"/>
+          </p:cNvPicPr>
+          <p:nvPr/>
+        </p:nvPicPr>
+        <p:blipFill>
+          <a:blip r:embed="rId1"/>
+          <a:stretch>
+            <a:fillRect/>
+          </a:stretch>
+        </p:blipFill>
+        <p:spPr>
+          <a:xfrm>
+            <a:off x="1188085" y="1772920"/>
+            <a:ext cx="7774940" cy="1392555"/>
+          </a:xfrm>
+          <a:prstGeom prst="rect">
+            <a:avLst/>
+          </a:prstGeom>
+        </p:spPr>
+      </p:pic>
+      <p:pic>
+        <p:nvPicPr>
+          <p:cNvPr id="7" name="Picture 6"/>
+          <p:cNvPicPr>
+            <a:picLocks noChangeAspect="1"/>
+          </p:cNvPicPr>
+          <p:nvPr/>
+        </p:nvPicPr>
+        <p:blipFill>
+          <a:blip r:embed="rId2"/>
+          <a:stretch>
+            <a:fillRect/>
+          </a:stretch>
+        </p:blipFill>
+        <p:spPr>
+          <a:xfrm>
+            <a:off x="1403985" y="3716655"/>
+            <a:ext cx="3464560" cy="2376170"/>
+          </a:xfrm>
+          <a:prstGeom prst="rect">
+            <a:avLst/>
+          </a:prstGeom>
+        </p:spPr>
+      </p:pic>
+      <p:sp>
+        <p:nvSpPr>
+          <p:cNvPr id="8" name="Text Box 7"/>
+          <p:cNvSpPr txBox="1"/>
+          <p:nvPr/>
+        </p:nvSpPr>
+        <p:spPr>
+          <a:xfrm>
+            <a:off x="4355465" y="332740"/>
+            <a:ext cx="3739515" cy="1188720"/>
+          </a:xfrm>
+          <a:prstGeom prst="rect">
+            <a:avLst/>
+          </a:prstGeom>
+          <a:noFill/>
+        </p:spPr>
+        <p:txBody>
+          <a:bodyPr wrap="square" rtlCol="0" anchor="t">
+            <a:spAutoFit/>
+          </a:bodyPr>
+          <a:p>
+            <a:pPr marL="22225" lvl="0" indent="0" algn="ctr" eaLnBrk="1" latinLnBrk="0" hangingPunct="1"/>
+            <a:r>
+              <a:rPr lang="x-none" altLang="en-US" dirty="0">
+                <a:solidFill>
+                  <a:srgbClr val="FF0000"/>
+                </a:solidFill>
+                <a:sym typeface="Arial" panose="02080604020202020204" charset="0"/>
+              </a:rPr>
+              <a:t>origin  /  before cuts  /</a:t>
+            </a:r>
+            <a:endParaRPr lang="x-none" altLang="en-US" dirty="0">
+              <a:solidFill>
+                <a:srgbClr val="FF0000"/>
+              </a:solidFill>
+              <a:latin typeface="Arial" panose="02080604020202020204" charset="0"/>
+              <a:ea typeface="宋体" charset="-122"/>
+              <a:sym typeface="Arial" panose="02080604020202020204" charset="0"/>
+            </a:endParaRPr>
+          </a:p>
+          <a:p>
+            <a:pPr marL="22225" lvl="0" indent="0" algn="ctr" eaLnBrk="1" latinLnBrk="0" hangingPunct="1"/>
+            <a:r>
+              <a:rPr lang="x-none" altLang="en-US" dirty="0">
+                <a:solidFill>
+                  <a:srgbClr val="FF0000"/>
+                </a:solidFill>
+                <a:sym typeface="Arial" panose="02080604020202020204" charset="0"/>
+              </a:rPr>
+              <a:t>after cuts  /  final</a:t>
+            </a:r>
+            <a:r>
+              <a:rPr lang="x-none" altLang="en-US" dirty="0">
+                <a:sym typeface="Arial" panose="02080604020202020204" charset="0"/>
+              </a:rPr>
+              <a:t>  </a:t>
+            </a:r>
+            <a:endParaRPr lang="x-none" altLang="en-US" dirty="0">
+              <a:latin typeface="Arial" panose="02080604020202020204" charset="0"/>
+              <a:ea typeface="宋体" charset="-122"/>
+              <a:sym typeface="Arial" panose="02080604020202020204" charset="0"/>
+            </a:endParaRPr>
+          </a:p>
+          <a:p>
+            <a:pPr marL="22225" lvl="0" indent="0" algn="ctr" eaLnBrk="1" latinLnBrk="0" hangingPunct="1"/>
+            <a:r>
+              <a:rPr lang="x-none" altLang="en-US" dirty="0">
+                <a:sym typeface="Arial" panose="02080604020202020204" charset="0"/>
+              </a:rPr>
+              <a:t>plots for </a:t>
+            </a:r>
+            <a:endParaRPr lang="x-none" altLang="en-US" dirty="0">
+              <a:latin typeface="Arial" panose="02080604020202020204" charset="0"/>
+              <a:ea typeface="宋体" charset="-122"/>
+              <a:sym typeface="Arial" panose="02080604020202020204" charset="0"/>
+            </a:endParaRPr>
+          </a:p>
+          <a:p>
+            <a:pPr marL="22225" lvl="0" indent="0" algn="ctr" eaLnBrk="1" latinLnBrk="0" hangingPunct="1"/>
+            <a:r>
+              <a:rPr lang="x-none" altLang="en-US" dirty="0">
+                <a:sym typeface="Arial" panose="02080604020202020204" charset="0"/>
+              </a:rPr>
+              <a:t>each observable</a:t>
+            </a:r>
+            <a:endParaRPr lang="en-US"/>
+          </a:p>
+        </p:txBody>
+      </p:sp>
+      <p:pic>
+        <p:nvPicPr>
+          <p:cNvPr id="9" name="Picture 8"/>
+          <p:cNvPicPr>
+            <a:picLocks noChangeAspect="1"/>
+          </p:cNvPicPr>
+          <p:nvPr/>
+        </p:nvPicPr>
+        <p:blipFill>
+          <a:blip r:embed="rId3"/>
+          <a:stretch>
+            <a:fillRect/>
+          </a:stretch>
+        </p:blipFill>
+        <p:spPr>
+          <a:xfrm>
+            <a:off x="5220335" y="3716655"/>
+            <a:ext cx="3526155" cy="2358390"/>
+          </a:xfrm>
+          <a:prstGeom prst="rect">
+            <a:avLst/>
+          </a:prstGeom>
+        </p:spPr>
+      </p:pic>
+      <p:sp>
+        <p:nvSpPr>
+          <p:cNvPr id="10" name="Text Box 9"/>
+          <p:cNvSpPr txBox="1"/>
+          <p:nvPr/>
+        </p:nvSpPr>
+        <p:spPr>
+          <a:xfrm>
+            <a:off x="1979930" y="3284855"/>
+            <a:ext cx="2372995" cy="365760"/>
+          </a:xfrm>
+          <a:prstGeom prst="rect">
+            <a:avLst/>
+          </a:prstGeom>
+          <a:noFill/>
+        </p:spPr>
+        <p:txBody>
+          <a:bodyPr wrap="none" rtlCol="0" anchor="t">
+            <a:spAutoFit/>
+          </a:bodyPr>
+          <a:p>
+            <a:r>
+              <a:rPr lang="x-none" altLang="en-US" dirty="0">
+                <a:sym typeface="Arial" panose="02080604020202020204" charset="0"/>
+              </a:rPr>
+              <a:t>before A mass cuts</a:t>
+            </a:r>
+            <a:endParaRPr lang="en-US"/>
+          </a:p>
+        </p:txBody>
+      </p:sp>
+      <p:sp>
+        <p:nvSpPr>
+          <p:cNvPr id="11" name="Text Box 10"/>
+          <p:cNvSpPr txBox="1"/>
+          <p:nvPr/>
+        </p:nvSpPr>
+        <p:spPr>
+          <a:xfrm>
+            <a:off x="5795645" y="3284855"/>
+            <a:ext cx="2663190" cy="365760"/>
+          </a:xfrm>
+          <a:prstGeom prst="rect">
+            <a:avLst/>
+          </a:prstGeom>
+          <a:noFill/>
+        </p:spPr>
+        <p:txBody>
+          <a:bodyPr wrap="none" rtlCol="0" anchor="t">
+            <a:spAutoFit/>
+          </a:bodyPr>
+          <a:p>
+            <a:r>
+              <a:rPr lang="x-none" altLang="en-US" dirty="0">
+                <a:sym typeface="Arial" panose="02080604020202020204" charset="0"/>
+              </a:rPr>
+              <a:t>before H+- mass cuts</a:t>
+            </a:r>
+            <a:endParaRPr lang="en-US"/>
+          </a:p>
+        </p:txBody>
+      </p:sp>
+    </p:spTree>
+  </p:cSld>
+  <p:clrMapOvr>
+    <a:masterClrMapping/>
+  </p:clrMapOvr>
+</p:sld>
+</file>
+
+<file path=ppt/slides/slide37.xml><?xml version="1.0" encoding="utf-8"?>
+<p:sld xmlns:a="http://schemas.openxmlformats.org/drawingml/2006/main" xmlns:r="http://schemas.openxmlformats.org/officeDocument/2006/relationships" xmlns:p="http://schemas.openxmlformats.org/presentationml/2006/main">
+  <p:cSld>
+    <p:spTree>
+      <p:nvGrpSpPr>
+        <p:cNvPr id="1" name=""/>
+        <p:cNvGrpSpPr/>
+        <p:nvPr/>
+      </p:nvGrpSpPr>
+      <p:grpSpPr/>
+      <p:grpSp>
+        <p:nvGrpSpPr>
+          <p:cNvPr id="7196" name="Group 7195"/>
+          <p:cNvGrpSpPr/>
+          <p:nvPr/>
+        </p:nvGrpSpPr>
+        <p:grpSpPr>
+          <a:xfrm>
+            <a:off x="1042670" y="260985"/>
+            <a:ext cx="1282066" cy="1435735"/>
+            <a:chOff x="0" y="0"/>
+            <a:chExt cx="2018" cy="2260"/>
+          </a:xfrm>
+        </p:grpSpPr>
+        <p:sp>
+          <p:nvSpPr>
+            <p:cNvPr id="7197" name="Oval 7196"/>
+            <p:cNvSpPr/>
+            <p:nvPr/>
+          </p:nvSpPr>
+          <p:spPr>
+            <a:xfrm>
+              <a:off x="53" y="1475"/>
+              <a:ext cx="1875" cy="785"/>
+            </a:xfrm>
+            <a:prstGeom prst="ellipse">
+              <a:avLst/>
+            </a:prstGeom>
+            <a:gradFill rotWithShape="0">
+              <a:gsLst>
+                <a:gs pos="0">
+                  <a:schemeClr val="accent1">
+                    <a:alpha val="100000"/>
+                  </a:schemeClr>
+                </a:gs>
+                <a:gs pos="100000">
+                  <a:schemeClr val="accent2">
+                    <a:alpha val="0"/>
+                  </a:schemeClr>
+                </a:gs>
+              </a:gsLst>
+              <a:path path="shape">
+                <a:fillToRect l="50000" t="50000" r="50000" b="50000"/>
+              </a:path>
+              <a:tileRect/>
+            </a:gradFill>
+            <a:ln w="9525">
+              <a:noFill/>
+            </a:ln>
+          </p:spPr>
+          <p:txBody>
+            <a:bodyPr/>
+            <a:p>
+              <a:endParaRPr lang="en-US"/>
+            </a:p>
+          </p:txBody>
+        </p:sp>
+        <p:sp>
+          <p:nvSpPr>
+            <p:cNvPr id="7198" name="Oval 7197"/>
+            <p:cNvSpPr/>
+            <p:nvPr/>
+          </p:nvSpPr>
+          <p:spPr>
+            <a:xfrm>
+              <a:off x="0" y="0"/>
+              <a:ext cx="2015" cy="2015"/>
+            </a:xfrm>
+            <a:prstGeom prst="ellipse">
+              <a:avLst/>
+            </a:prstGeom>
+            <a:solidFill>
+              <a:schemeClr val="bg2">
+                <a:alpha val="100000"/>
+              </a:schemeClr>
+            </a:solidFill>
+            <a:ln w="9525">
+              <a:noFill/>
+            </a:ln>
+          </p:spPr>
+          <p:txBody>
+            <a:bodyPr vert="horz" wrap="none" anchor="ctr"/>
+            <a:p>
+              <a:pPr lvl="0" algn="ctr"/>
+              <a:r>
+                <a:rPr>
+                  <a:latin typeface="Arial" panose="02080604020202020204" charset="0"/>
+                  <a:ea typeface="黑体" pitchFamily="2" charset="-122"/>
+                </a:rPr>
+                <a:t> </a:t>
+              </a:r>
+              <a:endParaRPr>
+                <a:latin typeface="Arial" panose="02080604020202020204" charset="0"/>
+                <a:ea typeface="黑体" pitchFamily="2" charset="-122"/>
+              </a:endParaRPr>
+            </a:p>
+          </p:txBody>
+        </p:sp>
+        <p:sp>
+          <p:nvSpPr>
+            <p:cNvPr id="7199" name="PubChord"/>
+            <p:cNvSpPr>
+              <a:spLocks noEditPoints="1"/>
+            </p:cNvSpPr>
+            <p:nvPr/>
+          </p:nvSpPr>
+          <p:spPr>
+            <a:xfrm rot="18900000">
+              <a:off x="9" y="6"/>
+              <a:ext cx="2000" cy="1998"/>
+            </a:xfrm>
+            <a:custGeom>
+              <a:avLst/>
+              <a:gdLst>
+                <a:gd name="A1" fmla="val -5519621"/>
+                <a:gd name="A2" fmla="val -25561"/>
+                <a:gd name="G0" fmla="+- 0 0 0"/>
+                <a:gd name="G1" fmla="sin 10800 A1"/>
+                <a:gd name="G2" fmla="cos 10800 A1"/>
+                <a:gd name="G3" fmla="sin 10800 A2"/>
+                <a:gd name="G4" fmla="cos 10800 A2"/>
+                <a:gd name="G5" fmla="+- G1 10800 0"/>
+                <a:gd name="G6" fmla="+- G2 10800 0"/>
+                <a:gd name="G7" fmla="+- G3 10800 0"/>
+                <a:gd name="G8" fmla="+- G4 10800 0"/>
+                <a:gd name="G9" fmla="+- 10800 0 0"/>
+                <a:gd name="G10" fmla="pin G5 G7 0"/>
+                <a:gd name="G11" fmla="pin G6 G8 0"/>
+              </a:gdLst>
+              <a:ahLst/>
+              <a:cxnLst>
+                <a:cxn ang="0">
+                  <a:pos x="G6" y="G5"/>
+                </a:cxn>
+                <a:cxn ang="0">
+                  <a:pos x="G11" y="G10"/>
+                </a:cxn>
+                <a:cxn ang="0">
+                  <a:pos x="G8" y="G7"/>
+                </a:cxn>
+              </a:cxnLst>
+              <a:pathLst>
+                <a:path w="21600" h="21600">
+                  <a:moveTo>
+                    <a:pt x="10424" y="7"/>
+                  </a:moveTo>
+                  <a:arcTo wR="10800" hR="10800" stAng="-5519703" swAng="-16106082"/>
+                  <a:close/>
+                </a:path>
+              </a:pathLst>
+            </a:custGeom>
+            <a:gradFill rotWithShape="1">
+              <a:gsLst>
+                <a:gs pos="0">
+                  <a:schemeClr val="accent2">
+                    <a:alpha val="100000"/>
+                  </a:schemeClr>
+                </a:gs>
+                <a:gs pos="100000">
+                  <a:schemeClr val="accent1">
+                    <a:alpha val="100000"/>
+                  </a:schemeClr>
+                </a:gs>
+              </a:gsLst>
+              <a:lin ang="5400000" scaled="1"/>
+              <a:tileRect/>
+            </a:gradFill>
+            <a:ln w="9525">
+              <a:noFill/>
+              <a:miter/>
+            </a:ln>
+          </p:spPr>
+          <p:txBody>
+            <a:bodyPr/>
+            <a:p>
+              <a:endParaRPr lang="en-US"/>
+            </a:p>
+          </p:txBody>
+        </p:sp>
+        <p:sp>
+          <p:nvSpPr>
+            <p:cNvPr id="7200" name="Oval 7199"/>
+            <p:cNvSpPr/>
+            <p:nvPr/>
+          </p:nvSpPr>
+          <p:spPr>
+            <a:xfrm>
+              <a:off x="267" y="142"/>
+              <a:ext cx="1478" cy="438"/>
+            </a:xfrm>
+            <a:prstGeom prst="ellipse">
+              <a:avLst/>
+            </a:prstGeom>
+            <a:gradFill rotWithShape="1">
+              <a:gsLst>
+                <a:gs pos="0">
+                  <a:schemeClr val="accent1">
+                    <a:alpha val="100000"/>
+                  </a:schemeClr>
+                </a:gs>
+                <a:gs pos="100000">
+                  <a:schemeClr val="accent2">
+                    <a:alpha val="100000"/>
+                  </a:schemeClr>
+                </a:gs>
+              </a:gsLst>
+              <a:lin ang="18900000" scaled="1"/>
+              <a:tileRect/>
+            </a:gradFill>
+            <a:ln w="9525">
+              <a:noFill/>
+            </a:ln>
+          </p:spPr>
+          <p:txBody>
+            <a:bodyPr/>
+            <a:p>
+              <a:endParaRPr lang="en-US"/>
+            </a:p>
+          </p:txBody>
+        </p:sp>
+        <p:sp>
+          <p:nvSpPr>
+            <p:cNvPr id="7201" name="Oval 7200"/>
+            <p:cNvSpPr/>
+            <p:nvPr/>
+          </p:nvSpPr>
+          <p:spPr>
+            <a:xfrm>
+              <a:off x="455" y="0"/>
+              <a:ext cx="1112" cy="867"/>
+            </a:xfrm>
+            <a:prstGeom prst="ellipse">
+              <a:avLst/>
+            </a:prstGeom>
+            <a:gradFill rotWithShape="1">
+              <a:gsLst>
+                <a:gs pos="0">
+                  <a:srgbClr val="F8F8F8">
+                    <a:alpha val="39999"/>
+                  </a:srgbClr>
+                </a:gs>
+                <a:gs pos="100000">
+                  <a:srgbClr val="C0C0C0">
+                    <a:alpha val="0"/>
+                  </a:srgbClr>
+                </a:gs>
+              </a:gsLst>
+              <a:lin ang="5400000" scaled="1"/>
+              <a:tileRect/>
+            </a:gradFill>
+            <a:ln w="9525">
+              <a:noFill/>
+            </a:ln>
+          </p:spPr>
+          <p:txBody>
+            <a:bodyPr vert="horz" wrap="none" anchor="ctr"/>
+            <a:p>
+              <a:pPr lvl="0" algn="ctr"/>
+              <a:r>
+                <a:rPr>
+                  <a:latin typeface="Arial" panose="02080604020202020204" charset="0"/>
+                  <a:ea typeface="黑体" pitchFamily="2" charset="-122"/>
+                </a:rPr>
+                <a:t> </a:t>
+              </a:r>
+              <a:endParaRPr>
+                <a:latin typeface="Arial" panose="02080604020202020204" charset="0"/>
+                <a:ea typeface="黑体" pitchFamily="2" charset="-122"/>
+              </a:endParaRPr>
+            </a:p>
+          </p:txBody>
+        </p:sp>
+        <p:sp>
+          <p:nvSpPr>
+            <p:cNvPr id="7202" name="Text Box 7201"/>
+            <p:cNvSpPr txBox="1"/>
+            <p:nvPr/>
+          </p:nvSpPr>
+          <p:spPr>
+            <a:xfrm>
+              <a:off x="115" y="793"/>
+              <a:ext cx="1903" cy="576"/>
+            </a:xfrm>
+            <a:prstGeom prst="rect">
+              <a:avLst/>
+            </a:prstGeom>
+            <a:noFill/>
+            <a:ln w="9525">
+              <a:noFill/>
+              <a:miter/>
+            </a:ln>
+          </p:spPr>
+          <p:txBody>
+            <a:bodyPr vert="horz" wrap="none" anchor="t">
+              <a:spAutoFit/>
+            </a:bodyPr>
+            <a:p>
+              <a:pPr lvl="0"/>
+              <a:r>
+                <a:rPr lang="x-none" b="1">
+                  <a:latin typeface="Arial" panose="02080604020202020204" charset="0"/>
+                  <a:ea typeface="微软繁黑体" pitchFamily="2" charset="-122"/>
+                </a:rPr>
+                <a:t>root file</a:t>
+              </a:r>
+              <a:endParaRPr lang="x-none" b="1">
+                <a:latin typeface="Arial" panose="02080604020202020204" charset="0"/>
+                <a:ea typeface="微软繁黑体" pitchFamily="2" charset="-122"/>
+              </a:endParaRPr>
+            </a:p>
+          </p:txBody>
+        </p:sp>
+      </p:grpSp>
+      <p:pic>
+        <p:nvPicPr>
+          <p:cNvPr id="8" name="Picture 7"/>
+          <p:cNvPicPr>
+            <a:picLocks noChangeAspect="1"/>
+          </p:cNvPicPr>
+          <p:nvPr/>
+        </p:nvPicPr>
+        <p:blipFill>
+          <a:blip r:embed="rId1"/>
+          <a:stretch>
+            <a:fillRect/>
+          </a:stretch>
+        </p:blipFill>
+        <p:spPr>
+          <a:xfrm>
+            <a:off x="971550" y="1628775"/>
+            <a:ext cx="7847330" cy="714375"/>
+          </a:xfrm>
+          <a:prstGeom prst="rect">
+            <a:avLst/>
+          </a:prstGeom>
+        </p:spPr>
+      </p:pic>
+      <p:pic>
+        <p:nvPicPr>
+          <p:cNvPr id="9" name="Picture 8"/>
+          <p:cNvPicPr>
+            <a:picLocks noChangeAspect="1"/>
+          </p:cNvPicPr>
+          <p:nvPr/>
+        </p:nvPicPr>
+        <p:blipFill>
+          <a:blip r:embed="rId2"/>
+          <a:stretch>
+            <a:fillRect/>
+          </a:stretch>
+        </p:blipFill>
+        <p:spPr>
+          <a:xfrm>
+            <a:off x="1115695" y="3212465"/>
+            <a:ext cx="4551045" cy="2683510"/>
+          </a:xfrm>
+          <a:prstGeom prst="rect">
+            <a:avLst/>
+          </a:prstGeom>
+        </p:spPr>
+      </p:pic>
+      <p:sp>
+        <p:nvSpPr>
+          <p:cNvPr id="10" name="Text Box 9"/>
+          <p:cNvSpPr txBox="1"/>
+          <p:nvPr/>
+        </p:nvSpPr>
+        <p:spPr>
+          <a:xfrm>
+            <a:off x="4572000" y="476885"/>
+            <a:ext cx="4122420" cy="914400"/>
+          </a:xfrm>
+          <a:prstGeom prst="rect">
+            <a:avLst/>
+          </a:prstGeom>
+          <a:noFill/>
+        </p:spPr>
+        <p:txBody>
+          <a:bodyPr wrap="square" rtlCol="0" anchor="t">
+            <a:spAutoFit/>
+          </a:bodyPr>
+          <a:p>
+            <a:pPr marL="22225" lvl="0" indent="0" algn="ctr" eaLnBrk="1" latinLnBrk="0" hangingPunct="1"/>
+            <a:r>
+              <a:rPr lang="x-none" altLang="en-US" dirty="0">
+                <a:sym typeface="Arial" panose="02080604020202020204" charset="0"/>
+              </a:rPr>
+              <a:t>observable after its own cut,</a:t>
+            </a:r>
+            <a:endParaRPr lang="x-none" altLang="en-US" dirty="0">
+              <a:sym typeface="Arial" panose="02080604020202020204" charset="0"/>
+            </a:endParaRPr>
+          </a:p>
+          <a:p>
+            <a:pPr marL="22225" lvl="0" indent="0" algn="ctr" eaLnBrk="1" latinLnBrk="0" hangingPunct="1"/>
+            <a:r>
+              <a:rPr lang="x-none" altLang="en-US"/>
+              <a:t>and after all cuts are preserved</a:t>
+            </a:r>
+            <a:endParaRPr lang="x-none" altLang="en-US"/>
+          </a:p>
+          <a:p>
+            <a:pPr marL="22225" lvl="0" indent="0" algn="ctr" eaLnBrk="1" latinLnBrk="0" hangingPunct="1"/>
+            <a:r>
+              <a:rPr lang="x-none" altLang="en-US"/>
+              <a:t>for further use</a:t>
+            </a:r>
+            <a:endParaRPr lang="x-none" altLang="en-US"/>
+          </a:p>
+        </p:txBody>
+      </p:sp>
+      <p:pic>
+        <p:nvPicPr>
+          <p:cNvPr id="11" name="Picture 10"/>
+          <p:cNvPicPr>
+            <a:picLocks noChangeAspect="1"/>
+          </p:cNvPicPr>
+          <p:nvPr/>
+        </p:nvPicPr>
+        <p:blipFill>
+          <a:blip r:embed="rId3"/>
+          <a:stretch>
+            <a:fillRect/>
+          </a:stretch>
+        </p:blipFill>
+        <p:spPr>
+          <a:xfrm>
+            <a:off x="5720715" y="3719830"/>
+            <a:ext cx="3324225" cy="2139950"/>
+          </a:xfrm>
+          <a:prstGeom prst="rect">
+            <a:avLst/>
+          </a:prstGeom>
+        </p:spPr>
+      </p:pic>
+      <p:sp>
+        <p:nvSpPr>
+          <p:cNvPr id="12" name="Text Box 11"/>
+          <p:cNvSpPr txBox="1"/>
+          <p:nvPr/>
+        </p:nvSpPr>
+        <p:spPr>
+          <a:xfrm>
+            <a:off x="2414270" y="2708910"/>
+            <a:ext cx="1701800" cy="365760"/>
+          </a:xfrm>
+          <a:prstGeom prst="rect">
+            <a:avLst/>
+          </a:prstGeom>
+          <a:noFill/>
+        </p:spPr>
+        <p:txBody>
+          <a:bodyPr wrap="none" rtlCol="0" anchor="t">
+            <a:spAutoFit/>
+          </a:bodyPr>
+          <a:p>
+            <a:pPr marL="22225" lvl="0" indent="0" algn="ctr" eaLnBrk="1" latinLnBrk="0" hangingPunct="1"/>
+            <a:r>
+              <a:rPr lang="x-none" altLang="en-US" dirty="0">
+                <a:sym typeface="Arial" panose="02080604020202020204" charset="0"/>
+              </a:rPr>
+              <a:t>after mA cut,</a:t>
+            </a:r>
+            <a:endParaRPr lang="en-US"/>
+          </a:p>
+        </p:txBody>
+      </p:sp>
+      <p:sp>
+        <p:nvSpPr>
+          <p:cNvPr id="13" name="Text Box 12"/>
+          <p:cNvSpPr txBox="1"/>
+          <p:nvPr/>
+        </p:nvSpPr>
+        <p:spPr>
+          <a:xfrm>
+            <a:off x="6511925" y="3212465"/>
+            <a:ext cx="1709420" cy="365760"/>
+          </a:xfrm>
+          <a:prstGeom prst="rect">
+            <a:avLst/>
+          </a:prstGeom>
+          <a:noFill/>
+        </p:spPr>
+        <p:txBody>
+          <a:bodyPr wrap="none" rtlCol="0" anchor="t">
+            <a:spAutoFit/>
+          </a:bodyPr>
+          <a:p>
+            <a:pPr marL="22225" lvl="0" indent="0" algn="ctr" eaLnBrk="1" latinLnBrk="0" hangingPunct="1"/>
+            <a:r>
+              <a:rPr lang="x-none" altLang="en-US" dirty="0">
+                <a:sym typeface="Arial" panose="02080604020202020204" charset="0"/>
+              </a:rPr>
+              <a:t>after all cuts,</a:t>
+            </a:r>
+            <a:endParaRPr lang="en-US"/>
+          </a:p>
+        </p:txBody>
+      </p:sp>
+    </p:spTree>
+  </p:cSld>
+  <p:clrMapOvr>
+    <a:masterClrMapping/>
+  </p:clrMapOvr>
+</p:sld>
+</file>
+
+<file path=ppt/slides/slide38.xml><?xml version="1.0" encoding="utf-8"?>
+<p:sld xmlns:a="http://schemas.openxmlformats.org/drawingml/2006/main" xmlns:r="http://schemas.openxmlformats.org/officeDocument/2006/relationships" xmlns:p="http://schemas.openxmlformats.org/presentationml/2006/main">
+  <p:cSld>
+    <p:spTree>
+      <p:nvGrpSpPr>
+        <p:cNvPr id="1" name=""/>
+        <p:cNvGrpSpPr/>
+        <p:nvPr/>
+      </p:nvGrpSpPr>
+      <p:grpSpPr/>
+      <p:sp>
+        <p:nvSpPr>
+          <p:cNvPr id="10242" name="Title 10241" descr="0da23394730349c3b5d7fe4e6a7d390d# #矩形 109"/>
+          <p:cNvSpPr>
+            <a:spLocks noGrp="1"/>
+          </p:cNvSpPr>
+          <p:nvPr>
+            <p:ph type="title"/>
+          </p:nvPr>
+        </p:nvSpPr>
+        <p:spPr>
+          <a:ln w="9525">
+            <a:noFill/>
+            <a:miter/>
+          </a:ln>
+        </p:spPr>
+        <p:txBody>
+          <a:bodyPr anchor="ctr"/>
+          <a:p>
+            <a:r>
+              <a:rPr lang="x-none" altLang="en-US" sz="2400" dirty="0"/>
+              <a:t>General Strategy for analysis</a:t>
+            </a:r>
+            <a:endParaRPr lang="x-none" altLang="en-US" sz="2400" dirty="0"/>
+          </a:p>
+        </p:txBody>
+      </p:sp>
+      <p:grpSp>
+        <p:nvGrpSpPr>
+          <p:cNvPr id="10246" name="Group 10245"/>
+          <p:cNvGrpSpPr/>
+          <p:nvPr/>
+        </p:nvGrpSpPr>
+        <p:grpSpPr>
+          <a:xfrm>
+            <a:off x="3923665" y="1700530"/>
+            <a:ext cx="1362710" cy="841375"/>
+            <a:chOff x="0" y="0"/>
+            <a:chExt cx="6530" cy="2094"/>
+          </a:xfrm>
+        </p:grpSpPr>
+        <p:sp>
+          <p:nvSpPr>
+            <p:cNvPr id="10247" name="Rounded Rectangle 10246"/>
+            <p:cNvSpPr/>
+            <p:nvPr/>
+          </p:nvSpPr>
+          <p:spPr>
+            <a:xfrm>
+              <a:off x="640" y="1768"/>
+              <a:ext cx="5295" cy="326"/>
+            </a:xfrm>
+            <a:prstGeom prst="roundRect">
+              <a:avLst>
+                <a:gd name="adj" fmla="val 16667"/>
+              </a:avLst>
+            </a:prstGeom>
+            <a:gradFill rotWithShape="0">
+              <a:gsLst>
+                <a:gs pos="0">
+                  <a:schemeClr val="accent1">
+                    <a:alpha val="100000"/>
+                  </a:schemeClr>
+                </a:gs>
+                <a:gs pos="100000">
+                  <a:schemeClr val="accent2">
+                    <a:alpha val="0"/>
+                  </a:schemeClr>
+                </a:gs>
+              </a:gsLst>
+              <a:path path="shape">
+                <a:fillToRect l="50000" t="50000" r="50000" b="50000"/>
+              </a:path>
+              <a:tileRect/>
+            </a:gradFill>
+            <a:ln w="9525">
+              <a:noFill/>
+            </a:ln>
+          </p:spPr>
+          <p:txBody>
+            <a:bodyPr/>
+            <a:p>
+              <a:endParaRPr lang="en-US" sz="800"/>
+            </a:p>
+          </p:txBody>
+        </p:sp>
+        <p:sp>
+          <p:nvSpPr>
+            <p:cNvPr id="10248" name="AutoShape 19"/>
+            <p:cNvSpPr/>
+            <p:nvPr/>
+          </p:nvSpPr>
+          <p:spPr>
+            <a:xfrm>
+              <a:off x="0" y="0"/>
+              <a:ext cx="6530" cy="1900"/>
+            </a:xfrm>
+            <a:prstGeom prst="roundRect">
+              <a:avLst>
+                <a:gd name="adj" fmla="val 50000"/>
+              </a:avLst>
+            </a:prstGeom>
+            <a:gradFill rotWithShape="0">
+              <a:gsLst>
+                <a:gs pos="0">
+                  <a:srgbClr val="DDDDDD">
+                    <a:alpha val="100000"/>
+                  </a:srgbClr>
+                </a:gs>
+                <a:gs pos="100000">
+                  <a:srgbClr val="F8F8F8">
+                    <a:alpha val="100000"/>
+                  </a:srgbClr>
+                </a:gs>
+              </a:gsLst>
+              <a:lin ang="5400000" scaled="1"/>
+              <a:tileRect/>
+            </a:gradFill>
+            <a:ln w="9525" cap="flat" cmpd="sng">
+              <a:solidFill>
+                <a:schemeClr val="bg2"/>
+              </a:solidFill>
+              <a:prstDash val="solid"/>
+              <a:headEnd type="none" w="med" len="med"/>
+              <a:tailEnd type="none" w="med" len="med"/>
+            </a:ln>
+          </p:spPr>
+          <p:txBody>
+            <a:bodyPr vert="horz" wrap="none" anchor="t"/>
+            <a:p>
+              <a:pPr marL="186055" lvl="0" algn="l" eaLnBrk="1" latinLnBrk="0" hangingPunct="1"/>
+              <a:r>
+                <a:rPr lang="x-none" altLang="zh-CN" sz="800" dirty="0">
+                  <a:latin typeface="Arial" panose="02080604020202020204" charset="0"/>
+                  <a:ea typeface="宋体" charset="-122"/>
+                </a:rPr>
+                <a:t>track</a:t>
+              </a:r>
+              <a:endParaRPr lang="x-none" altLang="zh-CN" sz="800" dirty="0">
+                <a:latin typeface="Arial" panose="02080604020202020204" charset="0"/>
+                <a:ea typeface="宋体" charset="-122"/>
+              </a:endParaRPr>
+            </a:p>
+            <a:p>
+              <a:pPr marL="186055" lvl="0" algn="l" eaLnBrk="1" latinLnBrk="0" hangingPunct="1"/>
+              <a:r>
+                <a:rPr lang="x-none" altLang="zh-CN" sz="800" dirty="0">
+                  <a:latin typeface="Arial" panose="02080604020202020204" charset="0"/>
+                  <a:ea typeface="宋体" charset="-122"/>
+                </a:rPr>
+                <a:t>vertex</a:t>
+              </a:r>
+              <a:endParaRPr lang="x-none" altLang="zh-CN" sz="800" dirty="0">
+                <a:latin typeface="Arial" panose="02080604020202020204" charset="0"/>
+                <a:ea typeface="宋体" charset="-122"/>
+              </a:endParaRPr>
+            </a:p>
+            <a:p>
+              <a:pPr marL="186055" lvl="0" algn="l" eaLnBrk="1" latinLnBrk="0" hangingPunct="1"/>
+              <a:r>
+                <a:rPr lang="x-none" altLang="zh-CN" sz="800" dirty="0">
+                  <a:latin typeface="Arial" panose="02080604020202020204" charset="0"/>
+                  <a:ea typeface="宋体" charset="-122"/>
+                </a:rPr>
+                <a:t>jet </a:t>
+              </a:r>
+              <a:endParaRPr lang="x-none" altLang="zh-CN" sz="800" dirty="0">
+                <a:latin typeface="Arial" panose="02080604020202020204" charset="0"/>
+                <a:ea typeface="宋体" charset="-122"/>
+              </a:endParaRPr>
+            </a:p>
+          </p:txBody>
+        </p:sp>
+      </p:grpSp>
+      <p:sp>
+        <p:nvSpPr>
+          <p:cNvPr id="10252" name="Line 35"/>
+          <p:cNvSpPr/>
+          <p:nvPr/>
+        </p:nvSpPr>
+        <p:spPr>
+          <a:xfrm rot="180000" flipV="1">
+            <a:off x="7611745" y="4523105"/>
+            <a:ext cx="581025" cy="610870"/>
+          </a:xfrm>
+          <a:prstGeom prst="line">
+            <a:avLst/>
+          </a:prstGeom>
+          <a:ln w="19050" cap="flat" cmpd="sng">
+            <a:solidFill>
+              <a:schemeClr val="bg2"/>
+            </a:solidFill>
+            <a:prstDash val="solid"/>
+            <a:headEnd type="none" w="med" len="med"/>
+            <a:tailEnd type="none" w="med" len="med"/>
+          </a:ln>
+        </p:spPr>
+        <p:txBody>
+          <a:bodyPr/>
+          <a:p>
+            <a:endParaRPr lang="en-US"/>
+          </a:p>
+        </p:txBody>
+      </p:sp>
+      <p:grpSp>
+        <p:nvGrpSpPr>
+          <p:cNvPr id="10255" name="Group 10254"/>
+          <p:cNvGrpSpPr/>
+          <p:nvPr/>
+        </p:nvGrpSpPr>
+        <p:grpSpPr>
+          <a:xfrm>
+            <a:off x="1043940" y="1700530"/>
+            <a:ext cx="871855" cy="772160"/>
+            <a:chOff x="0" y="0"/>
+            <a:chExt cx="3438" cy="3020"/>
+          </a:xfrm>
+        </p:grpSpPr>
+        <p:sp>
+          <p:nvSpPr>
+            <p:cNvPr id="10256" name="Oval 10255"/>
+            <p:cNvSpPr/>
+            <p:nvPr/>
+          </p:nvSpPr>
+          <p:spPr>
+            <a:xfrm>
+              <a:off x="0" y="2734"/>
+              <a:ext cx="3438" cy="286"/>
+            </a:xfrm>
+            <a:prstGeom prst="ellipse">
+              <a:avLst/>
+            </a:prstGeom>
+            <a:gradFill rotWithShape="0">
+              <a:gsLst>
+                <a:gs pos="0">
+                  <a:schemeClr val="accent1">
+                    <a:alpha val="100000"/>
+                  </a:schemeClr>
+                </a:gs>
+                <a:gs pos="100000">
+                  <a:schemeClr val="accent2">
+                    <a:alpha val="0"/>
+                  </a:schemeClr>
+                </a:gs>
+              </a:gsLst>
+              <a:path path="shape">
+                <a:fillToRect l="50000" t="50000" r="50000" b="50000"/>
+              </a:path>
+              <a:tileRect/>
+            </a:gradFill>
+            <a:ln w="9525">
+              <a:noFill/>
+            </a:ln>
+          </p:spPr>
+          <p:txBody>
+            <a:bodyPr/>
+            <a:p>
+              <a:endParaRPr lang="en-US" sz="1200">
+                <a:solidFill>
+                  <a:schemeClr val="tx1"/>
+                </a:solidFill>
+              </a:endParaRPr>
+            </a:p>
+          </p:txBody>
+        </p:sp>
+        <p:grpSp>
+          <p:nvGrpSpPr>
+            <p:cNvPr id="10257" name="Group 10256"/>
+            <p:cNvGrpSpPr/>
+            <p:nvPr/>
+          </p:nvGrpSpPr>
+          <p:grpSpPr>
+            <a:xfrm>
+              <a:off x="243" y="0"/>
+              <a:ext cx="2906" cy="2907"/>
+              <a:chOff x="0" y="0"/>
+              <a:chExt cx="2182" cy="2182"/>
+            </a:xfrm>
+          </p:grpSpPr>
+          <p:sp>
+            <p:nvSpPr>
+              <p:cNvPr id="10258" name="Rounded Rectangle 10257" descr="e760c95136374590b650471bf67e5d77# #圆角矩形 293"/>
+              <p:cNvSpPr/>
+              <p:nvPr/>
+            </p:nvSpPr>
+            <p:spPr>
+              <a:xfrm>
+                <a:off x="0" y="0"/>
+                <a:ext cx="2182" cy="2182"/>
+              </a:xfrm>
+              <a:prstGeom prst="roundRect">
+                <a:avLst>
+                  <a:gd name="adj" fmla="val 50000"/>
+                </a:avLst>
+              </a:prstGeom>
+              <a:gradFill rotWithShape="0">
+                <a:gsLst>
+                  <a:gs pos="0">
+                    <a:schemeClr val="accent1">
+                      <a:alpha val="100000"/>
+                    </a:schemeClr>
+                  </a:gs>
+                  <a:gs pos="100000">
+                    <a:schemeClr val="accent2">
+                      <a:alpha val="100000"/>
+                    </a:schemeClr>
+                  </a:gs>
+                </a:gsLst>
+                <a:lin ang="5400000" scaled="1"/>
+                <a:tileRect/>
+              </a:gradFill>
+              <a:ln w="9525" cap="flat" cmpd="sng">
+                <a:solidFill>
+                  <a:schemeClr val="accent1"/>
+                </a:solidFill>
+                <a:prstDash val="solid"/>
+                <a:headEnd type="none" w="med" len="med"/>
+                <a:tailEnd type="none" w="med" len="med"/>
+              </a:ln>
+            </p:spPr>
+            <p:txBody>
+              <a:bodyPr vert="horz" wrap="none" anchor="ctr"/>
+              <a:p>
+                <a:pPr marL="0" lvl="0" indent="0" algn="ctr"/>
+                <a:r>
+                  <a:rPr lang="x-none" altLang="zh-CN" sz="1200" dirty="0">
+                    <a:solidFill>
+                      <a:schemeClr val="tx1"/>
+                    </a:solidFill>
+                    <a:latin typeface="Arial" panose="02080604020202020204" charset="0"/>
+                    <a:ea typeface="宋体" charset="-122"/>
+                    <a:sym typeface="Arial" panose="02080604020202020204" charset="0"/>
+                  </a:rPr>
+                  <a:t>Analysis</a:t>
+                </a:r>
+                <a:endParaRPr lang="x-none" altLang="zh-CN" sz="1200" dirty="0">
+                  <a:solidFill>
+                    <a:schemeClr val="tx1"/>
+                  </a:solidFill>
+                  <a:latin typeface="Arial" panose="02080604020202020204" charset="0"/>
+                  <a:ea typeface="宋体" charset="-122"/>
+                  <a:sym typeface="Arial" panose="02080604020202020204" charset="0"/>
+                </a:endParaRPr>
+              </a:p>
+            </p:txBody>
+          </p:sp>
+          <p:sp>
+            <p:nvSpPr>
+              <p:cNvPr id="10259" name="Oval 10258"/>
+              <p:cNvSpPr/>
+              <p:nvPr/>
+            </p:nvSpPr>
+            <p:spPr>
+              <a:xfrm>
+                <a:off x="307" y="65"/>
+                <a:ext cx="1545" cy="1082"/>
+              </a:xfrm>
+              <a:prstGeom prst="ellipse">
+                <a:avLst/>
+              </a:prstGeom>
+              <a:gradFill rotWithShape="0">
+                <a:gsLst>
+                  <a:gs pos="0">
+                    <a:srgbClr val="F8F8F8">
+                      <a:alpha val="79999"/>
+                    </a:srgbClr>
+                  </a:gs>
+                  <a:gs pos="100000">
+                    <a:srgbClr val="F8F8F8">
+                      <a:gamma/>
+                      <a:shade val="45882"/>
+                      <a:invGamma/>
+                      <a:alpha val="0"/>
+                    </a:srgbClr>
+                  </a:gs>
+                </a:gsLst>
+                <a:lin ang="5400000" scaled="1"/>
+                <a:tileRect/>
+              </a:gradFill>
+              <a:ln w="9525">
+                <a:noFill/>
+              </a:ln>
+            </p:spPr>
+            <p:txBody>
+              <a:bodyPr/>
+              <a:p>
+                <a:endParaRPr lang="en-US" sz="1200">
+                  <a:solidFill>
+                    <a:schemeClr val="tx1"/>
+                  </a:solidFill>
+                </a:endParaRPr>
+              </a:p>
+            </p:txBody>
+          </p:sp>
+        </p:grpSp>
+      </p:grpSp>
+      <p:grpSp>
+        <p:nvGrpSpPr>
+          <p:cNvPr id="10260" name="Group 10259"/>
+          <p:cNvGrpSpPr/>
+          <p:nvPr/>
+        </p:nvGrpSpPr>
+        <p:grpSpPr>
+          <a:xfrm>
+            <a:off x="2627630" y="1772920"/>
+            <a:ext cx="1220470" cy="705485"/>
+            <a:chOff x="0" y="0"/>
+            <a:chExt cx="2182" cy="2182"/>
+          </a:xfrm>
+        </p:grpSpPr>
+        <p:sp>
+          <p:nvSpPr>
+            <p:cNvPr id="10261" name="Rounded Rectangle 10260" descr="e760c95136374590b650471bf67e5d77# #圆角矩形 293"/>
+            <p:cNvSpPr/>
+            <p:nvPr/>
+          </p:nvSpPr>
+          <p:spPr>
+            <a:xfrm>
+              <a:off x="0" y="0"/>
+              <a:ext cx="2182" cy="2182"/>
+            </a:xfrm>
+            <a:prstGeom prst="roundRect">
+              <a:avLst>
+                <a:gd name="adj" fmla="val 50000"/>
+              </a:avLst>
+            </a:prstGeom>
+            <a:gradFill rotWithShape="0">
+              <a:gsLst>
+                <a:gs pos="0">
+                  <a:schemeClr val="accent1">
+                    <a:alpha val="100000"/>
+                  </a:schemeClr>
+                </a:gs>
+                <a:gs pos="100000">
+                  <a:schemeClr val="accent2">
+                    <a:alpha val="100000"/>
+                  </a:schemeClr>
+                </a:gs>
+              </a:gsLst>
+              <a:lin ang="5400000" scaled="1"/>
+              <a:tileRect/>
+            </a:gradFill>
+            <a:ln w="9525" cap="flat" cmpd="sng">
+              <a:solidFill>
+                <a:schemeClr val="accent1"/>
+              </a:solidFill>
+              <a:prstDash val="solid"/>
+              <a:headEnd type="none" w="med" len="med"/>
+              <a:tailEnd type="none" w="med" len="med"/>
+            </a:ln>
+          </p:spPr>
+          <p:txBody>
+            <a:bodyPr vert="horz" wrap="none" anchor="ctr"/>
+            <a:p>
+              <a:pPr marL="0" lvl="0" indent="0" algn="ctr"/>
+              <a:r>
+                <a:rPr lang="x-none" altLang="zh-CN" sz="1200" dirty="0">
+                  <a:solidFill>
+                    <a:schemeClr val="tx1"/>
+                  </a:solidFill>
+                  <a:latin typeface="Arial" panose="02080604020202020204" charset="0"/>
+                  <a:ea typeface="宋体" charset="-122"/>
+                  <a:sym typeface="Arial" panose="02080604020202020204" charset="0"/>
+                </a:rPr>
+                <a:t>particle</a:t>
+              </a:r>
+              <a:endParaRPr lang="x-none" altLang="zh-CN" sz="1200" dirty="0">
+                <a:solidFill>
+                  <a:schemeClr val="tx1"/>
+                </a:solidFill>
+                <a:latin typeface="Arial" panose="02080604020202020204" charset="0"/>
+                <a:ea typeface="宋体" charset="-122"/>
+                <a:sym typeface="Arial" panose="02080604020202020204" charset="0"/>
+              </a:endParaRPr>
+            </a:p>
+            <a:p>
+              <a:pPr marL="0" lvl="0" indent="0" algn="ctr"/>
+              <a:r>
+                <a:rPr lang="x-none" altLang="zh-CN" sz="1200" dirty="0">
+                  <a:solidFill>
+                    <a:schemeClr val="tx1"/>
+                  </a:solidFill>
+                  <a:latin typeface="Arial" panose="02080604020202020204" charset="0"/>
+                  <a:ea typeface="宋体" charset="-122"/>
+                  <a:sym typeface="Arial" panose="02080604020202020204" charset="0"/>
+                </a:rPr>
+                <a:t>reconstruction</a:t>
+              </a:r>
+              <a:endParaRPr lang="x-none" altLang="zh-CN" sz="1200" dirty="0">
+                <a:solidFill>
+                  <a:schemeClr val="tx1"/>
+                </a:solidFill>
+                <a:latin typeface="Arial" panose="02080604020202020204" charset="0"/>
+                <a:ea typeface="宋体" charset="-122"/>
+                <a:sym typeface="Arial" panose="02080604020202020204" charset="0"/>
+              </a:endParaRPr>
+            </a:p>
+            <a:p>
+              <a:pPr marL="0" lvl="0" indent="0" algn="ctr"/>
+              <a:r>
+                <a:rPr lang="x-none" altLang="zh-CN" sz="1200" dirty="0">
+                  <a:solidFill>
+                    <a:schemeClr val="tx1"/>
+                  </a:solidFill>
+                  <a:latin typeface="Arial" panose="02080604020202020204" charset="0"/>
+                  <a:ea typeface="宋体" charset="-122"/>
+                  <a:sym typeface="Arial" panose="02080604020202020204" charset="0"/>
+                </a:rPr>
+                <a:t>and calibration</a:t>
+              </a:r>
+              <a:endParaRPr lang="x-none" altLang="zh-CN" sz="1200" dirty="0">
+                <a:solidFill>
+                  <a:schemeClr val="tx1"/>
+                </a:solidFill>
+                <a:latin typeface="Arial" panose="02080604020202020204" charset="0"/>
+                <a:ea typeface="宋体" charset="-122"/>
+                <a:sym typeface="Arial" panose="02080604020202020204" charset="0"/>
+              </a:endParaRPr>
+            </a:p>
+          </p:txBody>
+        </p:sp>
+        <p:sp>
+          <p:nvSpPr>
+            <p:cNvPr id="10262" name="Oval 10261"/>
+            <p:cNvSpPr/>
+            <p:nvPr/>
+          </p:nvSpPr>
+          <p:spPr>
+            <a:xfrm>
+              <a:off x="182" y="69"/>
+              <a:ext cx="1843" cy="1082"/>
+            </a:xfrm>
+            <a:prstGeom prst="ellipse">
+              <a:avLst/>
+            </a:prstGeom>
+            <a:gradFill rotWithShape="0">
+              <a:gsLst>
+                <a:gs pos="0">
+                  <a:srgbClr val="F8F8F8">
+                    <a:alpha val="79999"/>
+                  </a:srgbClr>
+                </a:gs>
+                <a:gs pos="100000">
+                  <a:srgbClr val="F8F8F8">
+                    <a:gamma/>
+                    <a:shade val="45882"/>
+                    <a:invGamma/>
+                    <a:alpha val="0"/>
+                  </a:srgbClr>
+                </a:gs>
+              </a:gsLst>
+              <a:lin ang="5400000" scaled="1"/>
+              <a:tileRect/>
+            </a:gradFill>
+            <a:ln w="9525">
+              <a:noFill/>
+            </a:ln>
+          </p:spPr>
+          <p:txBody>
+            <a:bodyPr/>
+            <a:p>
+              <a:endParaRPr lang="en-US" sz="800"/>
+            </a:p>
+          </p:txBody>
+        </p:sp>
+      </p:grpSp>
+      <p:grpSp>
+        <p:nvGrpSpPr>
+          <p:cNvPr id="10" name="Group 9"/>
+          <p:cNvGrpSpPr/>
+          <p:nvPr/>
+        </p:nvGrpSpPr>
+        <p:grpSpPr>
+          <a:xfrm>
+            <a:off x="6155690" y="3213100"/>
+            <a:ext cx="1362710" cy="841375"/>
+            <a:chOff x="0" y="0"/>
+            <a:chExt cx="6530" cy="2094"/>
+          </a:xfrm>
+        </p:grpSpPr>
+        <p:sp>
+          <p:nvSpPr>
+            <p:cNvPr id="11" name="Rounded Rectangle 10"/>
+            <p:cNvSpPr/>
+            <p:nvPr/>
+          </p:nvSpPr>
+          <p:spPr>
+            <a:xfrm>
+              <a:off x="640" y="1768"/>
+              <a:ext cx="5295" cy="326"/>
+            </a:xfrm>
+            <a:prstGeom prst="roundRect">
+              <a:avLst>
+                <a:gd name="adj" fmla="val 16667"/>
+              </a:avLst>
+            </a:prstGeom>
+            <a:gradFill rotWithShape="0">
+              <a:gsLst>
+                <a:gs pos="0">
+                  <a:schemeClr val="accent1">
+                    <a:alpha val="100000"/>
+                  </a:schemeClr>
+                </a:gs>
+                <a:gs pos="100000">
+                  <a:schemeClr val="accent2">
+                    <a:alpha val="0"/>
+                  </a:schemeClr>
+                </a:gs>
+              </a:gsLst>
+              <a:path path="shape">
+                <a:fillToRect l="50000" t="50000" r="50000" b="50000"/>
+              </a:path>
+              <a:tileRect/>
+            </a:gradFill>
+            <a:ln w="9525">
+              <a:noFill/>
+            </a:ln>
+          </p:spPr>
+          <p:txBody>
+            <a:bodyPr/>
+            <a:p>
+              <a:endParaRPr lang="en-US" sz="800"/>
+            </a:p>
+          </p:txBody>
+        </p:sp>
+        <p:sp>
+          <p:nvSpPr>
+            <p:cNvPr id="12" name="AutoShape 19"/>
+            <p:cNvSpPr/>
+            <p:nvPr/>
+          </p:nvSpPr>
+          <p:spPr>
+            <a:xfrm>
+              <a:off x="0" y="0"/>
+              <a:ext cx="6530" cy="1900"/>
+            </a:xfrm>
+            <a:prstGeom prst="roundRect">
+              <a:avLst>
+                <a:gd name="adj" fmla="val 50000"/>
+              </a:avLst>
+            </a:prstGeom>
+            <a:gradFill rotWithShape="0">
+              <a:gsLst>
+                <a:gs pos="0">
+                  <a:srgbClr val="DDDDDD">
+                    <a:alpha val="100000"/>
+                  </a:srgbClr>
+                </a:gs>
+                <a:gs pos="100000">
+                  <a:srgbClr val="F8F8F8">
+                    <a:alpha val="100000"/>
+                  </a:srgbClr>
+                </a:gs>
+              </a:gsLst>
+              <a:lin ang="5400000" scaled="1"/>
+              <a:tileRect/>
+            </a:gradFill>
+            <a:ln w="9525" cap="flat" cmpd="sng">
+              <a:solidFill>
+                <a:schemeClr val="bg2"/>
+              </a:solidFill>
+              <a:prstDash val="solid"/>
+              <a:headEnd type="none" w="med" len="med"/>
+              <a:tailEnd type="none" w="med" len="med"/>
+            </a:ln>
+          </p:spPr>
+          <p:txBody>
+            <a:bodyPr vert="horz" wrap="none" anchor="t"/>
+            <a:p>
+              <a:pPr marL="186055" lvl="0" algn="l" eaLnBrk="1" latinLnBrk="0" hangingPunct="1"/>
+              <a:r>
+                <a:rPr lang="x-none" altLang="zh-CN" sz="800" dirty="0">
+                  <a:latin typeface="Arial" panose="02080604020202020204" charset="0"/>
+                  <a:ea typeface="宋体" charset="-122"/>
+                </a:rPr>
+                <a:t>pt</a:t>
+              </a:r>
+              <a:endParaRPr lang="x-none" altLang="zh-CN" sz="800" dirty="0">
+                <a:latin typeface="Arial" panose="02080604020202020204" charset="0"/>
+                <a:ea typeface="宋体" charset="-122"/>
+              </a:endParaRPr>
+            </a:p>
+            <a:p>
+              <a:pPr marL="186055" lvl="0" algn="l" eaLnBrk="1" latinLnBrk="0" hangingPunct="1"/>
+              <a:r>
+                <a:rPr lang="x-none" altLang="zh-CN" sz="800" dirty="0">
+                  <a:latin typeface="Arial" panose="02080604020202020204" charset="0"/>
+                  <a:ea typeface="宋体" charset="-122"/>
+                </a:rPr>
+                <a:t>E</a:t>
+              </a:r>
+              <a:endParaRPr lang="x-none" altLang="zh-CN" sz="800" dirty="0">
+                <a:latin typeface="Arial" panose="02080604020202020204" charset="0"/>
+                <a:ea typeface="宋体" charset="-122"/>
+              </a:endParaRPr>
+            </a:p>
+            <a:p>
+              <a:pPr marL="186055" lvl="0" algn="l" eaLnBrk="1" latinLnBrk="0" hangingPunct="1"/>
+              <a:r>
+                <a:rPr lang="x-none" altLang="zh-CN" sz="800" dirty="0">
+                  <a:latin typeface="Arial" panose="02080604020202020204" charset="0"/>
+                  <a:ea typeface="宋体" charset="-122"/>
+                </a:rPr>
+                <a:t>angle</a:t>
+              </a:r>
+              <a:endParaRPr lang="x-none" altLang="zh-CN" sz="800" dirty="0">
+                <a:latin typeface="Arial" panose="02080604020202020204" charset="0"/>
+                <a:ea typeface="宋体" charset="-122"/>
+              </a:endParaRPr>
+            </a:p>
+            <a:p>
+              <a:pPr marL="186055" lvl="0" algn="l" eaLnBrk="1" latinLnBrk="0" hangingPunct="1"/>
+              <a:r>
+                <a:rPr lang="x-none" altLang="zh-CN" sz="800" dirty="0">
+                  <a:latin typeface="Arial" panose="02080604020202020204" charset="0"/>
+                  <a:ea typeface="宋体" charset="-122"/>
+                </a:rPr>
+                <a:t>...</a:t>
+              </a:r>
+              <a:endParaRPr lang="x-none" altLang="zh-CN" sz="800" dirty="0">
+                <a:latin typeface="Arial" panose="02080604020202020204" charset="0"/>
+                <a:ea typeface="宋体" charset="-122"/>
+              </a:endParaRPr>
+            </a:p>
+          </p:txBody>
+        </p:sp>
+      </p:grpSp>
+      <p:grpSp>
+        <p:nvGrpSpPr>
+          <p:cNvPr id="13" name="Group 12"/>
+          <p:cNvGrpSpPr/>
+          <p:nvPr/>
+        </p:nvGrpSpPr>
+        <p:grpSpPr>
+          <a:xfrm>
+            <a:off x="6155690" y="4725035"/>
+            <a:ext cx="1362710" cy="841375"/>
+            <a:chOff x="0" y="0"/>
+            <a:chExt cx="6530" cy="2094"/>
+          </a:xfrm>
+        </p:grpSpPr>
+        <p:sp>
+          <p:nvSpPr>
+            <p:cNvPr id="14" name="Rounded Rectangle 13"/>
+            <p:cNvSpPr/>
+            <p:nvPr/>
+          </p:nvSpPr>
+          <p:spPr>
+            <a:xfrm>
+              <a:off x="640" y="1768"/>
+              <a:ext cx="5295" cy="326"/>
+            </a:xfrm>
+            <a:prstGeom prst="roundRect">
+              <a:avLst>
+                <a:gd name="adj" fmla="val 16667"/>
+              </a:avLst>
+            </a:prstGeom>
+            <a:gradFill rotWithShape="0">
+              <a:gsLst>
+                <a:gs pos="0">
+                  <a:schemeClr val="accent1">
+                    <a:alpha val="100000"/>
+                  </a:schemeClr>
+                </a:gs>
+                <a:gs pos="100000">
+                  <a:schemeClr val="accent2">
+                    <a:alpha val="0"/>
+                  </a:schemeClr>
+                </a:gs>
+              </a:gsLst>
+              <a:path path="shape">
+                <a:fillToRect l="50000" t="50000" r="50000" b="50000"/>
+              </a:path>
+              <a:tileRect/>
+            </a:gradFill>
+            <a:ln w="9525">
+              <a:noFill/>
+            </a:ln>
+          </p:spPr>
+          <p:txBody>
+            <a:bodyPr/>
+            <a:p>
+              <a:endParaRPr lang="en-US" sz="800"/>
+            </a:p>
+          </p:txBody>
+        </p:sp>
+        <p:sp>
+          <p:nvSpPr>
+            <p:cNvPr id="15" name="AutoShape 19"/>
+            <p:cNvSpPr/>
+            <p:nvPr/>
+          </p:nvSpPr>
+          <p:spPr>
+            <a:xfrm>
+              <a:off x="0" y="0"/>
+              <a:ext cx="6530" cy="1900"/>
+            </a:xfrm>
+            <a:prstGeom prst="roundRect">
+              <a:avLst>
+                <a:gd name="adj" fmla="val 50000"/>
+              </a:avLst>
+            </a:prstGeom>
+            <a:gradFill rotWithShape="0">
+              <a:gsLst>
+                <a:gs pos="0">
+                  <a:srgbClr val="DDDDDD">
+                    <a:alpha val="100000"/>
+                  </a:srgbClr>
+                </a:gs>
+                <a:gs pos="100000">
+                  <a:srgbClr val="F8F8F8">
+                    <a:alpha val="100000"/>
+                  </a:srgbClr>
+                </a:gs>
+              </a:gsLst>
+              <a:lin ang="5400000" scaled="1"/>
+              <a:tileRect/>
+            </a:gradFill>
+            <a:ln w="9525" cap="flat" cmpd="sng">
+              <a:solidFill>
+                <a:schemeClr val="bg2"/>
+              </a:solidFill>
+              <a:prstDash val="solid"/>
+              <a:headEnd type="none" w="med" len="med"/>
+              <a:tailEnd type="none" w="med" len="med"/>
+            </a:ln>
+          </p:spPr>
+          <p:txBody>
+            <a:bodyPr vert="horz" wrap="none" anchor="t"/>
+            <a:p>
+              <a:pPr marL="186055" lvl="0" algn="l" eaLnBrk="1" latinLnBrk="0" hangingPunct="1"/>
+              <a:r>
+                <a:rPr lang="x-none" altLang="zh-CN" sz="800" dirty="0">
+                  <a:latin typeface="Arial" panose="02080604020202020204" charset="0"/>
+                  <a:ea typeface="宋体" charset="-122"/>
+                </a:rPr>
+                <a:t>invairant mass</a:t>
+              </a:r>
+              <a:endParaRPr lang="x-none" altLang="zh-CN" sz="800" dirty="0">
+                <a:latin typeface="Arial" panose="02080604020202020204" charset="0"/>
+                <a:ea typeface="宋体" charset="-122"/>
+              </a:endParaRPr>
+            </a:p>
+            <a:p>
+              <a:pPr marL="186055" lvl="0" algn="l" eaLnBrk="1" latinLnBrk="0" hangingPunct="1"/>
+              <a:r>
+                <a:rPr lang="x-none" altLang="zh-CN" sz="800" dirty="0">
+                  <a:latin typeface="Arial" panose="02080604020202020204" charset="0"/>
+                  <a:ea typeface="宋体" charset="-122"/>
+                </a:rPr>
+                <a:t>correlated angle</a:t>
+              </a:r>
+              <a:endParaRPr lang="x-none" altLang="zh-CN" sz="800" dirty="0">
+                <a:latin typeface="Arial" panose="02080604020202020204" charset="0"/>
+                <a:ea typeface="宋体" charset="-122"/>
+              </a:endParaRPr>
+            </a:p>
+            <a:p>
+              <a:pPr marL="186055" lvl="0" algn="l" eaLnBrk="1" latinLnBrk="0" hangingPunct="1"/>
+              <a:r>
+                <a:rPr lang="x-none" altLang="zh-CN" sz="800" dirty="0">
+                  <a:latin typeface="Arial" panose="02080604020202020204" charset="0"/>
+                  <a:ea typeface="宋体" charset="-122"/>
+                </a:rPr>
+                <a:t>jet shape</a:t>
+              </a:r>
+              <a:endParaRPr lang="x-none" altLang="zh-CN" sz="800" dirty="0">
+                <a:latin typeface="Arial" panose="02080604020202020204" charset="0"/>
+                <a:ea typeface="宋体" charset="-122"/>
+              </a:endParaRPr>
+            </a:p>
+            <a:p>
+              <a:pPr marL="186055" lvl="0" algn="l" eaLnBrk="1" latinLnBrk="0" hangingPunct="1"/>
+              <a:r>
+                <a:rPr lang="x-none" altLang="zh-CN" sz="800" dirty="0">
+                  <a:latin typeface="Arial" panose="02080604020202020204" charset="0"/>
+                  <a:ea typeface="宋体" charset="-122"/>
+                </a:rPr>
+                <a:t>jet substructure</a:t>
+              </a:r>
+              <a:endParaRPr lang="x-none" altLang="zh-CN" sz="800" dirty="0">
+                <a:latin typeface="Arial" panose="02080604020202020204" charset="0"/>
+                <a:ea typeface="宋体" charset="-122"/>
+              </a:endParaRPr>
+            </a:p>
+            <a:p>
+              <a:pPr marL="186055" lvl="0" algn="l" eaLnBrk="1" latinLnBrk="0" hangingPunct="1"/>
+              <a:r>
+                <a:rPr lang="x-none" altLang="zh-CN" sz="800" dirty="0">
+                  <a:latin typeface="Arial" panose="02080604020202020204" charset="0"/>
+                  <a:ea typeface="宋体" charset="-122"/>
+                </a:rPr>
+                <a:t>...</a:t>
+              </a:r>
+              <a:endParaRPr lang="x-none" altLang="zh-CN" sz="800" dirty="0">
+                <a:latin typeface="Arial" panose="02080604020202020204" charset="0"/>
+                <a:ea typeface="宋体" charset="-122"/>
+              </a:endParaRPr>
+            </a:p>
+            <a:p>
+              <a:pPr marL="357505" lvl="0" indent="-171450" algn="l" eaLnBrk="1" latinLnBrk="0" hangingPunct="1">
+                <a:buFont typeface="Arial" panose="02080604020202020204" charset="0"/>
+                <a:buChar char="•"/>
+              </a:pPr>
+              <a:endParaRPr lang="x-none" altLang="zh-CN" sz="800" dirty="0">
+                <a:latin typeface="Arial" panose="02080604020202020204" charset="0"/>
+                <a:ea typeface="宋体" charset="-122"/>
+              </a:endParaRPr>
+            </a:p>
+            <a:p>
+              <a:pPr marL="357505" lvl="0" indent="-171450" algn="l" eaLnBrk="1" latinLnBrk="0" hangingPunct="1">
+                <a:buFont typeface="Arial" panose="02080604020202020204" charset="0"/>
+                <a:buChar char="•"/>
+              </a:pPr>
+              <a:endParaRPr lang="x-none" altLang="zh-CN" sz="800" dirty="0">
+                <a:latin typeface="Arial" panose="02080604020202020204" charset="0"/>
+                <a:ea typeface="宋体" charset="-122"/>
+              </a:endParaRPr>
+            </a:p>
+          </p:txBody>
+        </p:sp>
+      </p:grpSp>
+      <p:sp>
+        <p:nvSpPr>
+          <p:cNvPr id="8196" name="Oval 8195"/>
+          <p:cNvSpPr/>
+          <p:nvPr/>
+        </p:nvSpPr>
+        <p:spPr>
+          <a:xfrm>
+            <a:off x="1924050" y="4375785"/>
+            <a:ext cx="1323340" cy="120015"/>
+          </a:xfrm>
+          <a:prstGeom prst="ellipse">
+            <a:avLst/>
+          </a:prstGeom>
+          <a:gradFill rotWithShape="0">
+            <a:gsLst>
+              <a:gs pos="0">
+                <a:schemeClr val="accent1">
+                  <a:alpha val="100000"/>
+                </a:schemeClr>
+              </a:gs>
+              <a:gs pos="100000">
+                <a:schemeClr val="accent2">
+                  <a:alpha val="0"/>
+                </a:schemeClr>
+              </a:gs>
+            </a:gsLst>
+            <a:path path="shape">
+              <a:fillToRect l="50000" t="50000" r="50000" b="50000"/>
+            </a:path>
+            <a:tileRect/>
+          </a:gradFill>
+          <a:ln w="9525">
+            <a:noFill/>
+          </a:ln>
+        </p:spPr>
+        <p:txBody>
+          <a:bodyPr/>
+          <a:p>
+            <a:endParaRPr lang="en-US"/>
+          </a:p>
+        </p:txBody>
+      </p:sp>
+      <p:grpSp>
+        <p:nvGrpSpPr>
+          <p:cNvPr id="8197" name="Group 8196"/>
+          <p:cNvGrpSpPr/>
+          <p:nvPr/>
+        </p:nvGrpSpPr>
+        <p:grpSpPr>
+          <a:xfrm>
+            <a:off x="1115396" y="3644627"/>
+            <a:ext cx="2038985" cy="1205865"/>
+            <a:chOff x="-1" y="65"/>
+            <a:chExt cx="2182" cy="2182"/>
+          </a:xfrm>
+        </p:grpSpPr>
+        <p:sp>
+          <p:nvSpPr>
+            <p:cNvPr id="8198" name="Rounded Rectangle 8197" descr="e760c95136374590b650471bf67e5d77# #圆角矩形 293"/>
+            <p:cNvSpPr/>
+            <p:nvPr/>
+          </p:nvSpPr>
+          <p:spPr>
+            <a:xfrm>
+              <a:off x="-1" y="65"/>
+              <a:ext cx="2182" cy="2182"/>
+            </a:xfrm>
+            <a:prstGeom prst="roundRect">
+              <a:avLst>
+                <a:gd name="adj" fmla="val 50000"/>
+              </a:avLst>
+            </a:prstGeom>
+            <a:solidFill>
+              <a:srgbClr val="00B050"/>
+            </a:solidFill>
+            <a:ln w="9525" cap="flat" cmpd="sng">
+              <a:solidFill>
+                <a:schemeClr val="accent1"/>
+              </a:solidFill>
+              <a:prstDash val="solid"/>
+              <a:headEnd type="none" w="med" len="med"/>
+              <a:tailEnd type="none" w="med" len="med"/>
+            </a:ln>
+          </p:spPr>
+          <p:txBody>
+            <a:bodyPr vert="horz" wrap="none" anchor="ctr"/>
+            <a:p>
+              <a:pPr marL="0" lvl="0" indent="0" algn="ctr"/>
+              <a:r>
+                <a:rPr lang="x-none" altLang="zh-CN" sz="2400" dirty="0">
+                  <a:solidFill>
+                    <a:schemeClr val="bg1"/>
+                  </a:solidFill>
+                  <a:latin typeface="Arial" panose="02080604020202020204" charset="0"/>
+                  <a:ea typeface="宋体" charset="-122"/>
+                  <a:sym typeface="Arial" panose="02080604020202020204" charset="0"/>
+                </a:rPr>
+                <a:t>BASDA</a:t>
+              </a:r>
+              <a:endParaRPr lang="x-none" altLang="zh-CN" sz="2400" dirty="0">
+                <a:solidFill>
+                  <a:schemeClr val="bg1"/>
+                </a:solidFill>
+                <a:latin typeface="Arial" panose="02080604020202020204" charset="0"/>
+                <a:ea typeface="宋体" charset="-122"/>
+                <a:sym typeface="Arial" panose="02080604020202020204" charset="0"/>
+              </a:endParaRPr>
+            </a:p>
+          </p:txBody>
+        </p:sp>
+        <p:sp>
+          <p:nvSpPr>
+            <p:cNvPr id="8199" name="Oval 8198"/>
+            <p:cNvSpPr/>
+            <p:nvPr/>
+          </p:nvSpPr>
+          <p:spPr>
+            <a:xfrm>
+              <a:off x="214" y="65"/>
+              <a:ext cx="1722" cy="1082"/>
+            </a:xfrm>
+            <a:prstGeom prst="ellipse">
+              <a:avLst/>
+            </a:prstGeom>
+            <a:gradFill rotWithShape="0">
+              <a:gsLst>
+                <a:gs pos="0">
+                  <a:srgbClr val="F8F8F8">
+                    <a:alpha val="79999"/>
+                  </a:srgbClr>
+                </a:gs>
+                <a:gs pos="100000">
+                  <a:srgbClr val="F8F8F8">
+                    <a:gamma/>
+                    <a:shade val="45882"/>
+                    <a:invGamma/>
+                    <a:alpha val="0"/>
+                  </a:srgbClr>
+                </a:gs>
+              </a:gsLst>
+              <a:lin ang="5400000" scaled="1"/>
+              <a:tileRect/>
+            </a:gradFill>
+            <a:ln w="9525">
+              <a:noFill/>
+            </a:ln>
+          </p:spPr>
+          <p:txBody>
+            <a:bodyPr/>
+            <a:p>
+              <a:endParaRPr lang="en-US"/>
+            </a:p>
+          </p:txBody>
+        </p:sp>
+      </p:grpSp>
+      <p:sp>
+        <p:nvSpPr>
+          <p:cNvPr id="19" name="Right Arrow 18"/>
+          <p:cNvSpPr/>
+          <p:nvPr/>
+        </p:nvSpPr>
+        <p:spPr>
+          <a:xfrm rot="10800000">
+            <a:off x="3419475" y="4076700"/>
+            <a:ext cx="615950" cy="219075"/>
+          </a:xfrm>
+          <a:prstGeom prst="rightArrow">
+            <a:avLst/>
+          </a:prstGeom>
+        </p:spPr>
+        <p:style>
+          <a:lnRef idx="2">
+            <a:schemeClr val="accent1">
+              <a:shade val="50000"/>
+            </a:schemeClr>
+          </a:lnRef>
+          <a:fillRef idx="1">
+            <a:schemeClr val="accent1"/>
+          </a:fillRef>
+          <a:effectRef idx="0">
+            <a:schemeClr val="accent1"/>
+          </a:effectRef>
+          <a:fontRef idx="minor">
+            <a:schemeClr val="lt1"/>
+          </a:fontRef>
+        </p:style>
+        <p:txBody>
+          <a:bodyPr rtlCol="0" anchor="ctr"/>
+          <a:p>
+            <a:pPr algn="ctr"/>
+            <a:endParaRPr lang="en-US"/>
+          </a:p>
+        </p:txBody>
+      </p:sp>
+      <p:sp>
+        <p:nvSpPr>
+          <p:cNvPr id="20" name="Right Arrow 19"/>
+          <p:cNvSpPr/>
+          <p:nvPr/>
+        </p:nvSpPr>
+        <p:spPr>
+          <a:xfrm>
+            <a:off x="2051685" y="1988820"/>
+            <a:ext cx="504190" cy="215900"/>
+          </a:xfrm>
+          <a:prstGeom prst="rightArrow">
+            <a:avLst/>
+          </a:prstGeom>
+        </p:spPr>
+        <p:style>
+          <a:lnRef idx="2">
+            <a:schemeClr val="accent1">
+              <a:shade val="50000"/>
+            </a:schemeClr>
+          </a:lnRef>
+          <a:fillRef idx="1">
+            <a:schemeClr val="accent1"/>
+          </a:fillRef>
+          <a:effectRef idx="0">
+            <a:schemeClr val="accent1"/>
+          </a:effectRef>
+          <a:fontRef idx="minor">
+            <a:schemeClr val="lt1"/>
+          </a:fontRef>
+        </p:style>
+        <p:txBody>
+          <a:bodyPr rtlCol="0" anchor="ctr"/>
+          <a:p>
+            <a:pPr algn="ctr"/>
+            <a:endParaRPr lang="en-US"/>
+          </a:p>
+        </p:txBody>
+      </p:sp>
+      <p:grpSp>
+        <p:nvGrpSpPr>
+          <p:cNvPr id="2" name="Group 1"/>
+          <p:cNvGrpSpPr/>
+          <p:nvPr/>
+        </p:nvGrpSpPr>
+        <p:grpSpPr>
+          <a:xfrm>
+            <a:off x="7379970" y="1628775"/>
+            <a:ext cx="1362710" cy="841375"/>
+            <a:chOff x="0" y="0"/>
+            <a:chExt cx="6530" cy="2094"/>
+          </a:xfrm>
+        </p:grpSpPr>
+        <p:sp>
+          <p:nvSpPr>
+            <p:cNvPr id="16" name="Rounded Rectangle 15"/>
+            <p:cNvSpPr/>
+            <p:nvPr/>
+          </p:nvSpPr>
+          <p:spPr>
+            <a:xfrm>
+              <a:off x="640" y="1768"/>
+              <a:ext cx="5295" cy="326"/>
+            </a:xfrm>
+            <a:prstGeom prst="roundRect">
+              <a:avLst>
+                <a:gd name="adj" fmla="val 16667"/>
+              </a:avLst>
+            </a:prstGeom>
+            <a:gradFill rotWithShape="0">
+              <a:gsLst>
+                <a:gs pos="0">
+                  <a:schemeClr val="accent1">
+                    <a:alpha val="100000"/>
+                  </a:schemeClr>
+                </a:gs>
+                <a:gs pos="100000">
+                  <a:schemeClr val="accent2">
+                    <a:alpha val="0"/>
+                  </a:schemeClr>
+                </a:gs>
+              </a:gsLst>
+              <a:path path="shape">
+                <a:fillToRect l="50000" t="50000" r="50000" b="50000"/>
+              </a:path>
+              <a:tileRect/>
+            </a:gradFill>
+            <a:ln w="9525">
+              <a:noFill/>
+            </a:ln>
+          </p:spPr>
+          <p:txBody>
+            <a:bodyPr/>
+            <a:p>
+              <a:endParaRPr lang="en-US" sz="800"/>
+            </a:p>
+          </p:txBody>
+        </p:sp>
+        <p:sp>
+          <p:nvSpPr>
+            <p:cNvPr id="21" name="AutoShape 19"/>
+            <p:cNvSpPr/>
+            <p:nvPr/>
+          </p:nvSpPr>
+          <p:spPr>
+            <a:xfrm>
+              <a:off x="0" y="0"/>
+              <a:ext cx="6530" cy="1900"/>
+            </a:xfrm>
+            <a:prstGeom prst="roundRect">
+              <a:avLst>
+                <a:gd name="adj" fmla="val 50000"/>
+              </a:avLst>
+            </a:prstGeom>
+            <a:gradFill rotWithShape="0">
+              <a:gsLst>
+                <a:gs pos="0">
+                  <a:srgbClr val="DDDDDD">
+                    <a:alpha val="100000"/>
+                  </a:srgbClr>
+                </a:gs>
+                <a:gs pos="100000">
+                  <a:srgbClr val="F8F8F8">
+                    <a:alpha val="100000"/>
+                  </a:srgbClr>
+                </a:gs>
+              </a:gsLst>
+              <a:lin ang="5400000" scaled="1"/>
+              <a:tileRect/>
+            </a:gradFill>
+            <a:ln w="9525" cap="flat" cmpd="sng">
+              <a:solidFill>
+                <a:schemeClr val="bg2"/>
+              </a:solidFill>
+              <a:prstDash val="solid"/>
+              <a:headEnd type="none" w="med" len="med"/>
+              <a:tailEnd type="none" w="med" len="med"/>
+            </a:ln>
+          </p:spPr>
+          <p:txBody>
+            <a:bodyPr vert="horz" wrap="none" anchor="t"/>
+            <a:p>
+              <a:pPr marL="186055" lvl="0" algn="l" eaLnBrk="1" latinLnBrk="0" hangingPunct="1"/>
+              <a:r>
+                <a:rPr lang="x-none" altLang="zh-CN" sz="800" dirty="0">
+                  <a:latin typeface="Arial" panose="02080604020202020204" charset="0"/>
+                  <a:ea typeface="宋体" charset="-122"/>
+                </a:rPr>
+                <a:t>leptons</a:t>
+              </a:r>
+              <a:endParaRPr lang="x-none" altLang="zh-CN" sz="800" dirty="0">
+                <a:latin typeface="Arial" panose="02080604020202020204" charset="0"/>
+                <a:ea typeface="宋体" charset="-122"/>
+              </a:endParaRPr>
+            </a:p>
+            <a:p>
+              <a:pPr marL="186055" lvl="0" algn="l" eaLnBrk="1" latinLnBrk="0" hangingPunct="1"/>
+              <a:r>
+                <a:rPr lang="x-none" altLang="zh-CN" sz="800" dirty="0">
+                  <a:latin typeface="Arial" panose="02080604020202020204" charset="0"/>
+                  <a:ea typeface="宋体" charset="-122"/>
+                </a:rPr>
+                <a:t>jets</a:t>
+              </a:r>
+              <a:endParaRPr lang="x-none" altLang="zh-CN" sz="800" dirty="0">
+                <a:latin typeface="Arial" panose="02080604020202020204" charset="0"/>
+                <a:ea typeface="宋体" charset="-122"/>
+              </a:endParaRPr>
+            </a:p>
+            <a:p>
+              <a:pPr marL="186055" lvl="0" algn="l" eaLnBrk="1" latinLnBrk="0" hangingPunct="1"/>
+              <a:r>
+                <a:rPr lang="x-none" altLang="zh-CN" sz="800" dirty="0">
+                  <a:latin typeface="Arial" panose="02080604020202020204" charset="0"/>
+                  <a:ea typeface="宋体" charset="-122"/>
+                </a:rPr>
+                <a:t>photons</a:t>
+              </a:r>
+              <a:endParaRPr lang="x-none" altLang="zh-CN" sz="800" dirty="0">
+                <a:latin typeface="Arial" panose="02080604020202020204" charset="0"/>
+                <a:ea typeface="宋体" charset="-122"/>
+              </a:endParaRPr>
+            </a:p>
+            <a:p>
+              <a:pPr marL="186055" lvl="0" algn="l" eaLnBrk="1" latinLnBrk="0" hangingPunct="1"/>
+              <a:r>
+                <a:rPr lang="x-none" altLang="zh-CN" sz="800" dirty="0">
+                  <a:latin typeface="Arial" panose="02080604020202020204" charset="0"/>
+                  <a:ea typeface="宋体" charset="-122"/>
+                </a:rPr>
+                <a:t>missing Energy</a:t>
+              </a:r>
+              <a:endParaRPr lang="x-none" altLang="zh-CN" sz="800" dirty="0">
+                <a:latin typeface="Arial" panose="02080604020202020204" charset="0"/>
+                <a:ea typeface="宋体" charset="-122"/>
+              </a:endParaRPr>
+            </a:p>
+            <a:p>
+              <a:pPr marL="186055" lvl="0" algn="l" eaLnBrk="1" latinLnBrk="0" hangingPunct="1"/>
+              <a:r>
+                <a:rPr lang="x-none" altLang="zh-CN" sz="800" dirty="0">
+                  <a:latin typeface="Arial" panose="02080604020202020204" charset="0"/>
+                  <a:ea typeface="宋体" charset="-122"/>
+                </a:rPr>
+                <a:t>...</a:t>
+              </a:r>
+              <a:endParaRPr lang="x-none" altLang="zh-CN" sz="800" dirty="0">
+                <a:latin typeface="Arial" panose="02080604020202020204" charset="0"/>
+                <a:ea typeface="宋体" charset="-122"/>
+              </a:endParaRPr>
+            </a:p>
+            <a:p>
+              <a:pPr marL="357505" lvl="0" indent="-171450" algn="l" eaLnBrk="1" latinLnBrk="0" hangingPunct="1">
+                <a:buFont typeface="Arial" panose="02080604020202020204" charset="0"/>
+                <a:buChar char="•"/>
+              </a:pPr>
+              <a:endParaRPr lang="x-none" altLang="zh-CN" sz="800" dirty="0">
+                <a:latin typeface="Arial" panose="02080604020202020204" charset="0"/>
+                <a:ea typeface="宋体" charset="-122"/>
+              </a:endParaRPr>
+            </a:p>
+          </p:txBody>
+        </p:sp>
+      </p:grpSp>
+      <p:grpSp>
+        <p:nvGrpSpPr>
+          <p:cNvPr id="22" name="Group 21"/>
+          <p:cNvGrpSpPr/>
+          <p:nvPr/>
+        </p:nvGrpSpPr>
+        <p:grpSpPr>
+          <a:xfrm>
+            <a:off x="5956300" y="1834515"/>
+            <a:ext cx="1221740" cy="544830"/>
+            <a:chOff x="0" y="0"/>
+            <a:chExt cx="2182" cy="2182"/>
+          </a:xfrm>
+        </p:grpSpPr>
+        <p:sp>
+          <p:nvSpPr>
+            <p:cNvPr id="23" name="Rounded Rectangle 22" descr="e760c95136374590b650471bf67e5d77# #圆角矩形 293"/>
+            <p:cNvSpPr/>
+            <p:nvPr/>
+          </p:nvSpPr>
+          <p:spPr>
+            <a:xfrm>
+              <a:off x="0" y="0"/>
+              <a:ext cx="2182" cy="2182"/>
+            </a:xfrm>
+            <a:prstGeom prst="roundRect">
+              <a:avLst>
+                <a:gd name="adj" fmla="val 50000"/>
+              </a:avLst>
+            </a:prstGeom>
+            <a:gradFill rotWithShape="0">
+              <a:gsLst>
+                <a:gs pos="0">
+                  <a:schemeClr val="accent1">
+                    <a:alpha val="100000"/>
+                  </a:schemeClr>
+                </a:gs>
+                <a:gs pos="100000">
+                  <a:schemeClr val="accent2">
+                    <a:alpha val="100000"/>
+                  </a:schemeClr>
+                </a:gs>
+              </a:gsLst>
+              <a:lin ang="5400000" scaled="1"/>
+              <a:tileRect/>
+            </a:gradFill>
+            <a:ln w="9525" cap="flat" cmpd="sng">
+              <a:solidFill>
+                <a:schemeClr val="accent1"/>
+              </a:solidFill>
+              <a:prstDash val="solid"/>
+              <a:headEnd type="none" w="med" len="med"/>
+              <a:tailEnd type="none" w="med" len="med"/>
+            </a:ln>
+          </p:spPr>
+          <p:txBody>
+            <a:bodyPr vert="horz" wrap="none" anchor="ctr"/>
+            <a:p>
+              <a:pPr marL="0" lvl="0" indent="0" algn="ctr"/>
+              <a:r>
+                <a:rPr lang="x-none" altLang="zh-CN" sz="1200" dirty="0">
+                  <a:solidFill>
+                    <a:schemeClr val="tx1"/>
+                  </a:solidFill>
+                  <a:latin typeface="Arial" panose="02080604020202020204" charset="0"/>
+                  <a:ea typeface="宋体" charset="-122"/>
+                  <a:sym typeface="Arial" panose="02080604020202020204" charset="0"/>
+                </a:rPr>
+                <a:t>final state </a:t>
+              </a:r>
+              <a:endParaRPr lang="x-none" altLang="zh-CN" sz="1200" dirty="0">
+                <a:solidFill>
+                  <a:schemeClr val="tx1"/>
+                </a:solidFill>
+                <a:latin typeface="Arial" panose="02080604020202020204" charset="0"/>
+                <a:ea typeface="宋体" charset="-122"/>
+                <a:sym typeface="Arial" panose="02080604020202020204" charset="0"/>
+              </a:endParaRPr>
+            </a:p>
+            <a:p>
+              <a:pPr marL="0" lvl="0" indent="0" algn="ctr"/>
+              <a:r>
+                <a:rPr lang="x-none" altLang="zh-CN" sz="1200" dirty="0">
+                  <a:solidFill>
+                    <a:schemeClr val="tx1"/>
+                  </a:solidFill>
+                  <a:latin typeface="Arial" panose="02080604020202020204" charset="0"/>
+                  <a:ea typeface="宋体" charset="-122"/>
+                  <a:sym typeface="Arial" panose="02080604020202020204" charset="0"/>
+                </a:rPr>
+                <a:t>identification</a:t>
+              </a:r>
+              <a:endParaRPr lang="x-none" altLang="zh-CN" sz="1200" dirty="0">
+                <a:solidFill>
+                  <a:schemeClr val="tx1"/>
+                </a:solidFill>
+                <a:latin typeface="Arial" panose="02080604020202020204" charset="0"/>
+                <a:ea typeface="宋体" charset="-122"/>
+                <a:sym typeface="Arial" panose="02080604020202020204" charset="0"/>
+              </a:endParaRPr>
+            </a:p>
+          </p:txBody>
+        </p:sp>
+        <p:sp>
+          <p:nvSpPr>
+            <p:cNvPr id="24" name="Oval 23"/>
+            <p:cNvSpPr/>
+            <p:nvPr/>
+          </p:nvSpPr>
+          <p:spPr>
+            <a:xfrm>
+              <a:off x="307" y="65"/>
+              <a:ext cx="1545" cy="1082"/>
+            </a:xfrm>
+            <a:prstGeom prst="ellipse">
+              <a:avLst/>
+            </a:prstGeom>
+            <a:gradFill rotWithShape="0">
+              <a:gsLst>
+                <a:gs pos="0">
+                  <a:srgbClr val="F8F8F8">
+                    <a:alpha val="79999"/>
+                  </a:srgbClr>
+                </a:gs>
+                <a:gs pos="100000">
+                  <a:srgbClr val="F8F8F8">
+                    <a:gamma/>
+                    <a:shade val="45882"/>
+                    <a:invGamma/>
+                    <a:alpha val="0"/>
+                  </a:srgbClr>
+                </a:gs>
+              </a:gsLst>
+              <a:lin ang="5400000" scaled="1"/>
+              <a:tileRect/>
+            </a:gradFill>
+            <a:ln w="9525">
+              <a:noFill/>
+            </a:ln>
+          </p:spPr>
+          <p:txBody>
+            <a:bodyPr/>
+            <a:p>
+              <a:endParaRPr lang="en-US" sz="800"/>
+            </a:p>
+          </p:txBody>
+        </p:sp>
+      </p:grpSp>
+      <p:sp>
+        <p:nvSpPr>
+          <p:cNvPr id="25" name="Right Arrow 24"/>
+          <p:cNvSpPr/>
+          <p:nvPr/>
+        </p:nvSpPr>
+        <p:spPr>
+          <a:xfrm>
+            <a:off x="5435600" y="1988820"/>
+            <a:ext cx="504190" cy="215900"/>
+          </a:xfrm>
+          <a:prstGeom prst="rightArrow">
+            <a:avLst/>
+          </a:prstGeom>
+        </p:spPr>
+        <p:style>
+          <a:lnRef idx="2">
+            <a:schemeClr val="accent1">
+              <a:shade val="50000"/>
+            </a:schemeClr>
+          </a:lnRef>
+          <a:fillRef idx="1">
+            <a:schemeClr val="accent1"/>
+          </a:fillRef>
+          <a:effectRef idx="0">
+            <a:schemeClr val="accent1"/>
+          </a:effectRef>
+          <a:fontRef idx="minor">
+            <a:schemeClr val="lt1"/>
+          </a:fontRef>
+        </p:style>
+        <p:txBody>
+          <a:bodyPr rtlCol="0" anchor="ctr"/>
+          <a:p>
+            <a:pPr algn="ctr"/>
+            <a:endParaRPr lang="en-US"/>
+          </a:p>
+        </p:txBody>
+      </p:sp>
+      <p:sp>
+        <p:nvSpPr>
+          <p:cNvPr id="26" name="Line 35"/>
+          <p:cNvSpPr/>
+          <p:nvPr/>
+        </p:nvSpPr>
+        <p:spPr>
+          <a:xfrm rot="16200000" flipV="1">
+            <a:off x="7610475" y="3557270"/>
+            <a:ext cx="581025" cy="610870"/>
+          </a:xfrm>
+          <a:prstGeom prst="line">
+            <a:avLst/>
+          </a:prstGeom>
+          <a:ln w="19050" cap="flat" cmpd="sng">
+            <a:solidFill>
+              <a:schemeClr val="bg2"/>
+            </a:solidFill>
+            <a:prstDash val="solid"/>
+            <a:headEnd type="none" w="med" len="med"/>
+            <a:tailEnd type="none" w="med" len="med"/>
+          </a:ln>
+        </p:spPr>
+        <p:txBody>
+          <a:bodyPr/>
+          <a:p>
+            <a:endParaRPr lang="en-US"/>
+          </a:p>
+        </p:txBody>
+      </p:sp>
+      <p:sp>
+        <p:nvSpPr>
+          <p:cNvPr id="28" name="Bent Arrow 27"/>
+          <p:cNvSpPr/>
+          <p:nvPr/>
+        </p:nvSpPr>
+        <p:spPr>
+          <a:xfrm rot="10800000">
+            <a:off x="8214995" y="2640330"/>
+            <a:ext cx="244475" cy="1724660"/>
+          </a:xfrm>
+          <a:prstGeom prst="bentArrow">
+            <a:avLst/>
+          </a:prstGeom>
+        </p:spPr>
+        <p:style>
+          <a:lnRef idx="2">
+            <a:schemeClr val="accent1">
+              <a:shade val="50000"/>
+            </a:schemeClr>
+          </a:lnRef>
+          <a:fillRef idx="1">
+            <a:schemeClr val="accent1"/>
+          </a:fillRef>
+          <a:effectRef idx="0">
+            <a:schemeClr val="accent1"/>
+          </a:effectRef>
+          <a:fontRef idx="minor">
+            <a:schemeClr val="lt1"/>
+          </a:fontRef>
+        </p:style>
+        <p:txBody>
+          <a:bodyPr rtlCol="0" anchor="ctr"/>
+          <a:p>
+            <a:pPr algn="ctr"/>
+            <a:endParaRPr lang="en-US">
+              <a:solidFill>
+                <a:schemeClr val="tx1"/>
+              </a:solidFill>
+            </a:endParaRPr>
+          </a:p>
+        </p:txBody>
+      </p:sp>
+      <p:grpSp>
+        <p:nvGrpSpPr>
+          <p:cNvPr id="13347" name="Group 13346"/>
+          <p:cNvGrpSpPr/>
+          <p:nvPr/>
+        </p:nvGrpSpPr>
+        <p:grpSpPr>
+          <a:xfrm>
+            <a:off x="4304665" y="3604895"/>
+            <a:ext cx="1891665" cy="1320165"/>
+            <a:chOff x="0" y="0"/>
+            <a:chExt cx="2182" cy="2182"/>
+          </a:xfrm>
+        </p:grpSpPr>
+        <p:sp>
+          <p:nvSpPr>
+            <p:cNvPr id="13348" name="Rounded Rectangle 13347" descr="e760c95136374590b650471bf67e5d77# #圆角矩形 293"/>
+            <p:cNvSpPr/>
+            <p:nvPr/>
+          </p:nvSpPr>
+          <p:spPr>
+            <a:xfrm>
+              <a:off x="0" y="0"/>
+              <a:ext cx="2182" cy="2182"/>
+            </a:xfrm>
+            <a:prstGeom prst="roundRect">
+              <a:avLst>
+                <a:gd name="adj" fmla="val 50000"/>
+              </a:avLst>
+            </a:prstGeom>
+            <a:gradFill rotWithShape="0">
+              <a:gsLst>
+                <a:gs pos="0">
+                  <a:schemeClr val="accent1">
+                    <a:alpha val="100000"/>
+                  </a:schemeClr>
+                </a:gs>
+                <a:gs pos="100000">
+                  <a:schemeClr val="accent2">
+                    <a:alpha val="100000"/>
+                  </a:schemeClr>
+                </a:gs>
+              </a:gsLst>
+              <a:lin ang="5400000" scaled="1"/>
+              <a:tileRect/>
+            </a:gradFill>
+            <a:ln w="9525" cap="flat" cmpd="sng">
+              <a:solidFill>
+                <a:schemeClr val="accent1"/>
+              </a:solidFill>
+              <a:prstDash val="solid"/>
+              <a:headEnd type="none" w="med" len="med"/>
+              <a:tailEnd type="none" w="med" len="med"/>
+            </a:ln>
+          </p:spPr>
+          <p:txBody>
+            <a:bodyPr vert="horz" wrap="none" anchor="ctr"/>
+            <a:p>
+              <a:pPr marL="0" lvl="0" indent="0" algn="ctr"/>
+              <a:r>
+                <a:rPr lang="x-none" altLang="zh-CN" sz="1600" dirty="0">
+                  <a:solidFill>
+                    <a:schemeClr val="tx1"/>
+                  </a:solidFill>
+                  <a:latin typeface="Arial" panose="02080604020202020204" charset="0"/>
+                  <a:ea typeface="宋体" charset="-122"/>
+                  <a:sym typeface="Arial" panose="02080604020202020204" charset="0"/>
+                </a:rPr>
+                <a:t>Observables</a:t>
+              </a:r>
+              <a:endParaRPr lang="x-none" altLang="zh-CN" sz="1600" dirty="0">
+                <a:solidFill>
+                  <a:schemeClr val="tx1"/>
+                </a:solidFill>
+                <a:latin typeface="Arial" panose="02080604020202020204" charset="0"/>
+                <a:ea typeface="宋体" charset="-122"/>
+                <a:sym typeface="Arial" panose="02080604020202020204" charset="0"/>
+              </a:endParaRPr>
+            </a:p>
+          </p:txBody>
+        </p:sp>
+        <p:sp>
+          <p:nvSpPr>
+            <p:cNvPr id="13349" name="Oval 13348"/>
+            <p:cNvSpPr/>
+            <p:nvPr/>
+          </p:nvSpPr>
+          <p:spPr>
+            <a:xfrm>
+              <a:off x="143" y="68"/>
+              <a:ext cx="1893" cy="1082"/>
+            </a:xfrm>
+            <a:prstGeom prst="ellipse">
+              <a:avLst/>
+            </a:prstGeom>
+            <a:gradFill rotWithShape="0">
+              <a:gsLst>
+                <a:gs pos="0">
+                  <a:srgbClr val="F8F8F8">
+                    <a:alpha val="79999"/>
+                  </a:srgbClr>
+                </a:gs>
+                <a:gs pos="100000">
+                  <a:srgbClr val="F8F8F8">
+                    <a:gamma/>
+                    <a:shade val="45882"/>
+                    <a:invGamma/>
+                    <a:alpha val="0"/>
+                  </a:srgbClr>
+                </a:gs>
+              </a:gsLst>
+              <a:lin ang="5400000" scaled="1"/>
+              <a:tileRect/>
+            </a:gradFill>
+            <a:ln w="9525">
+              <a:noFill/>
+            </a:ln>
+          </p:spPr>
+          <p:txBody>
+            <a:bodyPr/>
+            <a:p>
+              <a:endParaRPr lang="en-US"/>
+            </a:p>
+          </p:txBody>
+        </p:sp>
+      </p:grpSp>
+      <p:sp>
+        <p:nvSpPr>
+          <p:cNvPr id="4" name="Rounded Rectangle 3"/>
+          <p:cNvSpPr/>
+          <p:nvPr/>
+        </p:nvSpPr>
+        <p:spPr>
+          <a:xfrm>
+            <a:off x="2628900" y="1629410"/>
+            <a:ext cx="6334125" cy="1197610"/>
+          </a:xfrm>
+          <a:prstGeom prst="roundRect">
+            <a:avLst/>
+          </a:prstGeom>
+          <a:noFill/>
+          <a:ln w="38100">
+            <a:solidFill>
+              <a:srgbClr val="0070C0"/>
+            </a:solidFill>
+          </a:ln>
+          <a:extLst>
+            <a:ext uri="{909E8E84-426E-40DD-AFC4-6F175D3DCCD1}">
+              <a14:hiddenFill xmlns:a14="http://schemas.microsoft.com/office/drawing/2010/main">
+                <a:solidFill>
+                  <a:schemeClr val="accent1"/>
+                </a:solidFill>
+              </a14:hiddenFill>
+            </a:ext>
+          </a:extLst>
+        </p:spPr>
+        <p:style>
+          <a:lnRef idx="2">
+            <a:schemeClr val="accent1">
+              <a:shade val="50000"/>
+            </a:schemeClr>
+          </a:lnRef>
+          <a:fillRef idx="1">
+            <a:schemeClr val="accent1"/>
+          </a:fillRef>
+          <a:effectRef idx="0">
+            <a:schemeClr val="accent1"/>
+          </a:effectRef>
+          <a:fontRef idx="minor">
+            <a:schemeClr val="lt1"/>
+          </a:fontRef>
+        </p:style>
+        <p:txBody>
+          <a:bodyPr rtlCol="0" anchor="ctr"/>
+          <a:p>
+            <a:pPr algn="ctr"/>
+            <a:endParaRPr lang="en-US"/>
+          </a:p>
+        </p:txBody>
+      </p:sp>
+      <p:sp>
+        <p:nvSpPr>
+          <p:cNvPr id="5" name="Rounded Rectangle 4"/>
+          <p:cNvSpPr/>
+          <p:nvPr/>
+        </p:nvSpPr>
+        <p:spPr>
+          <a:xfrm>
+            <a:off x="4084955" y="3144520"/>
+            <a:ext cx="4229100" cy="2736215"/>
+          </a:xfrm>
+          <a:prstGeom prst="roundRect">
+            <a:avLst/>
+          </a:prstGeom>
+          <a:noFill/>
+          <a:ln w="38100">
+            <a:solidFill>
+              <a:srgbClr val="FF0000"/>
+            </a:solidFill>
+          </a:ln>
+          <a:extLst>
+            <a:ext uri="{909E8E84-426E-40DD-AFC4-6F175D3DCCD1}">
+              <a14:hiddenFill xmlns:a14="http://schemas.microsoft.com/office/drawing/2010/main">
+                <a:solidFill>
+                  <a:schemeClr val="accent1"/>
+                </a:solidFill>
+              </a14:hiddenFill>
+            </a:ext>
+          </a:extLst>
+        </p:spPr>
+        <p:style>
+          <a:lnRef idx="2">
+            <a:schemeClr val="accent1">
+              <a:shade val="50000"/>
+            </a:schemeClr>
+          </a:lnRef>
+          <a:fillRef idx="1">
+            <a:schemeClr val="accent1"/>
+          </a:fillRef>
+          <a:effectRef idx="0">
+            <a:schemeClr val="accent1"/>
+          </a:effectRef>
+          <a:fontRef idx="minor">
+            <a:schemeClr val="lt1"/>
+          </a:fontRef>
+        </p:style>
+        <p:txBody>
+          <a:bodyPr rtlCol="0" anchor="ctr"/>
+          <a:p>
+            <a:pPr algn="ctr"/>
+            <a:endParaRPr lang="en-US"/>
+          </a:p>
+        </p:txBody>
+      </p:sp>
+      <p:sp>
+        <p:nvSpPr>
+          <p:cNvPr id="9" name="Rectangle 8"/>
+          <p:cNvSpPr/>
+          <p:nvPr/>
+        </p:nvSpPr>
+        <p:spPr>
+          <a:xfrm>
+            <a:off x="4715510" y="2276475"/>
+            <a:ext cx="1820545" cy="579120"/>
+          </a:xfrm>
+          <a:prstGeom prst="rect">
+            <a:avLst/>
+          </a:prstGeom>
+          <a:noFill/>
+          <a:ln>
+            <a:noFill/>
+          </a:ln>
+        </p:spPr>
+        <p:txBody>
+          <a:bodyPr wrap="square" rtlCol="0" anchor="t">
+            <a:spAutoFit/>
+            <a:scene3d>
+              <a:camera prst="orthographicFront"/>
+              <a:lightRig rig="threePt" dir="t"/>
+            </a:scene3d>
+          </a:bodyPr>
+          <a:p>
+            <a:pPr algn="ctr"/>
+            <a:r>
+              <a:rPr lang="x-none" altLang="en-US" sz="1600">
+                <a:ln w="12700" cmpd="sng">
+                  <a:solidFill>
+                    <a:srgbClr val="0070C0"/>
+                  </a:solidFill>
+                  <a:prstDash val="solid"/>
+                </a:ln>
+                <a:solidFill>
+                  <a:srgbClr val="00B0F0"/>
+                </a:solidFill>
+                <a:effectLst/>
+              </a:rPr>
+              <a:t>Marlin processors</a:t>
+            </a:r>
+            <a:endParaRPr lang="x-none" altLang="en-US" sz="1600">
+              <a:ln w="12700" cmpd="sng">
+                <a:solidFill>
+                  <a:srgbClr val="0070C0"/>
+                </a:solidFill>
+                <a:prstDash val="solid"/>
+              </a:ln>
+              <a:solidFill>
+                <a:srgbClr val="00B0F0"/>
+              </a:solidFill>
+              <a:effectLst/>
+            </a:endParaRPr>
+          </a:p>
+        </p:txBody>
+      </p:sp>
+      <p:sp>
+        <p:nvSpPr>
+          <p:cNvPr id="3" name="Rectangle 2"/>
+          <p:cNvSpPr/>
+          <p:nvPr/>
+        </p:nvSpPr>
+        <p:spPr>
+          <a:xfrm>
+            <a:off x="3995420" y="5516880"/>
+            <a:ext cx="4692650" cy="335280"/>
+          </a:xfrm>
+          <a:prstGeom prst="rect">
+            <a:avLst/>
+          </a:prstGeom>
+          <a:noFill/>
+          <a:ln>
+            <a:noFill/>
+          </a:ln>
+        </p:spPr>
+        <p:txBody>
+          <a:bodyPr wrap="square" rtlCol="0" anchor="t">
+            <a:spAutoFit/>
+            <a:scene3d>
+              <a:camera prst="orthographicFront"/>
+              <a:lightRig rig="threePt" dir="t"/>
+            </a:scene3d>
+          </a:bodyPr>
+          <a:p>
+            <a:pPr algn="ctr"/>
+            <a:r>
+              <a:rPr lang="x-none" altLang="en-US" sz="1600">
+                <a:ln w="12700" cmpd="sng">
+                  <a:solidFill>
+                    <a:srgbClr val="FF0000"/>
+                  </a:solidFill>
+                  <a:prstDash val="solid"/>
+                </a:ln>
+                <a:solidFill>
+                  <a:srgbClr val="FF0000"/>
+                </a:solidFill>
+                <a:effectLst/>
+              </a:rPr>
+              <a:t>what you need to do in future</a:t>
+            </a:r>
+            <a:endParaRPr lang="x-none" altLang="en-US" sz="1600">
+              <a:ln w="12700" cmpd="sng">
+                <a:solidFill>
+                  <a:srgbClr val="FF0000"/>
+                </a:solidFill>
+                <a:prstDash val="solid"/>
+              </a:ln>
+              <a:solidFill>
+                <a:srgbClr val="FF0000"/>
+              </a:solidFill>
+              <a:effectLst/>
+            </a:endParaRPr>
+          </a:p>
+        </p:txBody>
+      </p:sp>
+      <p:sp>
+        <p:nvSpPr>
+          <p:cNvPr id="7" name="Rectangle 6"/>
+          <p:cNvSpPr/>
+          <p:nvPr/>
+        </p:nvSpPr>
+        <p:spPr>
+          <a:xfrm>
+            <a:off x="2339975" y="6092825"/>
+            <a:ext cx="4692650" cy="365760"/>
+          </a:xfrm>
+          <a:prstGeom prst="rect">
+            <a:avLst/>
+          </a:prstGeom>
+          <a:noFill/>
+          <a:ln>
+            <a:noFill/>
+          </a:ln>
+        </p:spPr>
+        <p:txBody>
+          <a:bodyPr wrap="square" rtlCol="0" anchor="t">
+            <a:spAutoFit/>
+            <a:scene3d>
+              <a:camera prst="orthographicFront"/>
+              <a:lightRig rig="threePt" dir="t"/>
+            </a:scene3d>
+          </a:bodyPr>
+          <a:p>
+            <a:pPr algn="ctr"/>
+            <a:r>
+              <a:rPr lang="x-none" altLang="en-US">
+                <a:ln w="12700" cmpd="sng">
+                  <a:solidFill>
+                    <a:srgbClr val="7030A0"/>
+                  </a:solidFill>
+                  <a:prstDash val="solid"/>
+                </a:ln>
+                <a:solidFill>
+                  <a:srgbClr val="FF0000"/>
+                </a:solidFill>
+                <a:effectLst/>
+              </a:rPr>
+              <a:t>Hope to Save 50% time</a:t>
+            </a:r>
+            <a:endParaRPr lang="x-none" altLang="en-US">
+              <a:ln w="12700" cmpd="sng">
+                <a:solidFill>
+                  <a:srgbClr val="7030A0"/>
+                </a:solidFill>
+                <a:prstDash val="solid"/>
+              </a:ln>
+              <a:solidFill>
+                <a:srgbClr val="FF0000"/>
+              </a:solidFill>
+              <a:effectLst/>
+            </a:endParaRPr>
+          </a:p>
+        </p:txBody>
+      </p:sp>
+    </p:spTree>
+  </p:cSld>
+  <p:clrMapOvr>
+    <a:masterClrMapping/>
+  </p:clrMapOvr>
+</p:sld>
+</file>
+
+<file path=ppt/slides/slide39.xml><?xml version="1.0" encoding="utf-8"?>
+<p:sld xmlns:a="http://schemas.openxmlformats.org/drawingml/2006/main" xmlns:r="http://schemas.openxmlformats.org/officeDocument/2006/relationships" xmlns:p="http://schemas.openxmlformats.org/presentationml/2006/main">
+  <p:cSld>
+    <p:spTree>
+      <p:nvGrpSpPr>
+        <p:cNvPr id="1" name=""/>
+        <p:cNvGrpSpPr/>
+        <p:nvPr/>
+      </p:nvGrpSpPr>
+      <p:grpSpPr/>
+      <p:sp>
+        <p:nvSpPr>
+          <p:cNvPr id="2" name="Title 1"/>
+          <p:cNvSpPr>
+            <a:spLocks noGrp="1"/>
+          </p:cNvSpPr>
+          <p:nvPr>
+            <p:ph type="title"/>
+          </p:nvPr>
+        </p:nvSpPr>
+        <p:spPr/>
+        <p:txBody>
+          <a:bodyPr/>
+          <a:p>
+            <a:r>
+              <a:rPr lang="x-none" altLang="en-US"/>
+              <a:t>Summary &amp; Future</a:t>
+            </a:r>
+            <a:endParaRPr lang="x-none" altLang="en-US"/>
+          </a:p>
+        </p:txBody>
+      </p:sp>
+      <p:sp>
+        <p:nvSpPr>
+          <p:cNvPr id="3" name="Content Placeholder 2"/>
+          <p:cNvSpPr>
+            <a:spLocks noGrp="1"/>
+          </p:cNvSpPr>
+          <p:nvPr>
+            <p:ph idx="1"/>
+          </p:nvPr>
+        </p:nvSpPr>
+        <p:spPr/>
+        <p:txBody>
+          <a:bodyPr/>
+          <a:p>
+            <a:pPr>
+              <a:buFont typeface="Wingdings" charset="2"/>
+              <a:buChar char=""/>
+            </a:pPr>
+            <a:r>
+              <a:rPr lang="x-none" altLang="en-US">
+                <a:sym typeface="+mn-ea"/>
+              </a:rPr>
+              <a:t>https://github.com/</a:t>
+            </a:r>
+            <a:r>
+              <a:rPr lang="x-none" altLang="en-US">
+                <a:solidFill>
+                  <a:srgbClr val="FF0000"/>
+                </a:solidFill>
+                <a:sym typeface="+mn-ea"/>
+              </a:rPr>
+              <a:t>YancyW</a:t>
+            </a:r>
+            <a:r>
+              <a:rPr lang="x-none" altLang="en-US">
+                <a:sym typeface="+mn-ea"/>
+              </a:rPr>
+              <a:t>/BASDA</a:t>
+            </a:r>
+            <a:endParaRPr lang="x-none" altLang="en-US"/>
+          </a:p>
+          <a:p>
+            <a:pPr>
+              <a:buFont typeface="Wingdings" charset="2"/>
+              <a:buChar char=""/>
+            </a:pPr>
+            <a:r>
+              <a:rPr lang="x-none" altLang="en-US"/>
+              <a:t>Manuals/Examples:</a:t>
+            </a:r>
+            <a:endParaRPr lang="x-none" altLang="en-US"/>
+          </a:p>
+          <a:p>
+            <a:pPr lvl="1">
+              <a:buFont typeface="Wingdings" charset="2"/>
+              <a:buChar char=""/>
+            </a:pPr>
+            <a:r>
+              <a:rPr lang="x-none" altLang="en-US" sz="2000"/>
+              <a:t>mygithub/doc/BASDA_Usage_Example.pdf</a:t>
+            </a:r>
+            <a:endParaRPr lang="x-none" altLang="en-US" sz="2000"/>
+          </a:p>
+          <a:p>
+            <a:pPr lvl="1">
+              <a:buFont typeface="Wingdings" charset="2"/>
+              <a:buChar char=""/>
+            </a:pPr>
+            <a:r>
+              <a:rPr lang="x-none" altLang="en-US" sz="2000">
+                <a:sym typeface="+mn-ea"/>
+              </a:rPr>
+              <a:t>mygithub/doc/Usage.md</a:t>
+            </a:r>
+            <a:endParaRPr lang="x-none" altLang="en-US" sz="2000"/>
+          </a:p>
+          <a:p>
+            <a:pPr>
+              <a:buFont typeface="Wingdings" charset="2"/>
+              <a:buChar char=""/>
+            </a:pPr>
+            <a:r>
+              <a:rPr lang="x-none" altLang="en-US" sz="3200">
+                <a:sym typeface="+mn-ea"/>
+              </a:rPr>
+              <a:t>More tests: </a:t>
+            </a:r>
+            <a:endParaRPr lang="x-none" altLang="en-US" sz="3200"/>
+          </a:p>
+          <a:p>
+            <a:pPr marL="914400" lvl="1" indent="-457200">
+              <a:lnSpc>
+                <a:spcPct val="90000"/>
+              </a:lnSpc>
+              <a:buFont typeface="Wingdings" charset="2"/>
+              <a:buChar char=""/>
+            </a:pPr>
+            <a:r>
+              <a:rPr lang="x-none" altLang="en-US" sz="2000"/>
+              <a:t>MVA </a:t>
+            </a:r>
+            <a:endParaRPr lang="x-none" altLang="en-US" sz="2000"/>
+          </a:p>
+          <a:p>
+            <a:pPr marL="914400" lvl="1" indent="-457200">
+              <a:lnSpc>
+                <a:spcPct val="90000"/>
+              </a:lnSpc>
+              <a:buFont typeface="Wingdings" charset="2"/>
+              <a:buChar char=""/>
+            </a:pPr>
+            <a:r>
+              <a:rPr lang="x-none" altLang="en-US" sz="2000"/>
+              <a:t>Code consistency</a:t>
+            </a:r>
+            <a:endParaRPr lang="x-none" altLang="en-US" sz="2000"/>
+          </a:p>
+          <a:p>
+            <a:pPr>
+              <a:buFont typeface="Wingdings" charset="2"/>
+              <a:buChar char=""/>
+            </a:pPr>
+            <a:r>
+              <a:rPr lang="x-none" altLang="en-US"/>
+              <a:t>More functions: </a:t>
+            </a:r>
+            <a:endParaRPr lang="x-none" altLang="en-US"/>
+          </a:p>
+          <a:p>
+            <a:pPr marL="914400" lvl="1" indent="-457200">
+              <a:lnSpc>
+                <a:spcPct val="90000"/>
+              </a:lnSpc>
+              <a:buFont typeface="Wingdings" charset="2"/>
+              <a:buChar char=""/>
+            </a:pPr>
+            <a:r>
+              <a:rPr lang="x-none" altLang="en-US" sz="2000"/>
+              <a:t>2-D plots  </a:t>
+            </a:r>
+            <a:endParaRPr lang="x-none" altLang="en-US" sz="2000"/>
+          </a:p>
+          <a:p>
+            <a:pPr marL="914400" lvl="1" indent="-457200">
+              <a:lnSpc>
+                <a:spcPct val="90000"/>
+              </a:lnSpc>
+              <a:buFont typeface="Wingdings" charset="2"/>
+              <a:buChar char=""/>
+            </a:pPr>
+            <a:r>
+              <a:rPr lang="x-none" altLang="en-US" sz="2000">
+                <a:sym typeface="+mn-ea"/>
+              </a:rPr>
+              <a:t>statistic </a:t>
+            </a:r>
+            <a:r>
+              <a:rPr lang="x-none" altLang="en-US" sz="2000"/>
+              <a:t>(like wsmaker,nplot ... in ATLAS group).</a:t>
+            </a:r>
+            <a:endParaRPr lang="x-none" altLang="en-US" sz="2000"/>
+          </a:p>
+          <a:p>
+            <a:pPr>
+              <a:buFont typeface="Wingdings" charset="2"/>
+              <a:buChar char=""/>
+            </a:pPr>
+            <a:r>
+              <a:rPr lang="x-none" altLang="en-US"/>
+              <a:t>GUI for basic users</a:t>
+            </a:r>
+            <a:endParaRPr lang="x-none" altLang="en-US"/>
           </a:p>
         </p:txBody>
       </p:sp>
@@ -20626,6 +28556,52 @@
               </a:solidFill>
               <a:effectLst/>
             </a:endParaRPr>
+          </a:p>
+        </p:txBody>
+      </p:sp>
+    </p:spTree>
+  </p:cSld>
+  <p:clrMapOvr>
+    <a:masterClrMapping/>
+  </p:clrMapOvr>
+</p:sld>
+</file>
+
+<file path=ppt/slides/slide40.xml><?xml version="1.0" encoding="utf-8"?>
+<p:sld xmlns:a="http://schemas.openxmlformats.org/drawingml/2006/main" xmlns:r="http://schemas.openxmlformats.org/officeDocument/2006/relationships" xmlns:p="http://schemas.openxmlformats.org/presentationml/2006/main">
+  <p:cSld>
+    <p:spTree>
+      <p:nvGrpSpPr>
+        <p:cNvPr id="1" name=""/>
+        <p:cNvGrpSpPr/>
+        <p:nvPr/>
+      </p:nvGrpSpPr>
+      <p:grpSpPr/>
+      <p:sp>
+        <p:nvSpPr>
+          <p:cNvPr id="15362" name="Title 15361"/>
+          <p:cNvSpPr>
+            <a:spLocks noGrp="1"/>
+          </p:cNvSpPr>
+          <p:nvPr>
+            <p:ph type="ctrTitle"/>
+          </p:nvPr>
+        </p:nvSpPr>
+        <p:spPr>
+          <a:xfrm>
+            <a:off x="684213" y="1989138"/>
+            <a:ext cx="7772400" cy="1082675"/>
+          </a:xfrm>
+        </p:spPr>
+        <p:txBody>
+          <a:bodyPr anchor="ctr"/>
+          <a:p>
+            <a:pPr lvl="0" algn="ctr"/>
+            <a:r>
+              <a:rPr lang="en-US" altLang="x-none" sz="4800" b="0" dirty="0"/>
+              <a:t>Thank you!</a:t>
+            </a:r>
+            <a:endParaRPr lang="zh-CN" altLang="en-US" sz="4800" b="0" dirty="0"/>
           </a:p>
         </p:txBody>
       </p:sp>
